--- a/JaaS.pptx
+++ b/JaaS.pptx
@@ -5,16 +5,22 @@
     <p:sldMasterId id="2147483778" r:id="rId1"/>
   </p:sldMasterIdLst>
   <p:notesMasterIdLst>
-    <p:notesMasterId r:id="rId6"/>
+    <p:notesMasterId r:id="rId12"/>
   </p:notesMasterIdLst>
   <p:handoutMasterIdLst>
-    <p:handoutMasterId r:id="rId7"/>
+    <p:handoutMasterId r:id="rId13"/>
   </p:handoutMasterIdLst>
   <p:sldIdLst>
     <p:sldId id="256" r:id="rId2"/>
     <p:sldId id="316" r:id="rId3"/>
     <p:sldId id="329" r:id="rId4"/>
-    <p:sldId id="261" r:id="rId5"/>
+    <p:sldId id="330" r:id="rId5"/>
+    <p:sldId id="331" r:id="rId6"/>
+    <p:sldId id="332" r:id="rId7"/>
+    <p:sldId id="333" r:id="rId8"/>
+    <p:sldId id="334" r:id="rId9"/>
+    <p:sldId id="335" r:id="rId10"/>
+    <p:sldId id="261" r:id="rId11"/>
   </p:sldIdLst>
   <p:sldSz cx="12192000" cy="6858000"/>
   <p:notesSz cx="6858000" cy="9144000"/>
@@ -10039,256 +10045,7 @@
 </p:sld>
 </file>
 
-<file path=ppt/slides/slide2.xml><?xml version="1.0" encoding="utf-8"?>
-<p:sld xmlns:a="http://schemas.openxmlformats.org/drawingml/2006/main" xmlns:r="http://schemas.openxmlformats.org/officeDocument/2006/relationships" xmlns:p="http://schemas.openxmlformats.org/presentationml/2006/main">
-  <p:cSld>
-    <p:spTree>
-      <p:nvGrpSpPr>
-        <p:cNvPr id="1" name=""/>
-        <p:cNvGrpSpPr/>
-        <p:nvPr/>
-      </p:nvGrpSpPr>
-      <p:grpSpPr>
-        <a:xfrm>
-          <a:off x="0" y="0"/>
-          <a:ext cx="0" cy="0"/>
-          <a:chOff x="0" y="0"/>
-          <a:chExt cx="0" cy="0"/>
-        </a:xfrm>
-      </p:grpSpPr>
-      <p:sp>
-        <p:nvSpPr>
-          <p:cNvPr id="2" name="Title 1">
-            <a:extLst>
-              <a:ext uri="{FF2B5EF4-FFF2-40B4-BE49-F238E27FC236}">
-                <a16:creationId xmlns:a16="http://schemas.microsoft.com/office/drawing/2014/main" id="{CB59940D-0B58-44F5-8476-CC3A1A013BBD}"/>
-              </a:ext>
-            </a:extLst>
-          </p:cNvPr>
-          <p:cNvSpPr>
-            <a:spLocks noGrp="1"/>
-          </p:cNvSpPr>
-          <p:nvPr>
-            <p:ph type="title"/>
-          </p:nvPr>
-        </p:nvSpPr>
-        <p:spPr/>
-        <p:txBody>
-          <a:bodyPr/>
-          <a:lstStyle/>
-          <a:p>
-            <a:r>
-              <a:rPr lang="en-GB" dirty="0"/>
-              <a:t>About Me</a:t>
-            </a:r>
-          </a:p>
-        </p:txBody>
-      </p:sp>
-      <p:sp>
-        <p:nvSpPr>
-          <p:cNvPr id="3" name="Content Placeholder 2">
-            <a:extLst>
-              <a:ext uri="{FF2B5EF4-FFF2-40B4-BE49-F238E27FC236}">
-                <a16:creationId xmlns:a16="http://schemas.microsoft.com/office/drawing/2014/main" id="{5879694A-BD0B-4875-8571-E41E164CC970}"/>
-              </a:ext>
-            </a:extLst>
-          </p:cNvPr>
-          <p:cNvSpPr>
-            <a:spLocks noGrp="1"/>
-          </p:cNvSpPr>
-          <p:nvPr>
-            <p:ph idx="1"/>
-          </p:nvPr>
-        </p:nvSpPr>
-        <p:spPr/>
-        <p:txBody>
-          <a:bodyPr/>
-          <a:lstStyle/>
-          <a:p>
-            <a:r>
-              <a:rPr lang="en-GB" dirty="0"/>
-              <a:t>John Staveley MVP</a:t>
-            </a:r>
-          </a:p>
-          <a:p>
-            <a:r>
-              <a:rPr lang="en-GB" dirty="0"/>
-              <a:t>IT Contractor in C#, </a:t>
-            </a:r>
-            <a:r>
-              <a:rPr lang="en-GB" dirty="0" err="1"/>
-              <a:t>Mvc</a:t>
-            </a:r>
-            <a:r>
-              <a:rPr lang="en-GB" dirty="0"/>
-              <a:t>, </a:t>
-            </a:r>
-            <a:r>
-              <a:rPr lang="en-GB" dirty="0" err="1"/>
-              <a:t>Sql</a:t>
-            </a:r>
-            <a:r>
-              <a:rPr lang="en-GB" dirty="0"/>
-              <a:t> Server, Angular, Azure and IoT</a:t>
-            </a:r>
-          </a:p>
-          <a:p>
-            <a:r>
-              <a:rPr lang="en-GB" dirty="0"/>
-              <a:t>Organise </a:t>
-            </a:r>
-            <a:r>
-              <a:rPr lang="en-GB" dirty="0" err="1"/>
-              <a:t>LeedsSharp</a:t>
-            </a:r>
-            <a:r>
-              <a:rPr lang="en-GB" dirty="0"/>
-              <a:t>, Leeds Data science and </a:t>
-            </a:r>
-            <a:r>
-              <a:rPr lang="en-GB" dirty="0" err="1"/>
-              <a:t>IoTNorth</a:t>
-            </a:r>
-            <a:r>
-              <a:rPr lang="en-GB" dirty="0"/>
-              <a:t> (</a:t>
-            </a:r>
-            <a:r>
-              <a:rPr lang="en-GB" dirty="0" err="1"/>
-              <a:t>AIoT</a:t>
-            </a:r>
-            <a:r>
-              <a:rPr lang="en-GB" dirty="0"/>
-              <a:t>) etc</a:t>
-            </a:r>
-          </a:p>
-        </p:txBody>
-      </p:sp>
-    </p:spTree>
-    <p:extLst>
-      <p:ext uri="{BB962C8B-B14F-4D97-AF65-F5344CB8AC3E}">
-        <p14:creationId xmlns:p14="http://schemas.microsoft.com/office/powerpoint/2010/main" val="4053385501"/>
-      </p:ext>
-    </p:extLst>
-  </p:cSld>
-  <p:clrMapOvr>
-    <a:masterClrMapping/>
-  </p:clrMapOvr>
-</p:sld>
-</file>
-
-<file path=ppt/slides/slide3.xml><?xml version="1.0" encoding="utf-8"?>
-<p:sld xmlns:a="http://schemas.openxmlformats.org/drawingml/2006/main" xmlns:r="http://schemas.openxmlformats.org/officeDocument/2006/relationships" xmlns:p="http://schemas.openxmlformats.org/presentationml/2006/main">
-  <p:cSld>
-    <p:spTree>
-      <p:nvGrpSpPr>
-        <p:cNvPr id="1" name=""/>
-        <p:cNvGrpSpPr/>
-        <p:nvPr/>
-      </p:nvGrpSpPr>
-      <p:grpSpPr>
-        <a:xfrm>
-          <a:off x="0" y="0"/>
-          <a:ext cx="0" cy="0"/>
-          <a:chOff x="0" y="0"/>
-          <a:chExt cx="0" cy="0"/>
-        </a:xfrm>
-      </p:grpSpPr>
-      <p:sp>
-        <p:nvSpPr>
-          <p:cNvPr id="2" name="Title 1">
-            <a:extLst>
-              <a:ext uri="{FF2B5EF4-FFF2-40B4-BE49-F238E27FC236}">
-                <a16:creationId xmlns:a16="http://schemas.microsoft.com/office/drawing/2014/main" id="{CB59940D-0B58-44F5-8476-CC3A1A013BBD}"/>
-              </a:ext>
-            </a:extLst>
-          </p:cNvPr>
-          <p:cNvSpPr>
-            <a:spLocks noGrp="1"/>
-          </p:cNvSpPr>
-          <p:nvPr>
-            <p:ph type="title"/>
-          </p:nvPr>
-        </p:nvSpPr>
-        <p:spPr/>
-        <p:txBody>
-          <a:bodyPr/>
-          <a:lstStyle/>
-          <a:p>
-            <a:r>
-              <a:rPr lang="en-GB" dirty="0"/>
-              <a:t>What we </a:t>
-            </a:r>
-            <a:r>
-              <a:rPr lang="en-GB"/>
-              <a:t>will cover:</a:t>
-            </a:r>
-            <a:endParaRPr lang="en-GB" dirty="0"/>
-          </a:p>
-        </p:txBody>
-      </p:sp>
-      <p:sp>
-        <p:nvSpPr>
-          <p:cNvPr id="3" name="Content Placeholder 2">
-            <a:extLst>
-              <a:ext uri="{FF2B5EF4-FFF2-40B4-BE49-F238E27FC236}">
-                <a16:creationId xmlns:a16="http://schemas.microsoft.com/office/drawing/2014/main" id="{5879694A-BD0B-4875-8571-E41E164CC970}"/>
-              </a:ext>
-            </a:extLst>
-          </p:cNvPr>
-          <p:cNvSpPr>
-            <a:spLocks noGrp="1"/>
-          </p:cNvSpPr>
-          <p:nvPr>
-            <p:ph idx="1"/>
-          </p:nvPr>
-        </p:nvSpPr>
-        <p:spPr/>
-        <p:txBody>
-          <a:bodyPr/>
-          <a:lstStyle/>
-          <a:p>
-            <a:r>
-              <a:rPr lang="en-GB" dirty="0"/>
-              <a:t>Text to speech</a:t>
-            </a:r>
-          </a:p>
-          <a:p>
-            <a:r>
-              <a:rPr lang="en-GB" dirty="0"/>
-              <a:t>Speech to text</a:t>
-            </a:r>
-          </a:p>
-          <a:p>
-            <a:r>
-              <a:rPr lang="en-GB" dirty="0"/>
-              <a:t>Azure Open AI service (</a:t>
-            </a:r>
-            <a:r>
-              <a:rPr lang="en-GB" dirty="0" err="1"/>
-              <a:t>Chatgpt</a:t>
-            </a:r>
-            <a:r>
-              <a:rPr lang="en-GB" dirty="0"/>
-              <a:t>)</a:t>
-            </a:r>
-          </a:p>
-        </p:txBody>
-      </p:sp>
-    </p:spTree>
-    <p:extLst>
-      <p:ext uri="{BB962C8B-B14F-4D97-AF65-F5344CB8AC3E}">
-        <p14:creationId xmlns:p14="http://schemas.microsoft.com/office/powerpoint/2010/main" val="3039355473"/>
-      </p:ext>
-    </p:extLst>
-  </p:cSld>
-  <p:clrMapOvr>
-    <a:masterClrMapping/>
-  </p:clrMapOvr>
-</p:sld>
-</file>
-
-<file path=ppt/slides/slide4.xml><?xml version="1.0" encoding="utf-8"?>
+<file path=ppt/slides/slide10.xml><?xml version="1.0" encoding="utf-8"?>
 <p:sld xmlns:a="http://schemas.openxmlformats.org/drawingml/2006/main" xmlns:r="http://schemas.openxmlformats.org/officeDocument/2006/relationships" xmlns:p="http://schemas.openxmlformats.org/presentationml/2006/main">
   <p:cSld>
     <p:spTree>
@@ -10570,6 +10327,895 @@
     <p:extLst>
       <p:ext uri="{BB962C8B-B14F-4D97-AF65-F5344CB8AC3E}">
         <p14:creationId xmlns:p14="http://schemas.microsoft.com/office/powerpoint/2010/main" val="2753111729"/>
+      </p:ext>
+    </p:extLst>
+  </p:cSld>
+  <p:clrMapOvr>
+    <a:masterClrMapping/>
+  </p:clrMapOvr>
+</p:sld>
+</file>
+
+<file path=ppt/slides/slide2.xml><?xml version="1.0" encoding="utf-8"?>
+<p:sld xmlns:a="http://schemas.openxmlformats.org/drawingml/2006/main" xmlns:r="http://schemas.openxmlformats.org/officeDocument/2006/relationships" xmlns:p="http://schemas.openxmlformats.org/presentationml/2006/main">
+  <p:cSld>
+    <p:spTree>
+      <p:nvGrpSpPr>
+        <p:cNvPr id="1" name=""/>
+        <p:cNvGrpSpPr/>
+        <p:nvPr/>
+      </p:nvGrpSpPr>
+      <p:grpSpPr>
+        <a:xfrm>
+          <a:off x="0" y="0"/>
+          <a:ext cx="0" cy="0"/>
+          <a:chOff x="0" y="0"/>
+          <a:chExt cx="0" cy="0"/>
+        </a:xfrm>
+      </p:grpSpPr>
+      <p:sp>
+        <p:nvSpPr>
+          <p:cNvPr id="2" name="Title 1">
+            <a:extLst>
+              <a:ext uri="{FF2B5EF4-FFF2-40B4-BE49-F238E27FC236}">
+                <a16:creationId xmlns:a16="http://schemas.microsoft.com/office/drawing/2014/main" id="{CB59940D-0B58-44F5-8476-CC3A1A013BBD}"/>
+              </a:ext>
+            </a:extLst>
+          </p:cNvPr>
+          <p:cNvSpPr>
+            <a:spLocks noGrp="1"/>
+          </p:cNvSpPr>
+          <p:nvPr>
+            <p:ph type="title"/>
+          </p:nvPr>
+        </p:nvSpPr>
+        <p:spPr/>
+        <p:txBody>
+          <a:bodyPr/>
+          <a:lstStyle/>
+          <a:p>
+            <a:r>
+              <a:rPr lang="en-GB" dirty="0"/>
+              <a:t>About Me</a:t>
+            </a:r>
+          </a:p>
+        </p:txBody>
+      </p:sp>
+      <p:sp>
+        <p:nvSpPr>
+          <p:cNvPr id="3" name="Content Placeholder 2">
+            <a:extLst>
+              <a:ext uri="{FF2B5EF4-FFF2-40B4-BE49-F238E27FC236}">
+                <a16:creationId xmlns:a16="http://schemas.microsoft.com/office/drawing/2014/main" id="{5879694A-BD0B-4875-8571-E41E164CC970}"/>
+              </a:ext>
+            </a:extLst>
+          </p:cNvPr>
+          <p:cNvSpPr>
+            <a:spLocks noGrp="1"/>
+          </p:cNvSpPr>
+          <p:nvPr>
+            <p:ph idx="1"/>
+          </p:nvPr>
+        </p:nvSpPr>
+        <p:spPr/>
+        <p:txBody>
+          <a:bodyPr/>
+          <a:lstStyle/>
+          <a:p>
+            <a:r>
+              <a:rPr lang="en-GB" dirty="0"/>
+              <a:t>John Staveley MVP</a:t>
+            </a:r>
+          </a:p>
+          <a:p>
+            <a:r>
+              <a:rPr lang="en-GB" dirty="0"/>
+              <a:t>IT Contractor in C#, </a:t>
+            </a:r>
+            <a:r>
+              <a:rPr lang="en-GB" dirty="0" err="1"/>
+              <a:t>Mvc</a:t>
+            </a:r>
+            <a:r>
+              <a:rPr lang="en-GB" dirty="0"/>
+              <a:t>, </a:t>
+            </a:r>
+            <a:r>
+              <a:rPr lang="en-GB" dirty="0" err="1"/>
+              <a:t>Sql</a:t>
+            </a:r>
+            <a:r>
+              <a:rPr lang="en-GB" dirty="0"/>
+              <a:t> Server, Angular, Azure and IoT</a:t>
+            </a:r>
+          </a:p>
+          <a:p>
+            <a:r>
+              <a:rPr lang="en-GB" dirty="0"/>
+              <a:t>Organise </a:t>
+            </a:r>
+            <a:r>
+              <a:rPr lang="en-GB" dirty="0" err="1"/>
+              <a:t>LeedsSharp</a:t>
+            </a:r>
+            <a:r>
+              <a:rPr lang="en-GB" dirty="0"/>
+              <a:t>, Leeds Data science and </a:t>
+            </a:r>
+            <a:r>
+              <a:rPr lang="en-GB" dirty="0" err="1"/>
+              <a:t>IoTNorth</a:t>
+            </a:r>
+            <a:r>
+              <a:rPr lang="en-GB" dirty="0"/>
+              <a:t> (</a:t>
+            </a:r>
+            <a:r>
+              <a:rPr lang="en-GB" dirty="0" err="1"/>
+              <a:t>AIoT</a:t>
+            </a:r>
+            <a:r>
+              <a:rPr lang="en-GB" dirty="0"/>
+              <a:t>) etc</a:t>
+            </a:r>
+          </a:p>
+        </p:txBody>
+      </p:sp>
+    </p:spTree>
+    <p:extLst>
+      <p:ext uri="{BB962C8B-B14F-4D97-AF65-F5344CB8AC3E}">
+        <p14:creationId xmlns:p14="http://schemas.microsoft.com/office/powerpoint/2010/main" val="4053385501"/>
+      </p:ext>
+    </p:extLst>
+  </p:cSld>
+  <p:clrMapOvr>
+    <a:masterClrMapping/>
+  </p:clrMapOvr>
+</p:sld>
+</file>
+
+<file path=ppt/slides/slide3.xml><?xml version="1.0" encoding="utf-8"?>
+<p:sld xmlns:a="http://schemas.openxmlformats.org/drawingml/2006/main" xmlns:r="http://schemas.openxmlformats.org/officeDocument/2006/relationships" xmlns:p="http://schemas.openxmlformats.org/presentationml/2006/main">
+  <p:cSld>
+    <p:spTree>
+      <p:nvGrpSpPr>
+        <p:cNvPr id="1" name=""/>
+        <p:cNvGrpSpPr/>
+        <p:nvPr/>
+      </p:nvGrpSpPr>
+      <p:grpSpPr>
+        <a:xfrm>
+          <a:off x="0" y="0"/>
+          <a:ext cx="0" cy="0"/>
+          <a:chOff x="0" y="0"/>
+          <a:chExt cx="0" cy="0"/>
+        </a:xfrm>
+      </p:grpSpPr>
+      <p:sp>
+        <p:nvSpPr>
+          <p:cNvPr id="2" name="Title 1">
+            <a:extLst>
+              <a:ext uri="{FF2B5EF4-FFF2-40B4-BE49-F238E27FC236}">
+                <a16:creationId xmlns:a16="http://schemas.microsoft.com/office/drawing/2014/main" id="{CB59940D-0B58-44F5-8476-CC3A1A013BBD}"/>
+              </a:ext>
+            </a:extLst>
+          </p:cNvPr>
+          <p:cNvSpPr>
+            <a:spLocks noGrp="1"/>
+          </p:cNvSpPr>
+          <p:nvPr>
+            <p:ph type="title"/>
+          </p:nvPr>
+        </p:nvSpPr>
+        <p:spPr/>
+        <p:txBody>
+          <a:bodyPr/>
+          <a:lstStyle/>
+          <a:p>
+            <a:r>
+              <a:rPr lang="en-GB" dirty="0"/>
+              <a:t>What we will cover:</a:t>
+            </a:r>
+          </a:p>
+        </p:txBody>
+      </p:sp>
+      <p:sp>
+        <p:nvSpPr>
+          <p:cNvPr id="3" name="Content Placeholder 2">
+            <a:extLst>
+              <a:ext uri="{FF2B5EF4-FFF2-40B4-BE49-F238E27FC236}">
+                <a16:creationId xmlns:a16="http://schemas.microsoft.com/office/drawing/2014/main" id="{5879694A-BD0B-4875-8571-E41E164CC970}"/>
+              </a:ext>
+            </a:extLst>
+          </p:cNvPr>
+          <p:cNvSpPr>
+            <a:spLocks noGrp="1"/>
+          </p:cNvSpPr>
+          <p:nvPr>
+            <p:ph idx="1"/>
+          </p:nvPr>
+        </p:nvSpPr>
+        <p:spPr/>
+        <p:txBody>
+          <a:bodyPr/>
+          <a:lstStyle/>
+          <a:p>
+            <a:r>
+              <a:rPr lang="en-GB" dirty="0"/>
+              <a:t>Text to speech</a:t>
+            </a:r>
+          </a:p>
+          <a:p>
+            <a:r>
+              <a:rPr lang="en-GB" dirty="0"/>
+              <a:t>Speech to text</a:t>
+            </a:r>
+          </a:p>
+          <a:p>
+            <a:r>
+              <a:rPr lang="en-GB" dirty="0"/>
+              <a:t>Azure Open AI service (</a:t>
+            </a:r>
+            <a:r>
+              <a:rPr lang="en-GB" dirty="0" err="1"/>
+              <a:t>Chatgpt</a:t>
+            </a:r>
+            <a:r>
+              <a:rPr lang="en-GB" dirty="0"/>
+              <a:t>)</a:t>
+            </a:r>
+          </a:p>
+          <a:p>
+            <a:r>
+              <a:rPr lang="en-GB" dirty="0"/>
+              <a:t>Meetup assistant - </a:t>
+            </a:r>
+            <a:r>
+              <a:rPr lang="en-GB" dirty="0" err="1"/>
+              <a:t>JaaS</a:t>
+            </a:r>
+            <a:endParaRPr lang="en-GB" dirty="0"/>
+          </a:p>
+        </p:txBody>
+      </p:sp>
+    </p:spTree>
+    <p:extLst>
+      <p:ext uri="{BB962C8B-B14F-4D97-AF65-F5344CB8AC3E}">
+        <p14:creationId xmlns:p14="http://schemas.microsoft.com/office/powerpoint/2010/main" val="3039355473"/>
+      </p:ext>
+    </p:extLst>
+  </p:cSld>
+  <p:clrMapOvr>
+    <a:masterClrMapping/>
+  </p:clrMapOvr>
+</p:sld>
+</file>
+
+<file path=ppt/slides/slide4.xml><?xml version="1.0" encoding="utf-8"?>
+<p:sld xmlns:a="http://schemas.openxmlformats.org/drawingml/2006/main" xmlns:r="http://schemas.openxmlformats.org/officeDocument/2006/relationships" xmlns:p="http://schemas.openxmlformats.org/presentationml/2006/main">
+  <p:cSld>
+    <p:spTree>
+      <p:nvGrpSpPr>
+        <p:cNvPr id="1" name=""/>
+        <p:cNvGrpSpPr/>
+        <p:nvPr/>
+      </p:nvGrpSpPr>
+      <p:grpSpPr>
+        <a:xfrm>
+          <a:off x="0" y="0"/>
+          <a:ext cx="0" cy="0"/>
+          <a:chOff x="0" y="0"/>
+          <a:chExt cx="0" cy="0"/>
+        </a:xfrm>
+      </p:grpSpPr>
+      <p:sp>
+        <p:nvSpPr>
+          <p:cNvPr id="2" name="Title 1">
+            <a:extLst>
+              <a:ext uri="{FF2B5EF4-FFF2-40B4-BE49-F238E27FC236}">
+                <a16:creationId xmlns:a16="http://schemas.microsoft.com/office/drawing/2014/main" id="{E061A8CC-08EB-DFA8-7D41-B34257D44880}"/>
+              </a:ext>
+            </a:extLst>
+          </p:cNvPr>
+          <p:cNvSpPr>
+            <a:spLocks noGrp="1"/>
+          </p:cNvSpPr>
+          <p:nvPr>
+            <p:ph type="title"/>
+          </p:nvPr>
+        </p:nvSpPr>
+        <p:spPr/>
+        <p:txBody>
+          <a:bodyPr/>
+          <a:lstStyle/>
+          <a:p>
+            <a:r>
+              <a:rPr lang="en-GB" dirty="0"/>
+              <a:t>Windows voice synthesiser</a:t>
+            </a:r>
+          </a:p>
+        </p:txBody>
+      </p:sp>
+      <p:sp>
+        <p:nvSpPr>
+          <p:cNvPr id="3" name="Content Placeholder 2">
+            <a:extLst>
+              <a:ext uri="{FF2B5EF4-FFF2-40B4-BE49-F238E27FC236}">
+                <a16:creationId xmlns:a16="http://schemas.microsoft.com/office/drawing/2014/main" id="{F89F931F-E1B9-47DA-2D45-D1924E7EBAB1}"/>
+              </a:ext>
+            </a:extLst>
+          </p:cNvPr>
+          <p:cNvSpPr>
+            <a:spLocks noGrp="1"/>
+          </p:cNvSpPr>
+          <p:nvPr>
+            <p:ph idx="1"/>
+          </p:nvPr>
+        </p:nvSpPr>
+        <p:spPr/>
+        <p:txBody>
+          <a:bodyPr/>
+          <a:lstStyle/>
+          <a:p>
+            <a:r>
+              <a:rPr lang="en-GB" dirty="0"/>
+              <a:t>Install-Package </a:t>
+            </a:r>
+            <a:r>
+              <a:rPr lang="en-GB" dirty="0" err="1"/>
+              <a:t>System.Speech</a:t>
+            </a:r>
+            <a:endParaRPr lang="en-GB" dirty="0"/>
+          </a:p>
+          <a:p>
+            <a:r>
+              <a:rPr lang="en-GB" dirty="0"/>
+              <a:t>Windows only</a:t>
+            </a:r>
+          </a:p>
+          <a:p>
+            <a:r>
+              <a:rPr lang="en-GB" dirty="0"/>
+              <a:t>3 voices by default, but, extensible with language packs</a:t>
+            </a:r>
+          </a:p>
+          <a:p>
+            <a:r>
+              <a:rPr lang="en-GB" dirty="0"/>
+              <a:t>DEMO</a:t>
+            </a:r>
+          </a:p>
+        </p:txBody>
+      </p:sp>
+    </p:spTree>
+    <p:extLst>
+      <p:ext uri="{BB962C8B-B14F-4D97-AF65-F5344CB8AC3E}">
+        <p14:creationId xmlns:p14="http://schemas.microsoft.com/office/powerpoint/2010/main" val="4225559395"/>
+      </p:ext>
+    </p:extLst>
+  </p:cSld>
+  <p:clrMapOvr>
+    <a:masterClrMapping/>
+  </p:clrMapOvr>
+</p:sld>
+</file>
+
+<file path=ppt/slides/slide5.xml><?xml version="1.0" encoding="utf-8"?>
+<p:sld xmlns:a="http://schemas.openxmlformats.org/drawingml/2006/main" xmlns:r="http://schemas.openxmlformats.org/officeDocument/2006/relationships" xmlns:p="http://schemas.openxmlformats.org/presentationml/2006/main">
+  <p:cSld>
+    <p:spTree>
+      <p:nvGrpSpPr>
+        <p:cNvPr id="1" name=""/>
+        <p:cNvGrpSpPr/>
+        <p:nvPr/>
+      </p:nvGrpSpPr>
+      <p:grpSpPr>
+        <a:xfrm>
+          <a:off x="0" y="0"/>
+          <a:ext cx="0" cy="0"/>
+          <a:chOff x="0" y="0"/>
+          <a:chExt cx="0" cy="0"/>
+        </a:xfrm>
+      </p:grpSpPr>
+      <p:sp>
+        <p:nvSpPr>
+          <p:cNvPr id="2" name="Title 1">
+            <a:extLst>
+              <a:ext uri="{FF2B5EF4-FFF2-40B4-BE49-F238E27FC236}">
+                <a16:creationId xmlns:a16="http://schemas.microsoft.com/office/drawing/2014/main" id="{F7A79C19-5253-2D55-544B-0CC639993890}"/>
+              </a:ext>
+            </a:extLst>
+          </p:cNvPr>
+          <p:cNvSpPr>
+            <a:spLocks noGrp="1"/>
+          </p:cNvSpPr>
+          <p:nvPr>
+            <p:ph type="title"/>
+          </p:nvPr>
+        </p:nvSpPr>
+        <p:spPr/>
+        <p:txBody>
+          <a:bodyPr/>
+          <a:lstStyle/>
+          <a:p>
+            <a:r>
+              <a:rPr lang="en-GB" dirty="0"/>
+              <a:t>Azure Text to Speech</a:t>
+            </a:r>
+          </a:p>
+        </p:txBody>
+      </p:sp>
+      <p:sp>
+        <p:nvSpPr>
+          <p:cNvPr id="3" name="Content Placeholder 2">
+            <a:extLst>
+              <a:ext uri="{FF2B5EF4-FFF2-40B4-BE49-F238E27FC236}">
+                <a16:creationId xmlns:a16="http://schemas.microsoft.com/office/drawing/2014/main" id="{BF22B21B-65E4-F9C5-51D1-B13C429ADC6F}"/>
+              </a:ext>
+            </a:extLst>
+          </p:cNvPr>
+          <p:cNvSpPr>
+            <a:spLocks noGrp="1"/>
+          </p:cNvSpPr>
+          <p:nvPr>
+            <p:ph idx="1"/>
+          </p:nvPr>
+        </p:nvSpPr>
+        <p:spPr/>
+        <p:txBody>
+          <a:bodyPr/>
+          <a:lstStyle/>
+          <a:p>
+            <a:r>
+              <a:rPr lang="en-GB" dirty="0"/>
+              <a:t>Setup Speech service  in Azure</a:t>
+            </a:r>
+          </a:p>
+          <a:p>
+            <a:r>
+              <a:rPr lang="en-GB" dirty="0"/>
+              <a:t>Install-Package </a:t>
+            </a:r>
+            <a:r>
+              <a:rPr lang="en-GB" dirty="0" err="1"/>
+              <a:t>Microsoft.CognitiveServices.Speech</a:t>
+            </a:r>
+            <a:endParaRPr lang="en-GB" dirty="0"/>
+          </a:p>
+          <a:p>
+            <a:r>
+              <a:rPr lang="en-GB" dirty="0"/>
+              <a:t>DEMO</a:t>
+            </a:r>
+          </a:p>
+          <a:p>
+            <a:endParaRPr lang="en-GB" dirty="0"/>
+          </a:p>
+        </p:txBody>
+      </p:sp>
+    </p:spTree>
+    <p:extLst>
+      <p:ext uri="{BB962C8B-B14F-4D97-AF65-F5344CB8AC3E}">
+        <p14:creationId xmlns:p14="http://schemas.microsoft.com/office/powerpoint/2010/main" val="3986784872"/>
+      </p:ext>
+    </p:extLst>
+  </p:cSld>
+  <p:clrMapOvr>
+    <a:masterClrMapping/>
+  </p:clrMapOvr>
+</p:sld>
+</file>
+
+<file path=ppt/slides/slide6.xml><?xml version="1.0" encoding="utf-8"?>
+<p:sld xmlns:a="http://schemas.openxmlformats.org/drawingml/2006/main" xmlns:r="http://schemas.openxmlformats.org/officeDocument/2006/relationships" xmlns:p="http://schemas.openxmlformats.org/presentationml/2006/main">
+  <p:cSld>
+    <p:spTree>
+      <p:nvGrpSpPr>
+        <p:cNvPr id="1" name=""/>
+        <p:cNvGrpSpPr/>
+        <p:nvPr/>
+      </p:nvGrpSpPr>
+      <p:grpSpPr>
+        <a:xfrm>
+          <a:off x="0" y="0"/>
+          <a:ext cx="0" cy="0"/>
+          <a:chOff x="0" y="0"/>
+          <a:chExt cx="0" cy="0"/>
+        </a:xfrm>
+      </p:grpSpPr>
+      <p:sp>
+        <p:nvSpPr>
+          <p:cNvPr id="2" name="Title 1">
+            <a:extLst>
+              <a:ext uri="{FF2B5EF4-FFF2-40B4-BE49-F238E27FC236}">
+                <a16:creationId xmlns:a16="http://schemas.microsoft.com/office/drawing/2014/main" id="{50703C1D-39E2-A9F3-9F2A-F4EA04D3004A}"/>
+              </a:ext>
+            </a:extLst>
+          </p:cNvPr>
+          <p:cNvSpPr>
+            <a:spLocks noGrp="1"/>
+          </p:cNvSpPr>
+          <p:nvPr>
+            <p:ph type="title"/>
+          </p:nvPr>
+        </p:nvSpPr>
+        <p:spPr/>
+        <p:txBody>
+          <a:bodyPr/>
+          <a:lstStyle/>
+          <a:p>
+            <a:r>
+              <a:rPr lang="en-GB" dirty="0"/>
+              <a:t>Azure Neural voice</a:t>
+            </a:r>
+          </a:p>
+        </p:txBody>
+      </p:sp>
+      <p:sp>
+        <p:nvSpPr>
+          <p:cNvPr id="3" name="Content Placeholder 2">
+            <a:extLst>
+              <a:ext uri="{FF2B5EF4-FFF2-40B4-BE49-F238E27FC236}">
+                <a16:creationId xmlns:a16="http://schemas.microsoft.com/office/drawing/2014/main" id="{841EA054-0555-8580-0D01-64E69F39D15F}"/>
+              </a:ext>
+            </a:extLst>
+          </p:cNvPr>
+          <p:cNvSpPr>
+            <a:spLocks noGrp="1"/>
+          </p:cNvSpPr>
+          <p:nvPr>
+            <p:ph idx="1"/>
+          </p:nvPr>
+        </p:nvSpPr>
+        <p:spPr/>
+        <p:txBody>
+          <a:bodyPr/>
+          <a:lstStyle/>
+          <a:p>
+            <a:r>
+              <a:rPr lang="en-GB" dirty="0"/>
+              <a:t>Extension to Azure Speech service </a:t>
+            </a:r>
+          </a:p>
+          <a:p>
+            <a:r>
+              <a:rPr lang="en-GB" dirty="0"/>
+              <a:t>Pricing: standard tier</a:t>
+            </a:r>
+          </a:p>
+          <a:p>
+            <a:r>
+              <a:rPr lang="en-GB" dirty="0"/>
+              <a:t>User agreements</a:t>
+            </a:r>
+          </a:p>
+          <a:p>
+            <a:r>
+              <a:rPr lang="en-GB" dirty="0"/>
+              <a:t>DEMO: Speech studio</a:t>
+            </a:r>
+          </a:p>
+          <a:p>
+            <a:r>
+              <a:rPr lang="en-GB" dirty="0"/>
+              <a:t>DEMO: code</a:t>
+            </a:r>
+          </a:p>
+        </p:txBody>
+      </p:sp>
+    </p:spTree>
+    <p:extLst>
+      <p:ext uri="{BB962C8B-B14F-4D97-AF65-F5344CB8AC3E}">
+        <p14:creationId xmlns:p14="http://schemas.microsoft.com/office/powerpoint/2010/main" val="1509616062"/>
+      </p:ext>
+    </p:extLst>
+  </p:cSld>
+  <p:clrMapOvr>
+    <a:masterClrMapping/>
+  </p:clrMapOvr>
+</p:sld>
+</file>
+
+<file path=ppt/slides/slide7.xml><?xml version="1.0" encoding="utf-8"?>
+<p:sld xmlns:a="http://schemas.openxmlformats.org/drawingml/2006/main" xmlns:r="http://schemas.openxmlformats.org/officeDocument/2006/relationships" xmlns:p="http://schemas.openxmlformats.org/presentationml/2006/main">
+  <p:cSld>
+    <p:spTree>
+      <p:nvGrpSpPr>
+        <p:cNvPr id="1" name=""/>
+        <p:cNvGrpSpPr/>
+        <p:nvPr/>
+      </p:nvGrpSpPr>
+      <p:grpSpPr>
+        <a:xfrm>
+          <a:off x="0" y="0"/>
+          <a:ext cx="0" cy="0"/>
+          <a:chOff x="0" y="0"/>
+          <a:chExt cx="0" cy="0"/>
+        </a:xfrm>
+      </p:grpSpPr>
+      <p:sp>
+        <p:nvSpPr>
+          <p:cNvPr id="2" name="Title 1">
+            <a:extLst>
+              <a:ext uri="{FF2B5EF4-FFF2-40B4-BE49-F238E27FC236}">
+                <a16:creationId xmlns:a16="http://schemas.microsoft.com/office/drawing/2014/main" id="{CA03BBA7-5106-FA5D-0DD7-C14465A5D240}"/>
+              </a:ext>
+            </a:extLst>
+          </p:cNvPr>
+          <p:cNvSpPr>
+            <a:spLocks noGrp="1"/>
+          </p:cNvSpPr>
+          <p:nvPr>
+            <p:ph type="title"/>
+          </p:nvPr>
+        </p:nvSpPr>
+        <p:spPr/>
+        <p:txBody>
+          <a:bodyPr/>
+          <a:lstStyle/>
+          <a:p>
+            <a:r>
+              <a:rPr lang="en-GB" dirty="0"/>
+              <a:t>Windows speech recognition</a:t>
+            </a:r>
+          </a:p>
+        </p:txBody>
+      </p:sp>
+      <p:sp>
+        <p:nvSpPr>
+          <p:cNvPr id="3" name="Content Placeholder 2">
+            <a:extLst>
+              <a:ext uri="{FF2B5EF4-FFF2-40B4-BE49-F238E27FC236}">
+                <a16:creationId xmlns:a16="http://schemas.microsoft.com/office/drawing/2014/main" id="{472E01FE-9470-23CD-2678-51B41CBA94BF}"/>
+              </a:ext>
+            </a:extLst>
+          </p:cNvPr>
+          <p:cNvSpPr>
+            <a:spLocks noGrp="1"/>
+          </p:cNvSpPr>
+          <p:nvPr>
+            <p:ph idx="1"/>
+          </p:nvPr>
+        </p:nvSpPr>
+        <p:spPr/>
+        <p:txBody>
+          <a:bodyPr/>
+          <a:lstStyle/>
+          <a:p>
+            <a:r>
+              <a:rPr lang="en-GB" dirty="0"/>
+              <a:t>Install-Package </a:t>
+            </a:r>
+            <a:r>
+              <a:rPr lang="en-GB" dirty="0" err="1"/>
+              <a:t>System.Speech</a:t>
+            </a:r>
+            <a:endParaRPr lang="en-GB" dirty="0"/>
+          </a:p>
+          <a:p>
+            <a:r>
+              <a:rPr lang="en-GB" dirty="0"/>
+              <a:t>Grammar prompt</a:t>
+            </a:r>
+          </a:p>
+          <a:p>
+            <a:r>
+              <a:rPr lang="en-GB" dirty="0"/>
+              <a:t>DEMO</a:t>
+            </a:r>
+          </a:p>
+        </p:txBody>
+      </p:sp>
+    </p:spTree>
+    <p:extLst>
+      <p:ext uri="{BB962C8B-B14F-4D97-AF65-F5344CB8AC3E}">
+        <p14:creationId xmlns:p14="http://schemas.microsoft.com/office/powerpoint/2010/main" val="458558394"/>
+      </p:ext>
+    </p:extLst>
+  </p:cSld>
+  <p:clrMapOvr>
+    <a:masterClrMapping/>
+  </p:clrMapOvr>
+</p:sld>
+</file>
+
+<file path=ppt/slides/slide8.xml><?xml version="1.0" encoding="utf-8"?>
+<p:sld xmlns:a="http://schemas.openxmlformats.org/drawingml/2006/main" xmlns:r="http://schemas.openxmlformats.org/officeDocument/2006/relationships" xmlns:p="http://schemas.openxmlformats.org/presentationml/2006/main">
+  <p:cSld>
+    <p:spTree>
+      <p:nvGrpSpPr>
+        <p:cNvPr id="1" name=""/>
+        <p:cNvGrpSpPr/>
+        <p:nvPr/>
+      </p:nvGrpSpPr>
+      <p:grpSpPr>
+        <a:xfrm>
+          <a:off x="0" y="0"/>
+          <a:ext cx="0" cy="0"/>
+          <a:chOff x="0" y="0"/>
+          <a:chExt cx="0" cy="0"/>
+        </a:xfrm>
+      </p:grpSpPr>
+      <p:sp>
+        <p:nvSpPr>
+          <p:cNvPr id="2" name="Title 1">
+            <a:extLst>
+              <a:ext uri="{FF2B5EF4-FFF2-40B4-BE49-F238E27FC236}">
+                <a16:creationId xmlns:a16="http://schemas.microsoft.com/office/drawing/2014/main" id="{759DDB6F-002E-70E8-0CE4-0401B045F838}"/>
+              </a:ext>
+            </a:extLst>
+          </p:cNvPr>
+          <p:cNvSpPr>
+            <a:spLocks noGrp="1"/>
+          </p:cNvSpPr>
+          <p:nvPr>
+            <p:ph type="title"/>
+          </p:nvPr>
+        </p:nvSpPr>
+        <p:spPr/>
+        <p:txBody>
+          <a:bodyPr/>
+          <a:lstStyle/>
+          <a:p>
+            <a:r>
+              <a:rPr lang="en-GB" dirty="0"/>
+              <a:t>Azure Speech to text</a:t>
+            </a:r>
+          </a:p>
+        </p:txBody>
+      </p:sp>
+      <p:sp>
+        <p:nvSpPr>
+          <p:cNvPr id="3" name="Content Placeholder 2">
+            <a:extLst>
+              <a:ext uri="{FF2B5EF4-FFF2-40B4-BE49-F238E27FC236}">
+                <a16:creationId xmlns:a16="http://schemas.microsoft.com/office/drawing/2014/main" id="{7D1B7452-1C0A-C74F-ED88-A202D61F4AFD}"/>
+              </a:ext>
+            </a:extLst>
+          </p:cNvPr>
+          <p:cNvSpPr>
+            <a:spLocks noGrp="1"/>
+          </p:cNvSpPr>
+          <p:nvPr>
+            <p:ph idx="1"/>
+          </p:nvPr>
+        </p:nvSpPr>
+        <p:spPr/>
+        <p:txBody>
+          <a:bodyPr/>
+          <a:lstStyle/>
+          <a:p>
+            <a:r>
+              <a:rPr lang="en-GB" dirty="0"/>
+              <a:t>Setup Speech service in Azure</a:t>
+            </a:r>
+          </a:p>
+          <a:p>
+            <a:r>
+              <a:rPr lang="en-GB" dirty="0"/>
+              <a:t>Install-Package </a:t>
+            </a:r>
+            <a:r>
+              <a:rPr lang="en-GB" dirty="0" err="1"/>
+              <a:t>Microsoft.CognitiveServices.Speech</a:t>
+            </a:r>
+            <a:endParaRPr lang="en-GB" dirty="0"/>
+          </a:p>
+          <a:p>
+            <a:r>
+              <a:rPr lang="en-GB" dirty="0"/>
+              <a:t>DEMO</a:t>
+            </a:r>
+          </a:p>
+          <a:p>
+            <a:endParaRPr lang="en-GB" dirty="0"/>
+          </a:p>
+        </p:txBody>
+      </p:sp>
+    </p:spTree>
+    <p:extLst>
+      <p:ext uri="{BB962C8B-B14F-4D97-AF65-F5344CB8AC3E}">
+        <p14:creationId xmlns:p14="http://schemas.microsoft.com/office/powerpoint/2010/main" val="2656160921"/>
+      </p:ext>
+    </p:extLst>
+  </p:cSld>
+  <p:clrMapOvr>
+    <a:masterClrMapping/>
+  </p:clrMapOvr>
+</p:sld>
+</file>
+
+<file path=ppt/slides/slide9.xml><?xml version="1.0" encoding="utf-8"?>
+<p:sld xmlns:a="http://schemas.openxmlformats.org/drawingml/2006/main" xmlns:r="http://schemas.openxmlformats.org/officeDocument/2006/relationships" xmlns:p="http://schemas.openxmlformats.org/presentationml/2006/main">
+  <p:cSld>
+    <p:spTree>
+      <p:nvGrpSpPr>
+        <p:cNvPr id="1" name=""/>
+        <p:cNvGrpSpPr/>
+        <p:nvPr/>
+      </p:nvGrpSpPr>
+      <p:grpSpPr>
+        <a:xfrm>
+          <a:off x="0" y="0"/>
+          <a:ext cx="0" cy="0"/>
+          <a:chOff x="0" y="0"/>
+          <a:chExt cx="0" cy="0"/>
+        </a:xfrm>
+      </p:grpSpPr>
+      <p:sp>
+        <p:nvSpPr>
+          <p:cNvPr id="2" name="Title 1">
+            <a:extLst>
+              <a:ext uri="{FF2B5EF4-FFF2-40B4-BE49-F238E27FC236}">
+                <a16:creationId xmlns:a16="http://schemas.microsoft.com/office/drawing/2014/main" id="{9DA1F584-0E9D-D9CA-198B-D468C4903CCA}"/>
+              </a:ext>
+            </a:extLst>
+          </p:cNvPr>
+          <p:cNvSpPr>
+            <a:spLocks noGrp="1"/>
+          </p:cNvSpPr>
+          <p:nvPr>
+            <p:ph type="title"/>
+          </p:nvPr>
+        </p:nvSpPr>
+        <p:spPr/>
+        <p:txBody>
+          <a:bodyPr/>
+          <a:lstStyle/>
+          <a:p>
+            <a:r>
+              <a:rPr lang="en-GB" dirty="0"/>
+              <a:t>Azure Open AI service</a:t>
+            </a:r>
+          </a:p>
+        </p:txBody>
+      </p:sp>
+      <p:sp>
+        <p:nvSpPr>
+          <p:cNvPr id="3" name="Content Placeholder 2">
+            <a:extLst>
+              <a:ext uri="{FF2B5EF4-FFF2-40B4-BE49-F238E27FC236}">
+                <a16:creationId xmlns:a16="http://schemas.microsoft.com/office/drawing/2014/main" id="{A434616F-35C8-949A-51CF-2B192F3AC98E}"/>
+              </a:ext>
+            </a:extLst>
+          </p:cNvPr>
+          <p:cNvSpPr>
+            <a:spLocks noGrp="1"/>
+          </p:cNvSpPr>
+          <p:nvPr>
+            <p:ph idx="1"/>
+          </p:nvPr>
+        </p:nvSpPr>
+        <p:spPr/>
+        <p:txBody>
+          <a:bodyPr/>
+          <a:lstStyle/>
+          <a:p>
+            <a:r>
+              <a:rPr lang="en-GB" dirty="0"/>
+              <a:t>Setup Azure Open AI service in Azure</a:t>
+            </a:r>
+          </a:p>
+          <a:p>
+            <a:r>
+              <a:rPr lang="en-GB" dirty="0"/>
+              <a:t>Install-Package </a:t>
+            </a:r>
+            <a:r>
+              <a:rPr lang="en-GB" dirty="0" err="1"/>
+              <a:t>Azure.AI.OpenAI</a:t>
+            </a:r>
+            <a:endParaRPr lang="en-GB" dirty="0"/>
+          </a:p>
+          <a:p>
+            <a:endParaRPr lang="en-GB" dirty="0"/>
+          </a:p>
+        </p:txBody>
+      </p:sp>
+    </p:spTree>
+    <p:extLst>
+      <p:ext uri="{BB962C8B-B14F-4D97-AF65-F5344CB8AC3E}">
+        <p14:creationId xmlns:p14="http://schemas.microsoft.com/office/powerpoint/2010/main" val="1736457006"/>
       </p:ext>
     </p:extLst>
   </p:cSld>

--- a/JaaS.pptx
+++ b/JaaS.pptx
@@ -5,10 +5,10 @@
     <p:sldMasterId id="2147483778" r:id="rId1"/>
   </p:sldMasterIdLst>
   <p:notesMasterIdLst>
-    <p:notesMasterId r:id="rId12"/>
+    <p:notesMasterId r:id="rId13"/>
   </p:notesMasterIdLst>
   <p:handoutMasterIdLst>
-    <p:handoutMasterId r:id="rId13"/>
+    <p:handoutMasterId r:id="rId14"/>
   </p:handoutMasterIdLst>
   <p:sldIdLst>
     <p:sldId id="256" r:id="rId2"/>
@@ -20,7 +20,8 @@
     <p:sldId id="333" r:id="rId8"/>
     <p:sldId id="334" r:id="rId9"/>
     <p:sldId id="335" r:id="rId10"/>
-    <p:sldId id="261" r:id="rId11"/>
+    <p:sldId id="336" r:id="rId11"/>
+    <p:sldId id="261" r:id="rId12"/>
   </p:sldIdLst>
   <p:sldSz cx="12192000" cy="6858000"/>
   <p:notesSz cx="6858000" cy="9144000"/>
@@ -10067,6 +10068,124 @@
           <p:cNvPr id="2" name="Title 1">
             <a:extLst>
               <a:ext uri="{FF2B5EF4-FFF2-40B4-BE49-F238E27FC236}">
+                <a16:creationId xmlns:a16="http://schemas.microsoft.com/office/drawing/2014/main" id="{290EEE94-EF76-7DF5-9CB4-EE4710AACBFC}"/>
+              </a:ext>
+            </a:extLst>
+          </p:cNvPr>
+          <p:cNvSpPr>
+            <a:spLocks noGrp="1"/>
+          </p:cNvSpPr>
+          <p:nvPr>
+            <p:ph type="title"/>
+          </p:nvPr>
+        </p:nvSpPr>
+        <p:spPr/>
+        <p:txBody>
+          <a:bodyPr/>
+          <a:lstStyle/>
+          <a:p>
+            <a:r>
+              <a:rPr lang="en-GB" dirty="0" err="1"/>
+              <a:t>JaaS</a:t>
+            </a:r>
+            <a:endParaRPr lang="en-GB" dirty="0"/>
+          </a:p>
+        </p:txBody>
+      </p:sp>
+      <p:sp>
+        <p:nvSpPr>
+          <p:cNvPr id="3" name="Content Placeholder 2">
+            <a:extLst>
+              <a:ext uri="{FF2B5EF4-FFF2-40B4-BE49-F238E27FC236}">
+                <a16:creationId xmlns:a16="http://schemas.microsoft.com/office/drawing/2014/main" id="{FD4EAB45-3977-D1DE-CCB2-8B80FF1FFADA}"/>
+              </a:ext>
+            </a:extLst>
+          </p:cNvPr>
+          <p:cNvSpPr>
+            <a:spLocks noGrp="1"/>
+          </p:cNvSpPr>
+          <p:nvPr>
+            <p:ph idx="1"/>
+          </p:nvPr>
+        </p:nvSpPr>
+        <p:spPr/>
+        <p:txBody>
+          <a:bodyPr/>
+          <a:lstStyle/>
+          <a:p>
+            <a:r>
+              <a:rPr lang="en-GB" dirty="0" err="1"/>
+              <a:t>Wpf</a:t>
+            </a:r>
+            <a:r>
+              <a:rPr lang="en-GB" dirty="0"/>
+              <a:t> and </a:t>
+            </a:r>
+            <a:r>
+              <a:rPr lang="en-GB" dirty="0" err="1"/>
+              <a:t>.Net</a:t>
+            </a:r>
+            <a:r>
+              <a:rPr lang="en-GB" dirty="0"/>
+              <a:t> 8</a:t>
+            </a:r>
+          </a:p>
+          <a:p>
+            <a:r>
+              <a:rPr lang="en-GB" dirty="0"/>
+              <a:t>Recognises voice to Azure Speech to Text service</a:t>
+            </a:r>
+          </a:p>
+          <a:p>
+            <a:r>
+              <a:rPr lang="en-GB" dirty="0"/>
+              <a:t>Speaks using Azure Text to Speech service</a:t>
+            </a:r>
+          </a:p>
+          <a:p>
+            <a:r>
+              <a:rPr lang="en-GB" dirty="0" err="1"/>
+              <a:t>ChatGpt</a:t>
+            </a:r>
+            <a:endParaRPr lang="en-GB" dirty="0"/>
+          </a:p>
+        </p:txBody>
+      </p:sp>
+    </p:spTree>
+    <p:extLst>
+      <p:ext uri="{BB962C8B-B14F-4D97-AF65-F5344CB8AC3E}">
+        <p14:creationId xmlns:p14="http://schemas.microsoft.com/office/powerpoint/2010/main" val="3251934720"/>
+      </p:ext>
+    </p:extLst>
+  </p:cSld>
+  <p:clrMapOvr>
+    <a:masterClrMapping/>
+  </p:clrMapOvr>
+</p:sld>
+</file>
+
+<file path=ppt/slides/slide11.xml><?xml version="1.0" encoding="utf-8"?>
+<p:sld xmlns:a="http://schemas.openxmlformats.org/drawingml/2006/main" xmlns:r="http://schemas.openxmlformats.org/officeDocument/2006/relationships" xmlns:p="http://schemas.openxmlformats.org/presentationml/2006/main">
+  <p:cSld>
+    <p:spTree>
+      <p:nvGrpSpPr>
+        <p:cNvPr id="1" name=""/>
+        <p:cNvGrpSpPr/>
+        <p:nvPr/>
+      </p:nvGrpSpPr>
+      <p:grpSpPr>
+        <a:xfrm>
+          <a:off x="0" y="0"/>
+          <a:ext cx="0" cy="0"/>
+          <a:chOff x="0" y="0"/>
+          <a:chExt cx="0" cy="0"/>
+        </a:xfrm>
+      </p:grpSpPr>
+      <p:sp>
+        <p:nvSpPr>
+          <p:cNvPr id="2" name="Title 1">
+            <a:extLst>
+              <a:ext uri="{FF2B5EF4-FFF2-40B4-BE49-F238E27FC236}">
                 <a16:creationId xmlns:a16="http://schemas.microsoft.com/office/drawing/2014/main" id="{656A2F95-45F2-4BB4-809A-8FC738B6EFED}"/>
               </a:ext>
             </a:extLst>
@@ -10682,8 +10801,11 @@
           <a:p>
             <a:r>
               <a:rPr lang="en-GB" dirty="0"/>
-              <a:t>DEMO</a:t>
-            </a:r>
+              <a:t>DEMO: Code examples</a:t>
+            </a:r>
+          </a:p>
+          <a:p>
+            <a:endParaRPr lang="en-GB" dirty="0"/>
           </a:p>
         </p:txBody>
       </p:sp>
@@ -10785,7 +10907,7 @@
           <a:p>
             <a:r>
               <a:rPr lang="en-GB" dirty="0"/>
-              <a:t>DEMO</a:t>
+              <a:t>DEMO: Code examples</a:t>
             </a:r>
           </a:p>
           <a:p>
@@ -10898,7 +11020,7 @@
           <a:p>
             <a:r>
               <a:rPr lang="en-GB" dirty="0"/>
-              <a:t>DEMO: code</a:t>
+              <a:t>DEMO: Code examples</a:t>
             </a:r>
           </a:p>
         </p:txBody>
@@ -11001,7 +11123,7 @@
           <a:p>
             <a:r>
               <a:rPr lang="en-GB" dirty="0"/>
-              <a:t>DEMO</a:t>
+              <a:t>DEMO: Code examples</a:t>
             </a:r>
           </a:p>
         </p:txBody>
@@ -11104,7 +11226,7 @@
           <a:p>
             <a:r>
               <a:rPr lang="en-GB" dirty="0"/>
-              <a:t>DEMO</a:t>
+              <a:t>DEMO: Code examples</a:t>
             </a:r>
           </a:p>
           <a:p>
@@ -11188,7 +11310,9 @@
         </p:nvSpPr>
         <p:spPr/>
         <p:txBody>
-          <a:bodyPr/>
+          <a:bodyPr>
+            <a:normAutofit fontScale="92500" lnSpcReduction="20000"/>
+          </a:bodyPr>
           <a:lstStyle/>
           <a:p>
             <a:r>
@@ -11197,6 +11321,13 @@
             </a:r>
           </a:p>
           <a:p>
+            <a:pPr lvl="1"/>
+            <a:r>
+              <a:rPr lang="en-GB" dirty="0"/>
+              <a:t>Deployment</a:t>
+            </a:r>
+          </a:p>
+          <a:p>
             <a:r>
               <a:rPr lang="en-GB" dirty="0"/>
               <a:t>Install-Package </a:t>
@@ -11208,6 +11339,72 @@
             <a:endParaRPr lang="en-GB" dirty="0"/>
           </a:p>
           <a:p>
+            <a:r>
+              <a:rPr lang="en-GB" dirty="0"/>
+              <a:t>DEMO: Azure Open AI studio</a:t>
+            </a:r>
+          </a:p>
+          <a:p>
+            <a:pPr lvl="1"/>
+            <a:r>
+              <a:rPr lang="en-GB" dirty="0"/>
+              <a:t>Prompting</a:t>
+            </a:r>
+          </a:p>
+          <a:p>
+            <a:pPr lvl="1"/>
+            <a:r>
+              <a:rPr lang="en-US" dirty="0"/>
+              <a:t>Temperature</a:t>
+            </a:r>
+          </a:p>
+          <a:p>
+            <a:pPr lvl="1"/>
+            <a:r>
+              <a:rPr lang="en-US" dirty="0" err="1"/>
+              <a:t>MaxTokens</a:t>
+            </a:r>
+            <a:endParaRPr lang="en-US" dirty="0"/>
+          </a:p>
+          <a:p>
+            <a:pPr lvl="1"/>
+            <a:r>
+              <a:rPr lang="en-US" dirty="0" err="1"/>
+              <a:t>NucleusSamplingFactor</a:t>
+            </a:r>
+            <a:endParaRPr lang="en-US" dirty="0"/>
+          </a:p>
+          <a:p>
+            <a:pPr lvl="1"/>
+            <a:r>
+              <a:rPr lang="en-US" dirty="0" err="1"/>
+              <a:t>FrequencyPenalty</a:t>
+            </a:r>
+            <a:endParaRPr lang="en-US" dirty="0"/>
+          </a:p>
+          <a:p>
+            <a:pPr lvl="1"/>
+            <a:r>
+              <a:rPr lang="en-US" dirty="0" err="1"/>
+              <a:t>PresencePenalty</a:t>
+            </a:r>
+            <a:endParaRPr lang="en-GB" dirty="0"/>
+          </a:p>
+          <a:p>
+            <a:r>
+              <a:rPr lang="en-GB" dirty="0"/>
+              <a:t>DEMO: Code examples</a:t>
+            </a:r>
+          </a:p>
+          <a:p>
+            <a:r>
+              <a:rPr lang="en-GB" dirty="0"/>
+              <a:t>Deficiencies of </a:t>
+            </a:r>
+            <a:r>
+              <a:rPr lang="en-GB" dirty="0" err="1"/>
+              <a:t>ChatGpt</a:t>
+            </a:r>
             <a:endParaRPr lang="en-GB" dirty="0"/>
           </a:p>
         </p:txBody>

--- a/JaaS.pptx
+++ b/JaaS.pptx
@@ -5,10 +5,10 @@
     <p:sldMasterId id="2147483778" r:id="rId1"/>
   </p:sldMasterIdLst>
   <p:notesMasterIdLst>
-    <p:notesMasterId r:id="rId13"/>
+    <p:notesMasterId r:id="rId14"/>
   </p:notesMasterIdLst>
   <p:handoutMasterIdLst>
-    <p:handoutMasterId r:id="rId14"/>
+    <p:handoutMasterId r:id="rId15"/>
   </p:handoutMasterIdLst>
   <p:sldIdLst>
     <p:sldId id="256" r:id="rId2"/>
@@ -17,11 +17,12 @@
     <p:sldId id="330" r:id="rId5"/>
     <p:sldId id="331" r:id="rId6"/>
     <p:sldId id="332" r:id="rId7"/>
-    <p:sldId id="333" r:id="rId8"/>
-    <p:sldId id="334" r:id="rId9"/>
-    <p:sldId id="335" r:id="rId10"/>
-    <p:sldId id="336" r:id="rId11"/>
-    <p:sldId id="261" r:id="rId12"/>
+    <p:sldId id="337" r:id="rId8"/>
+    <p:sldId id="333" r:id="rId9"/>
+    <p:sldId id="334" r:id="rId10"/>
+    <p:sldId id="335" r:id="rId11"/>
+    <p:sldId id="336" r:id="rId12"/>
+    <p:sldId id="261" r:id="rId13"/>
   </p:sldIdLst>
   <p:sldSz cx="12192000" cy="6858000"/>
   <p:notesSz cx="6858000" cy="9144000"/>
@@ -3647,7 +3648,7 @@
           <a:p>
             <a:fld id="{1949DCC4-3950-4EDD-A7AB-6E741F409A1B}" type="datetimeFigureOut">
               <a:rPr lang="en-GB" smtClean="0"/>
-              <a:t>06/03/2024</a:t>
+              <a:t>07/03/2024</a:t>
             </a:fld>
             <a:endParaRPr lang="en-GB"/>
           </a:p>
@@ -3824,7 +3825,7 @@
           <a:p>
             <a:fld id="{4272BD98-83E6-44AA-A390-E720F46AD6BB}" type="datetimeFigureOut">
               <a:rPr lang="en-GB" smtClean="0"/>
-              <a:t>06/03/2024</a:t>
+              <a:t>07/03/2024</a:t>
             </a:fld>
             <a:endParaRPr lang="en-GB"/>
           </a:p>
@@ -4814,7 +4815,7 @@
           <a:p>
             <a:fld id="{2239D842-4202-406B-B506-E26DA8C90340}" type="datetimeFigureOut">
               <a:rPr lang="en-GB" smtClean="0"/>
-              <a:t>06/03/2024</a:t>
+              <a:t>07/03/2024</a:t>
             </a:fld>
             <a:endParaRPr lang="en-GB"/>
           </a:p>
@@ -5065,7 +5066,7 @@
           <a:p>
             <a:fld id="{2239D842-4202-406B-B506-E26DA8C90340}" type="datetimeFigureOut">
               <a:rPr lang="en-GB" smtClean="0"/>
-              <a:t>06/03/2024</a:t>
+              <a:t>07/03/2024</a:t>
             </a:fld>
             <a:endParaRPr lang="en-GB"/>
           </a:p>
@@ -5379,7 +5380,7 @@
           <a:p>
             <a:fld id="{2239D842-4202-406B-B506-E26DA8C90340}" type="datetimeFigureOut">
               <a:rPr lang="en-GB" smtClean="0"/>
-              <a:t>06/03/2024</a:t>
+              <a:t>07/03/2024</a:t>
             </a:fld>
             <a:endParaRPr lang="en-GB"/>
           </a:p>
@@ -5720,7 +5721,7 @@
           <a:p>
             <a:fld id="{2239D842-4202-406B-B506-E26DA8C90340}" type="datetimeFigureOut">
               <a:rPr lang="en-GB" smtClean="0"/>
-              <a:t>06/03/2024</a:t>
+              <a:t>07/03/2024</a:t>
             </a:fld>
             <a:endParaRPr lang="en-GB"/>
           </a:p>
@@ -6034,7 +6035,7 @@
           <a:p>
             <a:fld id="{2239D842-4202-406B-B506-E26DA8C90340}" type="datetimeFigureOut">
               <a:rPr lang="en-GB" smtClean="0"/>
-              <a:t>06/03/2024</a:t>
+              <a:t>07/03/2024</a:t>
             </a:fld>
             <a:endParaRPr lang="en-GB"/>
           </a:p>
@@ -6427,7 +6428,7 @@
           <a:p>
             <a:fld id="{2239D842-4202-406B-B506-E26DA8C90340}" type="datetimeFigureOut">
               <a:rPr lang="en-GB" smtClean="0"/>
-              <a:t>06/03/2024</a:t>
+              <a:t>07/03/2024</a:t>
             </a:fld>
             <a:endParaRPr lang="en-GB"/>
           </a:p>
@@ -6597,7 +6598,7 @@
           <a:p>
             <a:fld id="{2239D842-4202-406B-B506-E26DA8C90340}" type="datetimeFigureOut">
               <a:rPr lang="en-GB" smtClean="0"/>
-              <a:t>06/03/2024</a:t>
+              <a:t>07/03/2024</a:t>
             </a:fld>
             <a:endParaRPr lang="en-GB"/>
           </a:p>
@@ -6777,7 +6778,7 @@
           <a:p>
             <a:fld id="{2239D842-4202-406B-B506-E26DA8C90340}" type="datetimeFigureOut">
               <a:rPr lang="en-GB" smtClean="0"/>
-              <a:t>06/03/2024</a:t>
+              <a:t>07/03/2024</a:t>
             </a:fld>
             <a:endParaRPr lang="en-GB"/>
           </a:p>
@@ -6953,7 +6954,7 @@
           <a:p>
             <a:fld id="{2239D842-4202-406B-B506-E26DA8C90340}" type="datetimeFigureOut">
               <a:rPr lang="en-GB" smtClean="0"/>
-              <a:t>06/03/2024</a:t>
+              <a:t>07/03/2024</a:t>
             </a:fld>
             <a:endParaRPr lang="en-GB"/>
           </a:p>
@@ -7200,7 +7201,7 @@
           <a:p>
             <a:fld id="{2239D842-4202-406B-B506-E26DA8C90340}" type="datetimeFigureOut">
               <a:rPr lang="en-GB" smtClean="0"/>
-              <a:t>06/03/2024</a:t>
+              <a:t>07/03/2024</a:t>
             </a:fld>
             <a:endParaRPr lang="en-GB"/>
           </a:p>
@@ -7432,7 +7433,7 @@
           <a:p>
             <a:fld id="{2239D842-4202-406B-B506-E26DA8C90340}" type="datetimeFigureOut">
               <a:rPr lang="en-GB" smtClean="0"/>
-              <a:t>06/03/2024</a:t>
+              <a:t>07/03/2024</a:t>
             </a:fld>
             <a:endParaRPr lang="en-GB"/>
           </a:p>
@@ -7806,7 +7807,7 @@
           <a:p>
             <a:fld id="{2239D842-4202-406B-B506-E26DA8C90340}" type="datetimeFigureOut">
               <a:rPr lang="en-GB" smtClean="0"/>
-              <a:t>06/03/2024</a:t>
+              <a:t>07/03/2024</a:t>
             </a:fld>
             <a:endParaRPr lang="en-GB"/>
           </a:p>
@@ -7929,7 +7930,7 @@
           <a:p>
             <a:fld id="{2239D842-4202-406B-B506-E26DA8C90340}" type="datetimeFigureOut">
               <a:rPr lang="en-GB" smtClean="0"/>
-              <a:t>06/03/2024</a:t>
+              <a:t>07/03/2024</a:t>
             </a:fld>
             <a:endParaRPr lang="en-GB"/>
           </a:p>
@@ -8024,7 +8025,7 @@
           <a:p>
             <a:fld id="{2239D842-4202-406B-B506-E26DA8C90340}" type="datetimeFigureOut">
               <a:rPr lang="en-GB" smtClean="0"/>
-              <a:t>06/03/2024</a:t>
+              <a:t>07/03/2024</a:t>
             </a:fld>
             <a:endParaRPr lang="en-GB"/>
           </a:p>
@@ -8279,7 +8280,7 @@
           <a:p>
             <a:fld id="{2239D842-4202-406B-B506-E26DA8C90340}" type="datetimeFigureOut">
               <a:rPr lang="en-GB" smtClean="0"/>
-              <a:t>06/03/2024</a:t>
+              <a:t>07/03/2024</a:t>
             </a:fld>
             <a:endParaRPr lang="en-GB"/>
           </a:p>
@@ -8542,7 +8543,7 @@
           <a:p>
             <a:fld id="{2239D842-4202-406B-B506-E26DA8C90340}" type="datetimeFigureOut">
               <a:rPr lang="en-GB" smtClean="0"/>
-              <a:t>06/03/2024</a:t>
+              <a:t>07/03/2024</a:t>
             </a:fld>
             <a:endParaRPr lang="en-GB"/>
           </a:p>
@@ -9285,7 +9286,7 @@
           <a:p>
             <a:fld id="{2239D842-4202-406B-B506-E26DA8C90340}" type="datetimeFigureOut">
               <a:rPr lang="en-GB" smtClean="0"/>
-              <a:t>06/03/2024</a:t>
+              <a:t>07/03/2024</a:t>
             </a:fld>
             <a:endParaRPr lang="en-GB"/>
           </a:p>
@@ -10068,6 +10069,219 @@
           <p:cNvPr id="2" name="Title 1">
             <a:extLst>
               <a:ext uri="{FF2B5EF4-FFF2-40B4-BE49-F238E27FC236}">
+                <a16:creationId xmlns:a16="http://schemas.microsoft.com/office/drawing/2014/main" id="{9DA1F584-0E9D-D9CA-198B-D468C4903CCA}"/>
+              </a:ext>
+            </a:extLst>
+          </p:cNvPr>
+          <p:cNvSpPr>
+            <a:spLocks noGrp="1"/>
+          </p:cNvSpPr>
+          <p:nvPr>
+            <p:ph type="title"/>
+          </p:nvPr>
+        </p:nvSpPr>
+        <p:spPr/>
+        <p:txBody>
+          <a:bodyPr/>
+          <a:lstStyle/>
+          <a:p>
+            <a:r>
+              <a:rPr lang="en-GB" dirty="0"/>
+              <a:t>Azure Open AI service</a:t>
+            </a:r>
+          </a:p>
+        </p:txBody>
+      </p:sp>
+      <p:sp>
+        <p:nvSpPr>
+          <p:cNvPr id="3" name="Content Placeholder 2">
+            <a:extLst>
+              <a:ext uri="{FF2B5EF4-FFF2-40B4-BE49-F238E27FC236}">
+                <a16:creationId xmlns:a16="http://schemas.microsoft.com/office/drawing/2014/main" id="{A434616F-35C8-949A-51CF-2B192F3AC98E}"/>
+              </a:ext>
+            </a:extLst>
+          </p:cNvPr>
+          <p:cNvSpPr>
+            <a:spLocks noGrp="1"/>
+          </p:cNvSpPr>
+          <p:nvPr>
+            <p:ph idx="1"/>
+          </p:nvPr>
+        </p:nvSpPr>
+        <p:spPr/>
+        <p:txBody>
+          <a:bodyPr>
+            <a:normAutofit fontScale="92500" lnSpcReduction="20000"/>
+          </a:bodyPr>
+          <a:lstStyle/>
+          <a:p>
+            <a:r>
+              <a:rPr lang="en-GB" dirty="0"/>
+              <a:t>Setup Azure Open AI service in Azure</a:t>
+            </a:r>
+          </a:p>
+          <a:p>
+            <a:pPr lvl="1"/>
+            <a:r>
+              <a:rPr lang="en-GB" dirty="0"/>
+              <a:t>Deployment</a:t>
+            </a:r>
+          </a:p>
+          <a:p>
+            <a:r>
+              <a:rPr lang="en-GB" dirty="0"/>
+              <a:t>Install-Package </a:t>
+            </a:r>
+            <a:r>
+              <a:rPr lang="en-GB" dirty="0" err="1"/>
+              <a:t>Azure.AI.OpenAI</a:t>
+            </a:r>
+            <a:endParaRPr lang="en-GB" dirty="0"/>
+          </a:p>
+          <a:p>
+            <a:r>
+              <a:rPr lang="en-GB" dirty="0"/>
+              <a:t>DEMO: Azure Open AI studio</a:t>
+            </a:r>
+          </a:p>
+          <a:p>
+            <a:pPr lvl="1"/>
+            <a:r>
+              <a:rPr lang="en-GB" dirty="0"/>
+              <a:t>Prompting</a:t>
+            </a:r>
+          </a:p>
+          <a:p>
+            <a:pPr lvl="1"/>
+            <a:r>
+              <a:rPr lang="en-US" dirty="0"/>
+              <a:t>Temperature</a:t>
+            </a:r>
+          </a:p>
+          <a:p>
+            <a:pPr lvl="1"/>
+            <a:r>
+              <a:rPr lang="en-US" dirty="0" err="1"/>
+              <a:t>MaxTokens</a:t>
+            </a:r>
+            <a:endParaRPr lang="en-US" dirty="0"/>
+          </a:p>
+          <a:p>
+            <a:pPr lvl="1"/>
+            <a:r>
+              <a:rPr lang="en-US" dirty="0" err="1"/>
+              <a:t>NucleusSamplingFactor</a:t>
+            </a:r>
+            <a:endParaRPr lang="en-US" dirty="0"/>
+          </a:p>
+          <a:p>
+            <a:pPr lvl="1"/>
+            <a:r>
+              <a:rPr lang="en-US" dirty="0" err="1"/>
+              <a:t>FrequencyPenalty</a:t>
+            </a:r>
+            <a:endParaRPr lang="en-US" dirty="0"/>
+          </a:p>
+          <a:p>
+            <a:pPr lvl="1"/>
+            <a:r>
+              <a:rPr lang="en-US" dirty="0" err="1"/>
+              <a:t>PresencePenalty</a:t>
+            </a:r>
+            <a:endParaRPr lang="en-GB" dirty="0"/>
+          </a:p>
+          <a:p>
+            <a:r>
+              <a:rPr lang="en-GB" dirty="0"/>
+              <a:t>DEMO: Code examples</a:t>
+            </a:r>
+          </a:p>
+          <a:p>
+            <a:r>
+              <a:rPr lang="en-GB" dirty="0"/>
+              <a:t>Deficiencies of </a:t>
+            </a:r>
+            <a:r>
+              <a:rPr lang="en-GB" dirty="0" err="1"/>
+              <a:t>ChatGpt</a:t>
+            </a:r>
+            <a:endParaRPr lang="en-GB" dirty="0"/>
+          </a:p>
+        </p:txBody>
+      </p:sp>
+      <p:pic>
+        <p:nvPicPr>
+          <p:cNvPr id="5" name="Picture 4">
+            <a:extLst>
+              <a:ext uri="{FF2B5EF4-FFF2-40B4-BE49-F238E27FC236}">
+                <a16:creationId xmlns:a16="http://schemas.microsoft.com/office/drawing/2014/main" id="{CBD48111-573F-1CAD-3BA5-E617CF05ACBC}"/>
+              </a:ext>
+            </a:extLst>
+          </p:cNvPr>
+          <p:cNvPicPr>
+            <a:picLocks noChangeAspect="1"/>
+          </p:cNvPicPr>
+          <p:nvPr/>
+        </p:nvPicPr>
+        <p:blipFill>
+          <a:blip r:embed="rId2"/>
+          <a:stretch>
+            <a:fillRect/>
+          </a:stretch>
+        </p:blipFill>
+        <p:spPr>
+          <a:xfrm>
+            <a:off x="5113466" y="3288253"/>
+            <a:ext cx="4020111" cy="2753109"/>
+          </a:xfrm>
+          <a:prstGeom prst="rect">
+            <a:avLst/>
+          </a:prstGeom>
+        </p:spPr>
+      </p:pic>
+    </p:spTree>
+    <p:extLst>
+      <p:ext uri="{BB962C8B-B14F-4D97-AF65-F5344CB8AC3E}">
+        <p14:creationId xmlns:p14="http://schemas.microsoft.com/office/powerpoint/2010/main" val="1736457006"/>
+      </p:ext>
+    </p:extLst>
+  </p:cSld>
+  <p:clrMapOvr>
+    <a:masterClrMapping/>
+  </p:clrMapOvr>
+</p:sld>
+</file>
+
+<file path=ppt/slides/slide11.xml><?xml version="1.0" encoding="utf-8"?>
+<p:sld xmlns:a="http://schemas.openxmlformats.org/drawingml/2006/main" xmlns:r="http://schemas.openxmlformats.org/officeDocument/2006/relationships" xmlns:p="http://schemas.openxmlformats.org/presentationml/2006/main">
+  <p:cSld>
+    <p:bg>
+      <p:bgPr>
+        <a:solidFill>
+          <a:schemeClr val="bg1"/>
+        </a:solidFill>
+        <a:effectLst/>
+      </p:bgPr>
+    </p:bg>
+    <p:spTree>
+      <p:nvGrpSpPr>
+        <p:cNvPr id="1" name=""/>
+        <p:cNvGrpSpPr/>
+        <p:nvPr/>
+      </p:nvGrpSpPr>
+      <p:grpSpPr>
+        <a:xfrm>
+          <a:off x="0" y="0"/>
+          <a:ext cx="0" cy="0"/>
+          <a:chOff x="0" y="0"/>
+          <a:chExt cx="0" cy="0"/>
+        </a:xfrm>
+      </p:grpSpPr>
+      <p:sp>
+        <p:nvSpPr>
+          <p:cNvPr id="2" name="Title 1">
+            <a:extLst>
+              <a:ext uri="{FF2B5EF4-FFF2-40B4-BE49-F238E27FC236}">
                 <a16:creationId xmlns:a16="http://schemas.microsoft.com/office/drawing/2014/main" id="{290EEE94-EF76-7DF5-9CB4-EE4710AACBFC}"/>
               </a:ext>
             </a:extLst>
@@ -10079,16 +10293,142 @@
             <p:ph type="title"/>
           </p:nvPr>
         </p:nvSpPr>
-        <p:spPr/>
+        <p:spPr>
+          <a:xfrm>
+            <a:off x="2849562" y="609600"/>
+            <a:ext cx="6424440" cy="1320800"/>
+          </a:xfrm>
+        </p:spPr>
+        <p:txBody>
+          <a:bodyPr>
+            <a:normAutofit/>
+          </a:bodyPr>
+          <a:lstStyle/>
+          <a:p>
+            <a:r>
+              <a:rPr lang="en-GB" dirty="0" err="1"/>
+              <a:t>JaaS</a:t>
+            </a:r>
+            <a:endParaRPr lang="en-GB" dirty="0"/>
+          </a:p>
+        </p:txBody>
+      </p:sp>
+      <p:pic>
+        <p:nvPicPr>
+          <p:cNvPr id="5" name="Picture 4">
+            <a:extLst>
+              <a:ext uri="{FF2B5EF4-FFF2-40B4-BE49-F238E27FC236}">
+                <a16:creationId xmlns:a16="http://schemas.microsoft.com/office/drawing/2014/main" id="{F8AA5AC6-AA4E-01A9-F084-92BB29AC2CDA}"/>
+              </a:ext>
+            </a:extLst>
+          </p:cNvPr>
+          <p:cNvPicPr>
+            <a:picLocks noChangeAspect="1"/>
+          </p:cNvPicPr>
+          <p:nvPr/>
+        </p:nvPicPr>
+        <p:blipFill rotWithShape="1">
+          <a:blip r:embed="rId2"/>
+          <a:srcRect l="22276" t="9091" r="5701" b="-1"/>
+          <a:stretch/>
+        </p:blipFill>
+        <p:spPr>
+          <a:xfrm>
+            <a:off x="20" y="10"/>
+            <a:ext cx="2734036" cy="6867719"/>
+          </a:xfrm>
+          <a:custGeom>
+            <a:avLst/>
+            <a:gdLst/>
+            <a:ahLst/>
+            <a:cxnLst/>
+            <a:rect l="l" t="t" r="r" b="b"/>
+            <a:pathLst>
+              <a:path w="2734056" h="6858000">
+                <a:moveTo>
+                  <a:pt x="0" y="0"/>
+                </a:moveTo>
+                <a:lnTo>
+                  <a:pt x="1674254" y="0"/>
+                </a:lnTo>
+                <a:lnTo>
+                  <a:pt x="2734056" y="6850199"/>
+                </a:lnTo>
+                <a:lnTo>
+                  <a:pt x="2734056" y="6858000"/>
+                </a:lnTo>
+                <a:lnTo>
+                  <a:pt x="461457" y="6858000"/>
+                </a:lnTo>
+                <a:lnTo>
+                  <a:pt x="0" y="4134118"/>
+                </a:lnTo>
+                <a:close/>
+              </a:path>
+            </a:pathLst>
+          </a:custGeom>
+        </p:spPr>
+      </p:pic>
+      <p:sp>
+        <p:nvSpPr>
+          <p:cNvPr id="10" name="Isosceles Triangle 9">
+            <a:extLst>
+              <a:ext uri="{FF2B5EF4-FFF2-40B4-BE49-F238E27FC236}">
+                <a16:creationId xmlns:a16="http://schemas.microsoft.com/office/drawing/2014/main" id="{EB6743CF-E74B-4A3C-A785-599069DB89DF}"/>
+              </a:ext>
+              <a:ext uri="{C183D7F6-B498-43B3-948B-1728B52AA6E4}">
+                <adec:decorative xmlns:adec="http://schemas.microsoft.com/office/drawing/2017/decorative" val="1"/>
+              </a:ext>
+            </a:extLst>
+          </p:cNvPr>
+          <p:cNvSpPr>
+            <a:spLocks noGrp="1" noRot="1" noChangeAspect="1" noMove="1" noResize="1" noEditPoints="1" noAdjustHandles="1" noChangeArrowheads="1" noChangeShapeType="1" noTextEdit="1"/>
+          </p:cNvSpPr>
+          <p:nvPr>
+            <p:extLst>
+              <p:ext uri="{386F3935-93C4-4BCD-93E2-E3B085C9AB24}">
+                <p16:designElem xmlns:p16="http://schemas.microsoft.com/office/powerpoint/2015/main" val="1"/>
+              </p:ext>
+            </p:extLst>
+          </p:nvPr>
+        </p:nvSpPr>
+        <p:spPr>
+          <a:xfrm>
+            <a:off x="0" y="4013201"/>
+            <a:ext cx="476655" cy="2844800"/>
+          </a:xfrm>
+          <a:prstGeom prst="triangle">
+            <a:avLst>
+              <a:gd name="adj" fmla="val 0"/>
+            </a:avLst>
+          </a:prstGeom>
+          <a:solidFill>
+            <a:schemeClr val="accent1"/>
+          </a:solidFill>
+          <a:ln>
+            <a:noFill/>
+          </a:ln>
+          <a:effectLst/>
+        </p:spPr>
+        <p:style>
+          <a:lnRef idx="1">
+            <a:schemeClr val="accent1"/>
+          </a:lnRef>
+          <a:fillRef idx="3">
+            <a:schemeClr val="accent1"/>
+          </a:fillRef>
+          <a:effectRef idx="2">
+            <a:schemeClr val="accent1"/>
+          </a:effectRef>
+          <a:fontRef idx="minor">
+            <a:schemeClr val="lt1"/>
+          </a:fontRef>
+        </p:style>
         <p:txBody>
           <a:bodyPr/>
           <a:lstStyle/>
           <a:p>
-            <a:r>
-              <a:rPr lang="en-GB" dirty="0" err="1"/>
-              <a:t>JaaS</a:t>
-            </a:r>
-            <a:endParaRPr lang="en-GB" dirty="0"/>
+            <a:endParaRPr lang="en-GB"/>
           </a:p>
         </p:txBody>
       </p:sp>
@@ -10108,9 +10448,16 @@
             <p:ph idx="1"/>
           </p:nvPr>
         </p:nvSpPr>
-        <p:spPr/>
-        <p:txBody>
-          <a:bodyPr/>
+        <p:spPr>
+          <a:xfrm>
+            <a:off x="2849562" y="2160589"/>
+            <a:ext cx="6424440" cy="3880773"/>
+          </a:xfrm>
+        </p:spPr>
+        <p:txBody>
+          <a:bodyPr>
+            <a:normAutofit/>
+          </a:bodyPr>
           <a:lstStyle/>
           <a:p>
             <a:r>
@@ -10164,7 +10511,7 @@
 </p:sld>
 </file>
 
-<file path=ppt/slides/slide11.xml><?xml version="1.0" encoding="utf-8"?>
+<file path=ppt/slides/slide12.xml><?xml version="1.0" encoding="utf-8"?>
 <p:sld xmlns:a="http://schemas.openxmlformats.org/drawingml/2006/main" xmlns:r="http://schemas.openxmlformats.org/officeDocument/2006/relationships" xmlns:p="http://schemas.openxmlformats.org/presentationml/2006/main">
   <p:cSld>
     <p:spTree>
@@ -10580,6 +10927,36 @@
           </a:p>
         </p:txBody>
       </p:sp>
+      <p:pic>
+        <p:nvPicPr>
+          <p:cNvPr id="5" name="Picture 4">
+            <a:extLst>
+              <a:ext uri="{FF2B5EF4-FFF2-40B4-BE49-F238E27FC236}">
+                <a16:creationId xmlns:a16="http://schemas.microsoft.com/office/drawing/2014/main" id="{5117191C-FE15-5394-CA09-15AA63C5882D}"/>
+              </a:ext>
+            </a:extLst>
+          </p:cNvPr>
+          <p:cNvPicPr>
+            <a:picLocks noChangeAspect="1"/>
+          </p:cNvPicPr>
+          <p:nvPr/>
+        </p:nvPicPr>
+        <p:blipFill>
+          <a:blip r:embed="rId2"/>
+          <a:stretch>
+            <a:fillRect/>
+          </a:stretch>
+        </p:blipFill>
+        <p:spPr>
+          <a:xfrm>
+            <a:off x="5495827" y="3732874"/>
+            <a:ext cx="3605644" cy="2485105"/>
+          </a:xfrm>
+          <a:prstGeom prst="rect">
+            <a:avLst/>
+          </a:prstGeom>
+        </p:spPr>
+      </p:pic>
     </p:spTree>
     <p:extLst>
       <p:ext uri="{BB962C8B-B14F-4D97-AF65-F5344CB8AC3E}">
@@ -10697,6 +11074,36 @@
           </a:p>
         </p:txBody>
       </p:sp>
+      <p:pic>
+        <p:nvPicPr>
+          <p:cNvPr id="7" name="Picture 6">
+            <a:extLst>
+              <a:ext uri="{FF2B5EF4-FFF2-40B4-BE49-F238E27FC236}">
+                <a16:creationId xmlns:a16="http://schemas.microsoft.com/office/drawing/2014/main" id="{5DF62D89-C336-BC66-FEC1-547311552509}"/>
+              </a:ext>
+            </a:extLst>
+          </p:cNvPr>
+          <p:cNvPicPr>
+            <a:picLocks noChangeAspect="1"/>
+          </p:cNvPicPr>
+          <p:nvPr/>
+        </p:nvPicPr>
+        <p:blipFill>
+          <a:blip r:embed="rId2"/>
+          <a:stretch>
+            <a:fillRect/>
+          </a:stretch>
+        </p:blipFill>
+        <p:spPr>
+          <a:xfrm>
+            <a:off x="6259981" y="3316832"/>
+            <a:ext cx="2896004" cy="2724530"/>
+          </a:xfrm>
+          <a:prstGeom prst="rect">
+            <a:avLst/>
+          </a:prstGeom>
+        </p:spPr>
+      </p:pic>
     </p:spTree>
     <p:extLst>
       <p:ext uri="{BB962C8B-B14F-4D97-AF65-F5344CB8AC3E}">
@@ -10809,6 +11216,36 @@
           </a:p>
         </p:txBody>
       </p:sp>
+      <p:pic>
+        <p:nvPicPr>
+          <p:cNvPr id="5" name="Picture 4">
+            <a:extLst>
+              <a:ext uri="{FF2B5EF4-FFF2-40B4-BE49-F238E27FC236}">
+                <a16:creationId xmlns:a16="http://schemas.microsoft.com/office/drawing/2014/main" id="{488D3CFC-A7E3-0427-915E-33AE756861EF}"/>
+              </a:ext>
+            </a:extLst>
+          </p:cNvPr>
+          <p:cNvPicPr>
+            <a:picLocks noChangeAspect="1"/>
+          </p:cNvPicPr>
+          <p:nvPr/>
+        </p:nvPicPr>
+        <p:blipFill>
+          <a:blip r:embed="rId2"/>
+          <a:stretch>
+            <a:fillRect/>
+          </a:stretch>
+        </p:blipFill>
+        <p:spPr>
+          <a:xfrm>
+            <a:off x="6608574" y="3785179"/>
+            <a:ext cx="2934109" cy="2486372"/>
+          </a:xfrm>
+          <a:prstGeom prst="rect">
+            <a:avLst/>
+          </a:prstGeom>
+        </p:spPr>
+      </p:pic>
     </p:spTree>
     <p:extLst>
       <p:ext uri="{BB962C8B-B14F-4D97-AF65-F5344CB8AC3E}">
@@ -10915,6 +11352,36 @@
           </a:p>
         </p:txBody>
       </p:sp>
+      <p:pic>
+        <p:nvPicPr>
+          <p:cNvPr id="4" name="Picture 3">
+            <a:extLst>
+              <a:ext uri="{FF2B5EF4-FFF2-40B4-BE49-F238E27FC236}">
+                <a16:creationId xmlns:a16="http://schemas.microsoft.com/office/drawing/2014/main" id="{C89A2EAA-0D8F-3538-4C9B-2CF917A949FF}"/>
+              </a:ext>
+            </a:extLst>
+          </p:cNvPr>
+          <p:cNvPicPr>
+            <a:picLocks noChangeAspect="1"/>
+          </p:cNvPicPr>
+          <p:nvPr/>
+        </p:nvPicPr>
+        <p:blipFill>
+          <a:blip r:embed="rId2"/>
+          <a:stretch>
+            <a:fillRect/>
+          </a:stretch>
+        </p:blipFill>
+        <p:spPr>
+          <a:xfrm>
+            <a:off x="6645896" y="4684062"/>
+            <a:ext cx="1921190" cy="1564338"/>
+          </a:xfrm>
+          <a:prstGeom prst="rect">
+            <a:avLst/>
+          </a:prstGeom>
+        </p:spPr>
+      </p:pic>
     </p:spTree>
     <p:extLst>
       <p:ext uri="{BB962C8B-B14F-4D97-AF65-F5344CB8AC3E}">
@@ -10996,19 +11463,31 @@
           <a:p>
             <a:r>
               <a:rPr lang="en-GB" dirty="0"/>
-              <a:t>Extension to Azure Speech service </a:t>
+              <a:t>Extension to Azure Speech service</a:t>
             </a:r>
           </a:p>
           <a:p>
             <a:r>
               <a:rPr lang="en-GB" dirty="0"/>
-              <a:t>Pricing: standard tier</a:t>
+              <a:t>Not GA – apply for access: User agreements and disclaimers</a:t>
             </a:r>
           </a:p>
           <a:p>
             <a:r>
               <a:rPr lang="en-GB" dirty="0"/>
-              <a:t>User agreements</a:t>
+              <a:t>Pricing: Standard tier</a:t>
+            </a:r>
+          </a:p>
+          <a:p>
+            <a:r>
+              <a:rPr lang="en-GB" dirty="0"/>
+              <a:t>Lite vs Pro plan</a:t>
+            </a:r>
+          </a:p>
+          <a:p>
+            <a:r>
+              <a:rPr lang="en-GB" dirty="0"/>
+              <a:t>Load and train the model</a:t>
             </a:r>
           </a:p>
           <a:p>
@@ -11025,6 +11504,36 @@
           </a:p>
         </p:txBody>
       </p:sp>
+      <p:pic>
+        <p:nvPicPr>
+          <p:cNvPr id="5" name="Picture 4">
+            <a:extLst>
+              <a:ext uri="{FF2B5EF4-FFF2-40B4-BE49-F238E27FC236}">
+                <a16:creationId xmlns:a16="http://schemas.microsoft.com/office/drawing/2014/main" id="{35C1B719-3191-D26C-8A9B-12655A204E67}"/>
+              </a:ext>
+            </a:extLst>
+          </p:cNvPr>
+          <p:cNvPicPr>
+            <a:picLocks noChangeAspect="1"/>
+          </p:cNvPicPr>
+          <p:nvPr/>
+        </p:nvPicPr>
+        <p:blipFill>
+          <a:blip r:embed="rId2"/>
+          <a:stretch>
+            <a:fillRect/>
+          </a:stretch>
+        </p:blipFill>
+        <p:spPr>
+          <a:xfrm>
+            <a:off x="6935753" y="4234416"/>
+            <a:ext cx="1657581" cy="1914792"/>
+          </a:xfrm>
+          <a:prstGeom prst="rect">
+            <a:avLst/>
+          </a:prstGeom>
+        </p:spPr>
+      </p:pic>
     </p:spTree>
     <p:extLst>
       <p:ext uri="{BB962C8B-B14F-4D97-AF65-F5344CB8AC3E}">
@@ -11055,83 +11564,40 @@
           <a:chExt cx="0" cy="0"/>
         </a:xfrm>
       </p:grpSpPr>
-      <p:sp>
-        <p:nvSpPr>
-          <p:cNvPr id="2" name="Title 1">
+      <p:pic>
+        <p:nvPicPr>
+          <p:cNvPr id="5" name="Picture 4">
             <a:extLst>
               <a:ext uri="{FF2B5EF4-FFF2-40B4-BE49-F238E27FC236}">
-                <a16:creationId xmlns:a16="http://schemas.microsoft.com/office/drawing/2014/main" id="{CA03BBA7-5106-FA5D-0DD7-C14465A5D240}"/>
+                <a16:creationId xmlns:a16="http://schemas.microsoft.com/office/drawing/2014/main" id="{A1FA1B03-55A3-FEC0-8C21-E4879B6D7197}"/>
               </a:ext>
             </a:extLst>
           </p:cNvPr>
-          <p:cNvSpPr>
-            <a:spLocks noGrp="1"/>
-          </p:cNvSpPr>
-          <p:nvPr>
-            <p:ph type="title"/>
-          </p:nvPr>
-        </p:nvSpPr>
-        <p:spPr/>
-        <p:txBody>
-          <a:bodyPr/>
-          <a:lstStyle/>
-          <a:p>
-            <a:r>
-              <a:rPr lang="en-GB" dirty="0"/>
-              <a:t>Windows speech recognition</a:t>
-            </a:r>
-          </a:p>
-        </p:txBody>
-      </p:sp>
-      <p:sp>
-        <p:nvSpPr>
-          <p:cNvPr id="3" name="Content Placeholder 2">
-            <a:extLst>
-              <a:ext uri="{FF2B5EF4-FFF2-40B4-BE49-F238E27FC236}">
-                <a16:creationId xmlns:a16="http://schemas.microsoft.com/office/drawing/2014/main" id="{472E01FE-9470-23CD-2678-51B41CBA94BF}"/>
-              </a:ext>
-            </a:extLst>
-          </p:cNvPr>
-          <p:cNvSpPr>
-            <a:spLocks noGrp="1"/>
-          </p:cNvSpPr>
-          <p:nvPr>
-            <p:ph idx="1"/>
-          </p:nvPr>
-        </p:nvSpPr>
-        <p:spPr/>
-        <p:txBody>
-          <a:bodyPr/>
-          <a:lstStyle/>
-          <a:p>
-            <a:r>
-              <a:rPr lang="en-GB" dirty="0"/>
-              <a:t>Install-Package </a:t>
-            </a:r>
-            <a:r>
-              <a:rPr lang="en-GB" dirty="0" err="1"/>
-              <a:t>System.Speech</a:t>
-            </a:r>
-            <a:endParaRPr lang="en-GB" dirty="0"/>
-          </a:p>
-          <a:p>
-            <a:r>
-              <a:rPr lang="en-GB" dirty="0"/>
-              <a:t>Grammar prompt</a:t>
-            </a:r>
-          </a:p>
-          <a:p>
-            <a:r>
-              <a:rPr lang="en-GB" dirty="0"/>
-              <a:t>DEMO: Code examples</a:t>
-            </a:r>
-          </a:p>
-        </p:txBody>
-      </p:sp>
+          <p:cNvPicPr>
+            <a:picLocks noChangeAspect="1"/>
+          </p:cNvPicPr>
+          <p:nvPr/>
+        </p:nvPicPr>
+        <p:blipFill>
+          <a:blip r:embed="rId2"/>
+          <a:stretch>
+            <a:fillRect/>
+          </a:stretch>
+        </p:blipFill>
+        <p:spPr>
+          <a:xfrm>
+            <a:off x="0" y="848412"/>
+            <a:ext cx="12192000" cy="5476973"/>
+          </a:xfrm>
+          <a:prstGeom prst="rect">
+            <a:avLst/>
+          </a:prstGeom>
+        </p:spPr>
+      </p:pic>
     </p:spTree>
     <p:extLst>
       <p:ext uri="{BB962C8B-B14F-4D97-AF65-F5344CB8AC3E}">
-        <p14:creationId xmlns:p14="http://schemas.microsoft.com/office/powerpoint/2010/main" val="458558394"/>
+        <p14:creationId xmlns:p14="http://schemas.microsoft.com/office/powerpoint/2010/main" val="1525186628"/>
       </p:ext>
     </p:extLst>
   </p:cSld>
@@ -11163,7 +11629,7 @@
           <p:cNvPr id="2" name="Title 1">
             <a:extLst>
               <a:ext uri="{FF2B5EF4-FFF2-40B4-BE49-F238E27FC236}">
-                <a16:creationId xmlns:a16="http://schemas.microsoft.com/office/drawing/2014/main" id="{759DDB6F-002E-70E8-0CE4-0401B045F838}"/>
+                <a16:creationId xmlns:a16="http://schemas.microsoft.com/office/drawing/2014/main" id="{CA03BBA7-5106-FA5D-0DD7-C14465A5D240}"/>
               </a:ext>
             </a:extLst>
           </p:cNvPr>
@@ -11181,7 +11647,7 @@
           <a:p>
             <a:r>
               <a:rPr lang="en-GB" dirty="0"/>
-              <a:t>Azure Speech to text</a:t>
+              <a:t>Windows speech recognition</a:t>
             </a:r>
           </a:p>
         </p:txBody>
@@ -11191,7 +11657,7 @@
           <p:cNvPr id="3" name="Content Placeholder 2">
             <a:extLst>
               <a:ext uri="{FF2B5EF4-FFF2-40B4-BE49-F238E27FC236}">
-                <a16:creationId xmlns:a16="http://schemas.microsoft.com/office/drawing/2014/main" id="{7D1B7452-1C0A-C74F-ED88-A202D61F4AFD}"/>
+                <a16:creationId xmlns:a16="http://schemas.microsoft.com/office/drawing/2014/main" id="{472E01FE-9470-23CD-2678-51B41CBA94BF}"/>
               </a:ext>
             </a:extLst>
           </p:cNvPr>
@@ -11209,19 +11675,19 @@
           <a:p>
             <a:r>
               <a:rPr lang="en-GB" dirty="0"/>
-              <a:t>Setup Speech service in Azure</a:t>
-            </a:r>
+              <a:t>Install-Package </a:t>
+            </a:r>
+            <a:r>
+              <a:rPr lang="en-GB" dirty="0" err="1"/>
+              <a:t>System.Speech</a:t>
+            </a:r>
+            <a:endParaRPr lang="en-GB" dirty="0"/>
           </a:p>
           <a:p>
             <a:r>
               <a:rPr lang="en-GB" dirty="0"/>
-              <a:t>Install-Package </a:t>
-            </a:r>
-            <a:r>
-              <a:rPr lang="en-GB" dirty="0" err="1"/>
-              <a:t>Microsoft.CognitiveServices.Speech</a:t>
-            </a:r>
-            <a:endParaRPr lang="en-GB" dirty="0"/>
+              <a:t>Grammar prompt</a:t>
+            </a:r>
           </a:p>
           <a:p>
             <a:r>
@@ -11229,15 +11695,42 @@
               <a:t>DEMO: Code examples</a:t>
             </a:r>
           </a:p>
-          <a:p>
-            <a:endParaRPr lang="en-GB" dirty="0"/>
-          </a:p>
-        </p:txBody>
-      </p:sp>
+        </p:txBody>
+      </p:sp>
+      <p:pic>
+        <p:nvPicPr>
+          <p:cNvPr id="5" name="Picture 4">
+            <a:extLst>
+              <a:ext uri="{FF2B5EF4-FFF2-40B4-BE49-F238E27FC236}">
+                <a16:creationId xmlns:a16="http://schemas.microsoft.com/office/drawing/2014/main" id="{11CCEBBF-42C7-C2D2-E8B4-95F8BA1BF479}"/>
+              </a:ext>
+            </a:extLst>
+          </p:cNvPr>
+          <p:cNvPicPr>
+            <a:picLocks noChangeAspect="1"/>
+          </p:cNvPicPr>
+          <p:nvPr/>
+        </p:nvPicPr>
+        <p:blipFill>
+          <a:blip r:embed="rId2"/>
+          <a:stretch>
+            <a:fillRect/>
+          </a:stretch>
+        </p:blipFill>
+        <p:spPr>
+          <a:xfrm>
+            <a:off x="6467172" y="3554990"/>
+            <a:ext cx="2934109" cy="2486372"/>
+          </a:xfrm>
+          <a:prstGeom prst="rect">
+            <a:avLst/>
+          </a:prstGeom>
+        </p:spPr>
+      </p:pic>
     </p:spTree>
     <p:extLst>
       <p:ext uri="{BB962C8B-B14F-4D97-AF65-F5344CB8AC3E}">
-        <p14:creationId xmlns:p14="http://schemas.microsoft.com/office/powerpoint/2010/main" val="2656160921"/>
+        <p14:creationId xmlns:p14="http://schemas.microsoft.com/office/powerpoint/2010/main" val="458558394"/>
       </p:ext>
     </p:extLst>
   </p:cSld>
@@ -11269,7 +11762,7 @@
           <p:cNvPr id="2" name="Title 1">
             <a:extLst>
               <a:ext uri="{FF2B5EF4-FFF2-40B4-BE49-F238E27FC236}">
-                <a16:creationId xmlns:a16="http://schemas.microsoft.com/office/drawing/2014/main" id="{9DA1F584-0E9D-D9CA-198B-D468C4903CCA}"/>
+                <a16:creationId xmlns:a16="http://schemas.microsoft.com/office/drawing/2014/main" id="{759DDB6F-002E-70E8-0CE4-0401B045F838}"/>
               </a:ext>
             </a:extLst>
           </p:cNvPr>
@@ -11287,7 +11780,7 @@
           <a:p>
             <a:r>
               <a:rPr lang="en-GB" dirty="0"/>
-              <a:t>Azure Open AI service</a:t>
+              <a:t>Azure Speech to text</a:t>
             </a:r>
           </a:p>
         </p:txBody>
@@ -11297,7 +11790,7 @@
           <p:cNvPr id="3" name="Content Placeholder 2">
             <a:extLst>
               <a:ext uri="{FF2B5EF4-FFF2-40B4-BE49-F238E27FC236}">
-                <a16:creationId xmlns:a16="http://schemas.microsoft.com/office/drawing/2014/main" id="{A434616F-35C8-949A-51CF-2B192F3AC98E}"/>
+                <a16:creationId xmlns:a16="http://schemas.microsoft.com/office/drawing/2014/main" id="{7D1B7452-1C0A-C74F-ED88-A202D61F4AFD}"/>
               </a:ext>
             </a:extLst>
           </p:cNvPr>
@@ -11310,21 +11803,12 @@
         </p:nvSpPr>
         <p:spPr/>
         <p:txBody>
-          <a:bodyPr>
-            <a:normAutofit fontScale="92500" lnSpcReduction="20000"/>
-          </a:bodyPr>
+          <a:bodyPr/>
           <a:lstStyle/>
           <a:p>
             <a:r>
               <a:rPr lang="en-GB" dirty="0"/>
-              <a:t>Setup Azure Open AI service in Azure</a:t>
-            </a:r>
-          </a:p>
-          <a:p>
-            <a:pPr lvl="1"/>
-            <a:r>
-              <a:rPr lang="en-GB" dirty="0"/>
-              <a:t>Deployment</a:t>
+              <a:t>Setup Speech service in Azure</a:t>
             </a:r>
           </a:p>
           <a:p>
@@ -11334,59 +11818,7 @@
             </a:r>
             <a:r>
               <a:rPr lang="en-GB" dirty="0" err="1"/>
-              <a:t>Azure.AI.OpenAI</a:t>
-            </a:r>
-            <a:endParaRPr lang="en-GB" dirty="0"/>
-          </a:p>
-          <a:p>
-            <a:r>
-              <a:rPr lang="en-GB" dirty="0"/>
-              <a:t>DEMO: Azure Open AI studio</a:t>
-            </a:r>
-          </a:p>
-          <a:p>
-            <a:pPr lvl="1"/>
-            <a:r>
-              <a:rPr lang="en-GB" dirty="0"/>
-              <a:t>Prompting</a:t>
-            </a:r>
-          </a:p>
-          <a:p>
-            <a:pPr lvl="1"/>
-            <a:r>
-              <a:rPr lang="en-US" dirty="0"/>
-              <a:t>Temperature</a:t>
-            </a:r>
-          </a:p>
-          <a:p>
-            <a:pPr lvl="1"/>
-            <a:r>
-              <a:rPr lang="en-US" dirty="0" err="1"/>
-              <a:t>MaxTokens</a:t>
-            </a:r>
-            <a:endParaRPr lang="en-US" dirty="0"/>
-          </a:p>
-          <a:p>
-            <a:pPr lvl="1"/>
-            <a:r>
-              <a:rPr lang="en-US" dirty="0" err="1"/>
-              <a:t>NucleusSamplingFactor</a:t>
-            </a:r>
-            <a:endParaRPr lang="en-US" dirty="0"/>
-          </a:p>
-          <a:p>
-            <a:pPr lvl="1"/>
-            <a:r>
-              <a:rPr lang="en-US" dirty="0" err="1"/>
-              <a:t>FrequencyPenalty</a:t>
-            </a:r>
-            <a:endParaRPr lang="en-US" dirty="0"/>
-          </a:p>
-          <a:p>
-            <a:pPr lvl="1"/>
-            <a:r>
-              <a:rPr lang="en-US" dirty="0" err="1"/>
-              <a:t>PresencePenalty</a:t>
+              <a:t>Microsoft.CognitiveServices.Speech</a:t>
             </a:r>
             <a:endParaRPr lang="en-GB" dirty="0"/>
           </a:p>
@@ -11397,22 +11829,44 @@
             </a:r>
           </a:p>
           <a:p>
-            <a:r>
-              <a:rPr lang="en-GB" dirty="0"/>
-              <a:t>Deficiencies of </a:t>
-            </a:r>
-            <a:r>
-              <a:rPr lang="en-GB" dirty="0" err="1"/>
-              <a:t>ChatGpt</a:t>
-            </a:r>
             <a:endParaRPr lang="en-GB" dirty="0"/>
           </a:p>
         </p:txBody>
       </p:sp>
+      <p:pic>
+        <p:nvPicPr>
+          <p:cNvPr id="5" name="Picture 4">
+            <a:extLst>
+              <a:ext uri="{FF2B5EF4-FFF2-40B4-BE49-F238E27FC236}">
+                <a16:creationId xmlns:a16="http://schemas.microsoft.com/office/drawing/2014/main" id="{40EB07E9-40AB-1FB9-6137-7FF7925184D8}"/>
+              </a:ext>
+            </a:extLst>
+          </p:cNvPr>
+          <p:cNvPicPr>
+            <a:picLocks noChangeAspect="1"/>
+          </p:cNvPicPr>
+          <p:nvPr/>
+        </p:nvPicPr>
+        <p:blipFill>
+          <a:blip r:embed="rId2"/>
+          <a:stretch>
+            <a:fillRect/>
+          </a:stretch>
+        </p:blipFill>
+        <p:spPr>
+          <a:xfrm>
+            <a:off x="6579909" y="4477024"/>
+            <a:ext cx="1921190" cy="1564338"/>
+          </a:xfrm>
+          <a:prstGeom prst="rect">
+            <a:avLst/>
+          </a:prstGeom>
+        </p:spPr>
+      </p:pic>
     </p:spTree>
     <p:extLst>
       <p:ext uri="{BB962C8B-B14F-4D97-AF65-F5344CB8AC3E}">
-        <p14:creationId xmlns:p14="http://schemas.microsoft.com/office/powerpoint/2010/main" val="1736457006"/>
+        <p14:creationId xmlns:p14="http://schemas.microsoft.com/office/powerpoint/2010/main" val="2656160921"/>
       </p:ext>
     </p:extLst>
   </p:cSld>

--- a/JaaS.pptx
+++ b/JaaS.pptx
@@ -10111,7 +10111,7 @@
         <p:spPr/>
         <p:txBody>
           <a:bodyPr>
-            <a:normAutofit fontScale="92500" lnSpcReduction="20000"/>
+            <a:normAutofit fontScale="77500" lnSpcReduction="20000"/>
           </a:bodyPr>
           <a:lstStyle/>
           <a:p>
@@ -10142,6 +10142,13 @@
             <a:r>
               <a:rPr lang="en-GB" dirty="0"/>
               <a:t>DEMO: Azure Open AI studio</a:t>
+            </a:r>
+          </a:p>
+          <a:p>
+            <a:pPr lvl="1"/>
+            <a:r>
+              <a:rPr lang="en-GB" dirty="0"/>
+              <a:t>Chat playground</a:t>
             </a:r>
           </a:p>
           <a:p>

--- a/JaaS.pptx
+++ b/JaaS.pptx
@@ -3648,7 +3648,7 @@
           <a:p>
             <a:fld id="{1949DCC4-3950-4EDD-A7AB-6E741F409A1B}" type="datetimeFigureOut">
               <a:rPr lang="en-GB" smtClean="0"/>
-              <a:t>07/03/2024</a:t>
+              <a:t>11/03/2024</a:t>
             </a:fld>
             <a:endParaRPr lang="en-GB"/>
           </a:p>
@@ -3825,7 +3825,7 @@
           <a:p>
             <a:fld id="{4272BD98-83E6-44AA-A390-E720F46AD6BB}" type="datetimeFigureOut">
               <a:rPr lang="en-GB" smtClean="0"/>
-              <a:t>07/03/2024</a:t>
+              <a:t>11/03/2024</a:t>
             </a:fld>
             <a:endParaRPr lang="en-GB"/>
           </a:p>
@@ -4815,7 +4815,7 @@
           <a:p>
             <a:fld id="{2239D842-4202-406B-B506-E26DA8C90340}" type="datetimeFigureOut">
               <a:rPr lang="en-GB" smtClean="0"/>
-              <a:t>07/03/2024</a:t>
+              <a:t>11/03/2024</a:t>
             </a:fld>
             <a:endParaRPr lang="en-GB"/>
           </a:p>
@@ -5066,7 +5066,7 @@
           <a:p>
             <a:fld id="{2239D842-4202-406B-B506-E26DA8C90340}" type="datetimeFigureOut">
               <a:rPr lang="en-GB" smtClean="0"/>
-              <a:t>07/03/2024</a:t>
+              <a:t>11/03/2024</a:t>
             </a:fld>
             <a:endParaRPr lang="en-GB"/>
           </a:p>
@@ -5380,7 +5380,7 @@
           <a:p>
             <a:fld id="{2239D842-4202-406B-B506-E26DA8C90340}" type="datetimeFigureOut">
               <a:rPr lang="en-GB" smtClean="0"/>
-              <a:t>07/03/2024</a:t>
+              <a:t>11/03/2024</a:t>
             </a:fld>
             <a:endParaRPr lang="en-GB"/>
           </a:p>
@@ -5721,7 +5721,7 @@
           <a:p>
             <a:fld id="{2239D842-4202-406B-B506-E26DA8C90340}" type="datetimeFigureOut">
               <a:rPr lang="en-GB" smtClean="0"/>
-              <a:t>07/03/2024</a:t>
+              <a:t>11/03/2024</a:t>
             </a:fld>
             <a:endParaRPr lang="en-GB"/>
           </a:p>
@@ -6035,7 +6035,7 @@
           <a:p>
             <a:fld id="{2239D842-4202-406B-B506-E26DA8C90340}" type="datetimeFigureOut">
               <a:rPr lang="en-GB" smtClean="0"/>
-              <a:t>07/03/2024</a:t>
+              <a:t>11/03/2024</a:t>
             </a:fld>
             <a:endParaRPr lang="en-GB"/>
           </a:p>
@@ -6428,7 +6428,7 @@
           <a:p>
             <a:fld id="{2239D842-4202-406B-B506-E26DA8C90340}" type="datetimeFigureOut">
               <a:rPr lang="en-GB" smtClean="0"/>
-              <a:t>07/03/2024</a:t>
+              <a:t>11/03/2024</a:t>
             </a:fld>
             <a:endParaRPr lang="en-GB"/>
           </a:p>
@@ -6598,7 +6598,7 @@
           <a:p>
             <a:fld id="{2239D842-4202-406B-B506-E26DA8C90340}" type="datetimeFigureOut">
               <a:rPr lang="en-GB" smtClean="0"/>
-              <a:t>07/03/2024</a:t>
+              <a:t>11/03/2024</a:t>
             </a:fld>
             <a:endParaRPr lang="en-GB"/>
           </a:p>
@@ -6778,7 +6778,7 @@
           <a:p>
             <a:fld id="{2239D842-4202-406B-B506-E26DA8C90340}" type="datetimeFigureOut">
               <a:rPr lang="en-GB" smtClean="0"/>
-              <a:t>07/03/2024</a:t>
+              <a:t>11/03/2024</a:t>
             </a:fld>
             <a:endParaRPr lang="en-GB"/>
           </a:p>
@@ -6954,7 +6954,7 @@
           <a:p>
             <a:fld id="{2239D842-4202-406B-B506-E26DA8C90340}" type="datetimeFigureOut">
               <a:rPr lang="en-GB" smtClean="0"/>
-              <a:t>07/03/2024</a:t>
+              <a:t>11/03/2024</a:t>
             </a:fld>
             <a:endParaRPr lang="en-GB"/>
           </a:p>
@@ -7201,7 +7201,7 @@
           <a:p>
             <a:fld id="{2239D842-4202-406B-B506-E26DA8C90340}" type="datetimeFigureOut">
               <a:rPr lang="en-GB" smtClean="0"/>
-              <a:t>07/03/2024</a:t>
+              <a:t>11/03/2024</a:t>
             </a:fld>
             <a:endParaRPr lang="en-GB"/>
           </a:p>
@@ -7433,7 +7433,7 @@
           <a:p>
             <a:fld id="{2239D842-4202-406B-B506-E26DA8C90340}" type="datetimeFigureOut">
               <a:rPr lang="en-GB" smtClean="0"/>
-              <a:t>07/03/2024</a:t>
+              <a:t>11/03/2024</a:t>
             </a:fld>
             <a:endParaRPr lang="en-GB"/>
           </a:p>
@@ -7807,7 +7807,7 @@
           <a:p>
             <a:fld id="{2239D842-4202-406B-B506-E26DA8C90340}" type="datetimeFigureOut">
               <a:rPr lang="en-GB" smtClean="0"/>
-              <a:t>07/03/2024</a:t>
+              <a:t>11/03/2024</a:t>
             </a:fld>
             <a:endParaRPr lang="en-GB"/>
           </a:p>
@@ -7930,7 +7930,7 @@
           <a:p>
             <a:fld id="{2239D842-4202-406B-B506-E26DA8C90340}" type="datetimeFigureOut">
               <a:rPr lang="en-GB" smtClean="0"/>
-              <a:t>07/03/2024</a:t>
+              <a:t>11/03/2024</a:t>
             </a:fld>
             <a:endParaRPr lang="en-GB"/>
           </a:p>
@@ -8025,7 +8025,7 @@
           <a:p>
             <a:fld id="{2239D842-4202-406B-B506-E26DA8C90340}" type="datetimeFigureOut">
               <a:rPr lang="en-GB" smtClean="0"/>
-              <a:t>07/03/2024</a:t>
+              <a:t>11/03/2024</a:t>
             </a:fld>
             <a:endParaRPr lang="en-GB"/>
           </a:p>
@@ -8280,7 +8280,7 @@
           <a:p>
             <a:fld id="{2239D842-4202-406B-B506-E26DA8C90340}" type="datetimeFigureOut">
               <a:rPr lang="en-GB" smtClean="0"/>
-              <a:t>07/03/2024</a:t>
+              <a:t>11/03/2024</a:t>
             </a:fld>
             <a:endParaRPr lang="en-GB"/>
           </a:p>
@@ -8543,7 +8543,7 @@
           <a:p>
             <a:fld id="{2239D842-4202-406B-B506-E26DA8C90340}" type="datetimeFigureOut">
               <a:rPr lang="en-GB" smtClean="0"/>
-              <a:t>07/03/2024</a:t>
+              <a:t>11/03/2024</a:t>
             </a:fld>
             <a:endParaRPr lang="en-GB"/>
           </a:p>
@@ -9286,7 +9286,7 @@
           <a:p>
             <a:fld id="{2239D842-4202-406B-B506-E26DA8C90340}" type="datetimeFigureOut">
               <a:rPr lang="en-GB" smtClean="0"/>
-              <a:t>07/03/2024</a:t>
+              <a:t>11/03/2024</a:t>
             </a:fld>
             <a:endParaRPr lang="en-GB"/>
           </a:p>
@@ -10111,7 +10111,7 @@
         <p:spPr/>
         <p:txBody>
           <a:bodyPr>
-            <a:normAutofit fontScale="77500" lnSpcReduction="20000"/>
+            <a:normAutofit fontScale="92500" lnSpcReduction="10000"/>
           </a:bodyPr>
           <a:lstStyle/>
           <a:p>
@@ -10177,25 +10177,12 @@
             <a:pPr lvl="1"/>
             <a:r>
               <a:rPr lang="en-US" dirty="0" err="1"/>
-              <a:t>NucleusSamplingFactor</a:t>
-            </a:r>
-            <a:endParaRPr lang="en-US" dirty="0"/>
-          </a:p>
-          <a:p>
-            <a:pPr lvl="1"/>
-            <a:r>
-              <a:rPr lang="en-US" dirty="0" err="1"/>
-              <a:t>FrequencyPenalty</a:t>
-            </a:r>
-            <a:endParaRPr lang="en-US" dirty="0"/>
-          </a:p>
-          <a:p>
-            <a:pPr lvl="1"/>
-            <a:r>
-              <a:rPr lang="en-US" dirty="0" err="1"/>
-              <a:t>PresencePenalty</a:t>
-            </a:r>
-            <a:endParaRPr lang="en-GB" dirty="0"/>
+              <a:t>PromptFlow</a:t>
+            </a:r>
+            <a:r>
+              <a:rPr lang="en-US" dirty="0"/>
+              <a:t> and RAG</a:t>
+            </a:r>
           </a:p>
           <a:p>
             <a:r>

--- a/JaaS.pptx
+++ b/JaaS.pptx
@@ -5,10 +5,10 @@
     <p:sldMasterId id="2147483778" r:id="rId1"/>
   </p:sldMasterIdLst>
   <p:notesMasterIdLst>
-    <p:notesMasterId r:id="rId14"/>
+    <p:notesMasterId r:id="rId16"/>
   </p:notesMasterIdLst>
   <p:handoutMasterIdLst>
-    <p:handoutMasterId r:id="rId15"/>
+    <p:handoutMasterId r:id="rId17"/>
   </p:handoutMasterIdLst>
   <p:sldIdLst>
     <p:sldId id="256" r:id="rId2"/>
@@ -20,9 +20,11 @@
     <p:sldId id="337" r:id="rId8"/>
     <p:sldId id="333" r:id="rId9"/>
     <p:sldId id="334" r:id="rId10"/>
-    <p:sldId id="335" r:id="rId11"/>
-    <p:sldId id="336" r:id="rId12"/>
-    <p:sldId id="261" r:id="rId13"/>
+    <p:sldId id="338" r:id="rId11"/>
+    <p:sldId id="339" r:id="rId12"/>
+    <p:sldId id="335" r:id="rId13"/>
+    <p:sldId id="336" r:id="rId14"/>
+    <p:sldId id="261" r:id="rId15"/>
   </p:sldIdLst>
   <p:sldSz cx="12192000" cy="6858000"/>
   <p:notesSz cx="6858000" cy="9144000"/>
@@ -10069,6 +10071,226 @@
           <p:cNvPr id="2" name="Title 1">
             <a:extLst>
               <a:ext uri="{FF2B5EF4-FFF2-40B4-BE49-F238E27FC236}">
+                <a16:creationId xmlns:a16="http://schemas.microsoft.com/office/drawing/2014/main" id="{4CF324A9-11A4-5EB7-186F-A865D9845835}"/>
+              </a:ext>
+            </a:extLst>
+          </p:cNvPr>
+          <p:cNvSpPr>
+            <a:spLocks noGrp="1"/>
+          </p:cNvSpPr>
+          <p:nvPr>
+            <p:ph type="title"/>
+          </p:nvPr>
+        </p:nvSpPr>
+        <p:spPr/>
+        <p:txBody>
+          <a:bodyPr/>
+          <a:lstStyle/>
+          <a:p>
+            <a:r>
+              <a:rPr lang="en-GB" dirty="0"/>
+              <a:t>LLMs</a:t>
+            </a:r>
+          </a:p>
+        </p:txBody>
+      </p:sp>
+      <p:sp>
+        <p:nvSpPr>
+          <p:cNvPr id="3" name="Content Placeholder 2">
+            <a:extLst>
+              <a:ext uri="{FF2B5EF4-FFF2-40B4-BE49-F238E27FC236}">
+                <a16:creationId xmlns:a16="http://schemas.microsoft.com/office/drawing/2014/main" id="{0BB3EFD0-76F5-E950-4D29-404EB5A23806}"/>
+              </a:ext>
+            </a:extLst>
+          </p:cNvPr>
+          <p:cNvSpPr>
+            <a:spLocks noGrp="1"/>
+          </p:cNvSpPr>
+          <p:nvPr>
+            <p:ph idx="1"/>
+          </p:nvPr>
+        </p:nvSpPr>
+        <p:spPr/>
+        <p:txBody>
+          <a:bodyPr/>
+          <a:lstStyle/>
+          <a:p>
+            <a:r>
+              <a:rPr lang="en-GB" dirty="0"/>
+              <a:t>Content generation</a:t>
+            </a:r>
+          </a:p>
+          <a:p>
+            <a:r>
+              <a:rPr lang="en-GB" dirty="0"/>
+              <a:t>Text summarisation</a:t>
+            </a:r>
+          </a:p>
+          <a:p>
+            <a:r>
+              <a:rPr lang="en-GB" dirty="0"/>
+              <a:t>Sentiment analysis</a:t>
+            </a:r>
+          </a:p>
+          <a:p>
+            <a:r>
+              <a:rPr lang="en-GB" dirty="0"/>
+              <a:t>Personalised recommendations</a:t>
+            </a:r>
+          </a:p>
+          <a:p>
+            <a:r>
+              <a:rPr lang="en-GB" dirty="0"/>
+              <a:t>Q&amp;A chat bot</a:t>
+            </a:r>
+          </a:p>
+          <a:p>
+            <a:r>
+              <a:rPr lang="en-GB" dirty="0"/>
+              <a:t>DEMO: Azure Open AI studio</a:t>
+            </a:r>
+          </a:p>
+          <a:p>
+            <a:endParaRPr lang="en-GB" dirty="0"/>
+          </a:p>
+          <a:p>
+            <a:endParaRPr lang="en-GB" dirty="0"/>
+          </a:p>
+        </p:txBody>
+      </p:sp>
+    </p:spTree>
+    <p:extLst>
+      <p:ext uri="{BB962C8B-B14F-4D97-AF65-F5344CB8AC3E}">
+        <p14:creationId xmlns:p14="http://schemas.microsoft.com/office/powerpoint/2010/main" val="553353715"/>
+      </p:ext>
+    </p:extLst>
+  </p:cSld>
+  <p:clrMapOvr>
+    <a:masterClrMapping/>
+  </p:clrMapOvr>
+</p:sld>
+</file>
+
+<file path=ppt/slides/slide11.xml><?xml version="1.0" encoding="utf-8"?>
+<p:sld xmlns:a="http://schemas.openxmlformats.org/drawingml/2006/main" xmlns:r="http://schemas.openxmlformats.org/officeDocument/2006/relationships" xmlns:p="http://schemas.openxmlformats.org/presentationml/2006/main">
+  <p:cSld>
+    <p:spTree>
+      <p:nvGrpSpPr>
+        <p:cNvPr id="1" name=""/>
+        <p:cNvGrpSpPr/>
+        <p:nvPr/>
+      </p:nvGrpSpPr>
+      <p:grpSpPr>
+        <a:xfrm>
+          <a:off x="0" y="0"/>
+          <a:ext cx="0" cy="0"/>
+          <a:chOff x="0" y="0"/>
+          <a:chExt cx="0" cy="0"/>
+        </a:xfrm>
+      </p:grpSpPr>
+      <p:sp>
+        <p:nvSpPr>
+          <p:cNvPr id="2" name="Title 1">
+            <a:extLst>
+              <a:ext uri="{FF2B5EF4-FFF2-40B4-BE49-F238E27FC236}">
+                <a16:creationId xmlns:a16="http://schemas.microsoft.com/office/drawing/2014/main" id="{15BB4632-DF5E-BD67-5A81-0471A1A3F8F9}"/>
+              </a:ext>
+            </a:extLst>
+          </p:cNvPr>
+          <p:cNvSpPr>
+            <a:spLocks noGrp="1"/>
+          </p:cNvSpPr>
+          <p:nvPr>
+            <p:ph type="title"/>
+          </p:nvPr>
+        </p:nvSpPr>
+        <p:spPr/>
+        <p:txBody>
+          <a:bodyPr/>
+          <a:lstStyle/>
+          <a:p>
+            <a:r>
+              <a:rPr lang="en-GB" dirty="0"/>
+              <a:t>Problems with LLMs</a:t>
+            </a:r>
+          </a:p>
+        </p:txBody>
+      </p:sp>
+      <p:sp>
+        <p:nvSpPr>
+          <p:cNvPr id="3" name="Content Placeholder 2">
+            <a:extLst>
+              <a:ext uri="{FF2B5EF4-FFF2-40B4-BE49-F238E27FC236}">
+                <a16:creationId xmlns:a16="http://schemas.microsoft.com/office/drawing/2014/main" id="{649249E3-1734-D268-FFC2-373EE83772C9}"/>
+              </a:ext>
+            </a:extLst>
+          </p:cNvPr>
+          <p:cNvSpPr>
+            <a:spLocks noGrp="1"/>
+          </p:cNvSpPr>
+          <p:nvPr>
+            <p:ph idx="1"/>
+          </p:nvPr>
+        </p:nvSpPr>
+        <p:spPr/>
+        <p:txBody>
+          <a:bodyPr/>
+          <a:lstStyle/>
+          <a:p>
+            <a:r>
+              <a:rPr lang="en-GB" dirty="0"/>
+              <a:t>Hallucination</a:t>
+            </a:r>
+          </a:p>
+          <a:p>
+            <a:r>
+              <a:rPr lang="en-GB" dirty="0"/>
+              <a:t>Prompt injection</a:t>
+            </a:r>
+          </a:p>
+          <a:p>
+            <a:r>
+              <a:rPr lang="en-GB" dirty="0"/>
+              <a:t>Incorrect prompting example: Canadian airlines</a:t>
+            </a:r>
+          </a:p>
+        </p:txBody>
+      </p:sp>
+    </p:spTree>
+    <p:extLst>
+      <p:ext uri="{BB962C8B-B14F-4D97-AF65-F5344CB8AC3E}">
+        <p14:creationId xmlns:p14="http://schemas.microsoft.com/office/powerpoint/2010/main" val="1679736770"/>
+      </p:ext>
+    </p:extLst>
+  </p:cSld>
+  <p:clrMapOvr>
+    <a:masterClrMapping/>
+  </p:clrMapOvr>
+</p:sld>
+</file>
+
+<file path=ppt/slides/slide12.xml><?xml version="1.0" encoding="utf-8"?>
+<p:sld xmlns:a="http://schemas.openxmlformats.org/drawingml/2006/main" xmlns:r="http://schemas.openxmlformats.org/officeDocument/2006/relationships" xmlns:p="http://schemas.openxmlformats.org/presentationml/2006/main">
+  <p:cSld>
+    <p:spTree>
+      <p:nvGrpSpPr>
+        <p:cNvPr id="1" name=""/>
+        <p:cNvGrpSpPr/>
+        <p:nvPr/>
+      </p:nvGrpSpPr>
+      <p:grpSpPr>
+        <a:xfrm>
+          <a:off x="0" y="0"/>
+          <a:ext cx="0" cy="0"/>
+          <a:chOff x="0" y="0"/>
+          <a:chExt cx="0" cy="0"/>
+        </a:xfrm>
+      </p:grpSpPr>
+      <p:sp>
+        <p:nvSpPr>
+          <p:cNvPr id="2" name="Title 1">
+            <a:extLst>
+              <a:ext uri="{FF2B5EF4-FFF2-40B4-BE49-F238E27FC236}">
                 <a16:creationId xmlns:a16="http://schemas.microsoft.com/office/drawing/2014/main" id="{9DA1F584-0E9D-D9CA-198B-D468C4903CCA}"/>
               </a:ext>
             </a:extLst>
@@ -10111,7 +10333,7 @@
         <p:spPr/>
         <p:txBody>
           <a:bodyPr>
-            <a:normAutofit fontScale="92500" lnSpcReduction="10000"/>
+            <a:normAutofit/>
           </a:bodyPr>
           <a:lstStyle/>
           <a:p>
@@ -10130,6 +10352,52 @@
           <a:p>
             <a:r>
               <a:rPr lang="en-GB" dirty="0"/>
+              <a:t>Azure Open AI studio</a:t>
+            </a:r>
+          </a:p>
+          <a:p>
+            <a:pPr lvl="1"/>
+            <a:r>
+              <a:rPr lang="en-GB" dirty="0"/>
+              <a:t>Chat playground</a:t>
+            </a:r>
+          </a:p>
+          <a:p>
+            <a:pPr lvl="1"/>
+            <a:r>
+              <a:rPr lang="en-GB" dirty="0"/>
+              <a:t>Prompting</a:t>
+            </a:r>
+          </a:p>
+          <a:p>
+            <a:pPr lvl="1"/>
+            <a:r>
+              <a:rPr lang="en-US" dirty="0"/>
+              <a:t>Temperature</a:t>
+            </a:r>
+          </a:p>
+          <a:p>
+            <a:pPr lvl="1"/>
+            <a:r>
+              <a:rPr lang="en-US" dirty="0" err="1"/>
+              <a:t>MaxTokens</a:t>
+            </a:r>
+            <a:endParaRPr lang="en-US" dirty="0"/>
+          </a:p>
+          <a:p>
+            <a:pPr lvl="1"/>
+            <a:r>
+              <a:rPr lang="en-US" dirty="0" err="1"/>
+              <a:t>PromptFlow</a:t>
+            </a:r>
+            <a:r>
+              <a:rPr lang="en-US" dirty="0"/>
+              <a:t> and RAG</a:t>
+            </a:r>
+          </a:p>
+          <a:p>
+            <a:r>
+              <a:rPr lang="en-GB" dirty="0"/>
               <a:t>Install-Package </a:t>
             </a:r>
             <a:r>
@@ -10141,65 +10409,8 @@
           <a:p>
             <a:r>
               <a:rPr lang="en-GB" dirty="0"/>
-              <a:t>DEMO: Azure Open AI studio</a:t>
-            </a:r>
-          </a:p>
-          <a:p>
-            <a:pPr lvl="1"/>
-            <a:r>
-              <a:rPr lang="en-GB" dirty="0"/>
-              <a:t>Chat playground</a:t>
-            </a:r>
-          </a:p>
-          <a:p>
-            <a:pPr lvl="1"/>
-            <a:r>
-              <a:rPr lang="en-GB" dirty="0"/>
-              <a:t>Prompting</a:t>
-            </a:r>
-          </a:p>
-          <a:p>
-            <a:pPr lvl="1"/>
-            <a:r>
-              <a:rPr lang="en-US" dirty="0"/>
-              <a:t>Temperature</a:t>
-            </a:r>
-          </a:p>
-          <a:p>
-            <a:pPr lvl="1"/>
-            <a:r>
-              <a:rPr lang="en-US" dirty="0" err="1"/>
-              <a:t>MaxTokens</a:t>
-            </a:r>
-            <a:endParaRPr lang="en-US" dirty="0"/>
-          </a:p>
-          <a:p>
-            <a:pPr lvl="1"/>
-            <a:r>
-              <a:rPr lang="en-US" dirty="0" err="1"/>
-              <a:t>PromptFlow</a:t>
-            </a:r>
-            <a:r>
-              <a:rPr lang="en-US" dirty="0"/>
-              <a:t> and RAG</a:t>
-            </a:r>
-          </a:p>
-          <a:p>
-            <a:r>
-              <a:rPr lang="en-GB" dirty="0"/>
               <a:t>DEMO: Code examples</a:t>
             </a:r>
-          </a:p>
-          <a:p>
-            <a:r>
-              <a:rPr lang="en-GB" dirty="0"/>
-              <a:t>Deficiencies of </a:t>
-            </a:r>
-            <a:r>
-              <a:rPr lang="en-GB" dirty="0" err="1"/>
-              <a:t>ChatGpt</a:t>
-            </a:r>
-            <a:endParaRPr lang="en-GB" dirty="0"/>
           </a:p>
         </p:txBody>
       </p:sp>
@@ -10246,7 +10457,7 @@
 </p:sld>
 </file>
 
-<file path=ppt/slides/slide11.xml><?xml version="1.0" encoding="utf-8"?>
+<file path=ppt/slides/slide13.xml><?xml version="1.0" encoding="utf-8"?>
 <p:sld xmlns:a="http://schemas.openxmlformats.org/drawingml/2006/main" xmlns:r="http://schemas.openxmlformats.org/officeDocument/2006/relationships" xmlns:p="http://schemas.openxmlformats.org/presentationml/2006/main">
   <p:cSld>
     <p:bg>
@@ -10505,7 +10716,7 @@
 </p:sld>
 </file>
 
-<file path=ppt/slides/slide12.xml><?xml version="1.0" encoding="utf-8"?>
+<file path=ppt/slides/slide14.xml><?xml version="1.0" encoding="utf-8"?>
 <p:sld xmlns:a="http://schemas.openxmlformats.org/drawingml/2006/main" xmlns:r="http://schemas.openxmlformats.org/officeDocument/2006/relationships" xmlns:p="http://schemas.openxmlformats.org/presentationml/2006/main">
   <p:cSld>
     <p:spTree>

--- a/JaaS.pptx
+++ b/JaaS.pptx
@@ -10333,7 +10333,7 @@
         <p:spPr/>
         <p:txBody>
           <a:bodyPr>
-            <a:normAutofit/>
+            <a:normAutofit fontScale="92500" lnSpcReduction="20000"/>
           </a:bodyPr>
           <a:lstStyle/>
           <a:p>
@@ -10346,7 +10346,14 @@
             <a:pPr lvl="1"/>
             <a:r>
               <a:rPr lang="en-GB" dirty="0"/>
-              <a:t>Deployment</a:t>
+              <a:t>Keys and endpoint</a:t>
+            </a:r>
+          </a:p>
+          <a:p>
+            <a:pPr lvl="1"/>
+            <a:r>
+              <a:rPr lang="en-GB" dirty="0"/>
+              <a:t>Manage Deployments</a:t>
             </a:r>
           </a:p>
           <a:p>
@@ -10360,6 +10367,13 @@
             <a:r>
               <a:rPr lang="en-GB" dirty="0"/>
               <a:t>Chat playground</a:t>
+            </a:r>
+          </a:p>
+          <a:p>
+            <a:pPr lvl="1"/>
+            <a:r>
+              <a:rPr lang="en-GB" dirty="0"/>
+              <a:t>System message</a:t>
             </a:r>
           </a:p>
           <a:p>
@@ -10696,10 +10710,19 @@
           </a:p>
           <a:p>
             <a:r>
+              <a:rPr lang="en-GB" dirty="0"/>
+              <a:t>Rules based</a:t>
+            </a:r>
+          </a:p>
+          <a:p>
+            <a:r>
               <a:rPr lang="en-GB" dirty="0" err="1"/>
               <a:t>ChatGpt</a:t>
             </a:r>
-            <a:endParaRPr lang="en-GB" dirty="0"/>
+            <a:r>
+              <a:rPr lang="en-GB" dirty="0"/>
+              <a:t> for everything else</a:t>
+            </a:r>
           </a:p>
         </p:txBody>
       </p:sp>
@@ -11674,7 +11697,7 @@
           <a:p>
             <a:r>
               <a:rPr lang="en-GB" dirty="0"/>
-              <a:t>Not GA – apply for access: User agreements and disclaimers</a:t>
+              <a:t>Not GA – apply for access: User agreements</a:t>
             </a:r>
           </a:p>
           <a:p>

--- a/JaaS.pptx
+++ b/JaaS.pptx
@@ -5,10 +5,10 @@
     <p:sldMasterId id="2147483778" r:id="rId1"/>
   </p:sldMasterIdLst>
   <p:notesMasterIdLst>
-    <p:notesMasterId r:id="rId16"/>
+    <p:notesMasterId r:id="rId18"/>
   </p:notesMasterIdLst>
   <p:handoutMasterIdLst>
-    <p:handoutMasterId r:id="rId17"/>
+    <p:handoutMasterId r:id="rId19"/>
   </p:handoutMasterIdLst>
   <p:sldIdLst>
     <p:sldId id="256" r:id="rId2"/>
@@ -17,14 +17,16 @@
     <p:sldId id="330" r:id="rId5"/>
     <p:sldId id="331" r:id="rId6"/>
     <p:sldId id="332" r:id="rId7"/>
-    <p:sldId id="337" r:id="rId8"/>
-    <p:sldId id="333" r:id="rId9"/>
-    <p:sldId id="334" r:id="rId10"/>
-    <p:sldId id="338" r:id="rId11"/>
-    <p:sldId id="339" r:id="rId12"/>
-    <p:sldId id="335" r:id="rId13"/>
-    <p:sldId id="336" r:id="rId14"/>
-    <p:sldId id="261" r:id="rId15"/>
+    <p:sldId id="307" r:id="rId8"/>
+    <p:sldId id="337" r:id="rId9"/>
+    <p:sldId id="333" r:id="rId10"/>
+    <p:sldId id="334" r:id="rId11"/>
+    <p:sldId id="338" r:id="rId12"/>
+    <p:sldId id="339" r:id="rId13"/>
+    <p:sldId id="335" r:id="rId14"/>
+    <p:sldId id="336" r:id="rId15"/>
+    <p:sldId id="340" r:id="rId16"/>
+    <p:sldId id="261" r:id="rId17"/>
   </p:sldIdLst>
   <p:sldSz cx="12192000" cy="6858000"/>
   <p:notesSz cx="6858000" cy="9144000"/>
@@ -3650,7 +3652,7 @@
           <a:p>
             <a:fld id="{1949DCC4-3950-4EDD-A7AB-6E741F409A1B}" type="datetimeFigureOut">
               <a:rPr lang="en-GB" smtClean="0"/>
-              <a:t>11/03/2024</a:t>
+              <a:t>13/03/2024</a:t>
             </a:fld>
             <a:endParaRPr lang="en-GB"/>
           </a:p>
@@ -3827,7 +3829,7 @@
           <a:p>
             <a:fld id="{4272BD98-83E6-44AA-A390-E720F46AD6BB}" type="datetimeFigureOut">
               <a:rPr lang="en-GB" smtClean="0"/>
-              <a:t>11/03/2024</a:t>
+              <a:t>13/03/2024</a:t>
             </a:fld>
             <a:endParaRPr lang="en-GB"/>
           </a:p>
@@ -4817,7 +4819,7 @@
           <a:p>
             <a:fld id="{2239D842-4202-406B-B506-E26DA8C90340}" type="datetimeFigureOut">
               <a:rPr lang="en-GB" smtClean="0"/>
-              <a:t>11/03/2024</a:t>
+              <a:t>13/03/2024</a:t>
             </a:fld>
             <a:endParaRPr lang="en-GB"/>
           </a:p>
@@ -5068,7 +5070,7 @@
           <a:p>
             <a:fld id="{2239D842-4202-406B-B506-E26DA8C90340}" type="datetimeFigureOut">
               <a:rPr lang="en-GB" smtClean="0"/>
-              <a:t>11/03/2024</a:t>
+              <a:t>13/03/2024</a:t>
             </a:fld>
             <a:endParaRPr lang="en-GB"/>
           </a:p>
@@ -5382,7 +5384,7 @@
           <a:p>
             <a:fld id="{2239D842-4202-406B-B506-E26DA8C90340}" type="datetimeFigureOut">
               <a:rPr lang="en-GB" smtClean="0"/>
-              <a:t>11/03/2024</a:t>
+              <a:t>13/03/2024</a:t>
             </a:fld>
             <a:endParaRPr lang="en-GB"/>
           </a:p>
@@ -5723,7 +5725,7 @@
           <a:p>
             <a:fld id="{2239D842-4202-406B-B506-E26DA8C90340}" type="datetimeFigureOut">
               <a:rPr lang="en-GB" smtClean="0"/>
-              <a:t>11/03/2024</a:t>
+              <a:t>13/03/2024</a:t>
             </a:fld>
             <a:endParaRPr lang="en-GB"/>
           </a:p>
@@ -6037,7 +6039,7 @@
           <a:p>
             <a:fld id="{2239D842-4202-406B-B506-E26DA8C90340}" type="datetimeFigureOut">
               <a:rPr lang="en-GB" smtClean="0"/>
-              <a:t>11/03/2024</a:t>
+              <a:t>13/03/2024</a:t>
             </a:fld>
             <a:endParaRPr lang="en-GB"/>
           </a:p>
@@ -6430,7 +6432,7 @@
           <a:p>
             <a:fld id="{2239D842-4202-406B-B506-E26DA8C90340}" type="datetimeFigureOut">
               <a:rPr lang="en-GB" smtClean="0"/>
-              <a:t>11/03/2024</a:t>
+              <a:t>13/03/2024</a:t>
             </a:fld>
             <a:endParaRPr lang="en-GB"/>
           </a:p>
@@ -6600,7 +6602,7 @@
           <a:p>
             <a:fld id="{2239D842-4202-406B-B506-E26DA8C90340}" type="datetimeFigureOut">
               <a:rPr lang="en-GB" smtClean="0"/>
-              <a:t>11/03/2024</a:t>
+              <a:t>13/03/2024</a:t>
             </a:fld>
             <a:endParaRPr lang="en-GB"/>
           </a:p>
@@ -6780,7 +6782,7 @@
           <a:p>
             <a:fld id="{2239D842-4202-406B-B506-E26DA8C90340}" type="datetimeFigureOut">
               <a:rPr lang="en-GB" smtClean="0"/>
-              <a:t>11/03/2024</a:t>
+              <a:t>13/03/2024</a:t>
             </a:fld>
             <a:endParaRPr lang="en-GB"/>
           </a:p>
@@ -6956,7 +6958,7 @@
           <a:p>
             <a:fld id="{2239D842-4202-406B-B506-E26DA8C90340}" type="datetimeFigureOut">
               <a:rPr lang="en-GB" smtClean="0"/>
-              <a:t>11/03/2024</a:t>
+              <a:t>13/03/2024</a:t>
             </a:fld>
             <a:endParaRPr lang="en-GB"/>
           </a:p>
@@ -7203,7 +7205,7 @@
           <a:p>
             <a:fld id="{2239D842-4202-406B-B506-E26DA8C90340}" type="datetimeFigureOut">
               <a:rPr lang="en-GB" smtClean="0"/>
-              <a:t>11/03/2024</a:t>
+              <a:t>13/03/2024</a:t>
             </a:fld>
             <a:endParaRPr lang="en-GB"/>
           </a:p>
@@ -7435,7 +7437,7 @@
           <a:p>
             <a:fld id="{2239D842-4202-406B-B506-E26DA8C90340}" type="datetimeFigureOut">
               <a:rPr lang="en-GB" smtClean="0"/>
-              <a:t>11/03/2024</a:t>
+              <a:t>13/03/2024</a:t>
             </a:fld>
             <a:endParaRPr lang="en-GB"/>
           </a:p>
@@ -7809,7 +7811,7 @@
           <a:p>
             <a:fld id="{2239D842-4202-406B-B506-E26DA8C90340}" type="datetimeFigureOut">
               <a:rPr lang="en-GB" smtClean="0"/>
-              <a:t>11/03/2024</a:t>
+              <a:t>13/03/2024</a:t>
             </a:fld>
             <a:endParaRPr lang="en-GB"/>
           </a:p>
@@ -7932,7 +7934,7 @@
           <a:p>
             <a:fld id="{2239D842-4202-406B-B506-E26DA8C90340}" type="datetimeFigureOut">
               <a:rPr lang="en-GB" smtClean="0"/>
-              <a:t>11/03/2024</a:t>
+              <a:t>13/03/2024</a:t>
             </a:fld>
             <a:endParaRPr lang="en-GB"/>
           </a:p>
@@ -8027,7 +8029,7 @@
           <a:p>
             <a:fld id="{2239D842-4202-406B-B506-E26DA8C90340}" type="datetimeFigureOut">
               <a:rPr lang="en-GB" smtClean="0"/>
-              <a:t>11/03/2024</a:t>
+              <a:t>13/03/2024</a:t>
             </a:fld>
             <a:endParaRPr lang="en-GB"/>
           </a:p>
@@ -8282,7 +8284,7 @@
           <a:p>
             <a:fld id="{2239D842-4202-406B-B506-E26DA8C90340}" type="datetimeFigureOut">
               <a:rPr lang="en-GB" smtClean="0"/>
-              <a:t>11/03/2024</a:t>
+              <a:t>13/03/2024</a:t>
             </a:fld>
             <a:endParaRPr lang="en-GB"/>
           </a:p>
@@ -8545,7 +8547,7 @@
           <a:p>
             <a:fld id="{2239D842-4202-406B-B506-E26DA8C90340}" type="datetimeFigureOut">
               <a:rPr lang="en-GB" smtClean="0"/>
-              <a:t>11/03/2024</a:t>
+              <a:t>13/03/2024</a:t>
             </a:fld>
             <a:endParaRPr lang="en-GB"/>
           </a:p>
@@ -9288,7 +9290,7 @@
           <a:p>
             <a:fld id="{2239D842-4202-406B-B506-E26DA8C90340}" type="datetimeFigureOut">
               <a:rPr lang="en-GB" smtClean="0"/>
-              <a:t>11/03/2024</a:t>
+              <a:t>13/03/2024</a:t>
             </a:fld>
             <a:endParaRPr lang="en-GB"/>
           </a:p>
@@ -10071,7 +10073,7 @@
           <p:cNvPr id="2" name="Title 1">
             <a:extLst>
               <a:ext uri="{FF2B5EF4-FFF2-40B4-BE49-F238E27FC236}">
-                <a16:creationId xmlns:a16="http://schemas.microsoft.com/office/drawing/2014/main" id="{4CF324A9-11A4-5EB7-186F-A865D9845835}"/>
+                <a16:creationId xmlns:a16="http://schemas.microsoft.com/office/drawing/2014/main" id="{759DDB6F-002E-70E8-0CE4-0401B045F838}"/>
               </a:ext>
             </a:extLst>
           </p:cNvPr>
@@ -10089,7 +10091,7 @@
           <a:p>
             <a:r>
               <a:rPr lang="en-GB" dirty="0"/>
-              <a:t>LLMs</a:t>
+              <a:t>Azure Speech to text</a:t>
             </a:r>
           </a:p>
         </p:txBody>
@@ -10099,7 +10101,7 @@
           <p:cNvPr id="3" name="Content Placeholder 2">
             <a:extLst>
               <a:ext uri="{FF2B5EF4-FFF2-40B4-BE49-F238E27FC236}">
-                <a16:creationId xmlns:a16="http://schemas.microsoft.com/office/drawing/2014/main" id="{0BB3EFD0-76F5-E950-4D29-404EB5A23806}"/>
+                <a16:creationId xmlns:a16="http://schemas.microsoft.com/office/drawing/2014/main" id="{7D1B7452-1C0A-C74F-ED88-A202D61F4AFD}"/>
               </a:ext>
             </a:extLst>
           </p:cNvPr>
@@ -10117,51 +10119,65 @@
           <a:p>
             <a:r>
               <a:rPr lang="en-GB" dirty="0"/>
-              <a:t>Content generation</a:t>
+              <a:t>Setup Speech service in Azure</a:t>
             </a:r>
           </a:p>
           <a:p>
             <a:r>
               <a:rPr lang="en-GB" dirty="0"/>
-              <a:t>Text summarisation</a:t>
-            </a:r>
+              <a:t>Install-Package </a:t>
+            </a:r>
+            <a:r>
+              <a:rPr lang="en-GB" dirty="0" err="1"/>
+              <a:t>Microsoft.CognitiveServices.Speech</a:t>
+            </a:r>
+            <a:endParaRPr lang="en-GB" dirty="0"/>
           </a:p>
           <a:p>
             <a:r>
               <a:rPr lang="en-GB" dirty="0"/>
-              <a:t>Sentiment analysis</a:t>
-            </a:r>
-          </a:p>
-          <a:p>
-            <a:r>
-              <a:rPr lang="en-GB" dirty="0"/>
-              <a:t>Personalised recommendations</a:t>
-            </a:r>
-          </a:p>
-          <a:p>
-            <a:r>
-              <a:rPr lang="en-GB" dirty="0"/>
-              <a:t>Q&amp;A chat bot</a:t>
-            </a:r>
-          </a:p>
-          <a:p>
-            <a:r>
-              <a:rPr lang="en-GB" dirty="0"/>
-              <a:t>DEMO: Azure Open AI studio</a:t>
+              <a:t>DEMO: Code examples</a:t>
             </a:r>
           </a:p>
           <a:p>
             <a:endParaRPr lang="en-GB" dirty="0"/>
           </a:p>
-          <a:p>
-            <a:endParaRPr lang="en-GB" dirty="0"/>
-          </a:p>
-        </p:txBody>
-      </p:sp>
+        </p:txBody>
+      </p:sp>
+      <p:pic>
+        <p:nvPicPr>
+          <p:cNvPr id="5" name="Picture 4">
+            <a:extLst>
+              <a:ext uri="{FF2B5EF4-FFF2-40B4-BE49-F238E27FC236}">
+                <a16:creationId xmlns:a16="http://schemas.microsoft.com/office/drawing/2014/main" id="{40EB07E9-40AB-1FB9-6137-7FF7925184D8}"/>
+              </a:ext>
+            </a:extLst>
+          </p:cNvPr>
+          <p:cNvPicPr>
+            <a:picLocks noChangeAspect="1"/>
+          </p:cNvPicPr>
+          <p:nvPr/>
+        </p:nvPicPr>
+        <p:blipFill>
+          <a:blip r:embed="rId2"/>
+          <a:stretch>
+            <a:fillRect/>
+          </a:stretch>
+        </p:blipFill>
+        <p:spPr>
+          <a:xfrm>
+            <a:off x="6579909" y="4477024"/>
+            <a:ext cx="1921190" cy="1564338"/>
+          </a:xfrm>
+          <a:prstGeom prst="rect">
+            <a:avLst/>
+          </a:prstGeom>
+        </p:spPr>
+      </p:pic>
     </p:spTree>
     <p:extLst>
       <p:ext uri="{BB962C8B-B14F-4D97-AF65-F5344CB8AC3E}">
-        <p14:creationId xmlns:p14="http://schemas.microsoft.com/office/powerpoint/2010/main" val="553353715"/>
+        <p14:creationId xmlns:p14="http://schemas.microsoft.com/office/powerpoint/2010/main" val="2656160921"/>
       </p:ext>
     </p:extLst>
   </p:cSld>
@@ -10193,6 +10209,128 @@
           <p:cNvPr id="2" name="Title 1">
             <a:extLst>
               <a:ext uri="{FF2B5EF4-FFF2-40B4-BE49-F238E27FC236}">
+                <a16:creationId xmlns:a16="http://schemas.microsoft.com/office/drawing/2014/main" id="{4CF324A9-11A4-5EB7-186F-A865D9845835}"/>
+              </a:ext>
+            </a:extLst>
+          </p:cNvPr>
+          <p:cNvSpPr>
+            <a:spLocks noGrp="1"/>
+          </p:cNvSpPr>
+          <p:nvPr>
+            <p:ph type="title"/>
+          </p:nvPr>
+        </p:nvSpPr>
+        <p:spPr/>
+        <p:txBody>
+          <a:bodyPr/>
+          <a:lstStyle/>
+          <a:p>
+            <a:r>
+              <a:rPr lang="en-GB" dirty="0"/>
+              <a:t>LLMs</a:t>
+            </a:r>
+          </a:p>
+        </p:txBody>
+      </p:sp>
+      <p:sp>
+        <p:nvSpPr>
+          <p:cNvPr id="3" name="Content Placeholder 2">
+            <a:extLst>
+              <a:ext uri="{FF2B5EF4-FFF2-40B4-BE49-F238E27FC236}">
+                <a16:creationId xmlns:a16="http://schemas.microsoft.com/office/drawing/2014/main" id="{0BB3EFD0-76F5-E950-4D29-404EB5A23806}"/>
+              </a:ext>
+            </a:extLst>
+          </p:cNvPr>
+          <p:cNvSpPr>
+            <a:spLocks noGrp="1"/>
+          </p:cNvSpPr>
+          <p:nvPr>
+            <p:ph idx="1"/>
+          </p:nvPr>
+        </p:nvSpPr>
+        <p:spPr/>
+        <p:txBody>
+          <a:bodyPr/>
+          <a:lstStyle/>
+          <a:p>
+            <a:r>
+              <a:rPr lang="en-GB" dirty="0"/>
+              <a:t>Content generation</a:t>
+            </a:r>
+          </a:p>
+          <a:p>
+            <a:r>
+              <a:rPr lang="en-GB" dirty="0"/>
+              <a:t>Text summarisation</a:t>
+            </a:r>
+          </a:p>
+          <a:p>
+            <a:r>
+              <a:rPr lang="en-GB" dirty="0"/>
+              <a:t>Sentiment analysis</a:t>
+            </a:r>
+          </a:p>
+          <a:p>
+            <a:r>
+              <a:rPr lang="en-GB" dirty="0"/>
+              <a:t>Personalised recommendations</a:t>
+            </a:r>
+          </a:p>
+          <a:p>
+            <a:r>
+              <a:rPr lang="en-GB" dirty="0"/>
+              <a:t>Q&amp;A chat bot</a:t>
+            </a:r>
+          </a:p>
+          <a:p>
+            <a:r>
+              <a:rPr lang="en-GB" dirty="0"/>
+              <a:t>DEMO: Azure Open AI studio</a:t>
+            </a:r>
+          </a:p>
+          <a:p>
+            <a:endParaRPr lang="en-GB" dirty="0"/>
+          </a:p>
+          <a:p>
+            <a:endParaRPr lang="en-GB" dirty="0"/>
+          </a:p>
+        </p:txBody>
+      </p:sp>
+    </p:spTree>
+    <p:extLst>
+      <p:ext uri="{BB962C8B-B14F-4D97-AF65-F5344CB8AC3E}">
+        <p14:creationId xmlns:p14="http://schemas.microsoft.com/office/powerpoint/2010/main" val="553353715"/>
+      </p:ext>
+    </p:extLst>
+  </p:cSld>
+  <p:clrMapOvr>
+    <a:masterClrMapping/>
+  </p:clrMapOvr>
+</p:sld>
+</file>
+
+<file path=ppt/slides/slide12.xml><?xml version="1.0" encoding="utf-8"?>
+<p:sld xmlns:a="http://schemas.openxmlformats.org/drawingml/2006/main" xmlns:r="http://schemas.openxmlformats.org/officeDocument/2006/relationships" xmlns:p="http://schemas.openxmlformats.org/presentationml/2006/main">
+  <p:cSld>
+    <p:spTree>
+      <p:nvGrpSpPr>
+        <p:cNvPr id="1" name=""/>
+        <p:cNvGrpSpPr/>
+        <p:nvPr/>
+      </p:nvGrpSpPr>
+      <p:grpSpPr>
+        <a:xfrm>
+          <a:off x="0" y="0"/>
+          <a:ext cx="0" cy="0"/>
+          <a:chOff x="0" y="0"/>
+          <a:chExt cx="0" cy="0"/>
+        </a:xfrm>
+      </p:grpSpPr>
+      <p:sp>
+        <p:nvSpPr>
+          <p:cNvPr id="2" name="Title 1">
+            <a:extLst>
+              <a:ext uri="{FF2B5EF4-FFF2-40B4-BE49-F238E27FC236}">
                 <a16:creationId xmlns:a16="http://schemas.microsoft.com/office/drawing/2014/main" id="{15BB4632-DF5E-BD67-5A81-0471A1A3F8F9}"/>
               </a:ext>
             </a:extLst>
@@ -10269,7 +10407,7 @@
 </p:sld>
 </file>
 
-<file path=ppt/slides/slide12.xml><?xml version="1.0" encoding="utf-8"?>
+<file path=ppt/slides/slide13.xml><?xml version="1.0" encoding="utf-8"?>
 <p:sld xmlns:a="http://schemas.openxmlformats.org/drawingml/2006/main" xmlns:r="http://schemas.openxmlformats.org/officeDocument/2006/relationships" xmlns:p="http://schemas.openxmlformats.org/presentationml/2006/main">
   <p:cSld>
     <p:spTree>
@@ -10471,7 +10609,7 @@
 </p:sld>
 </file>
 
-<file path=ppt/slides/slide13.xml><?xml version="1.0" encoding="utf-8"?>
+<file path=ppt/slides/slide14.xml><?xml version="1.0" encoding="utf-8"?>
 <p:sld xmlns:a="http://schemas.openxmlformats.org/drawingml/2006/main" xmlns:r="http://schemas.openxmlformats.org/officeDocument/2006/relationships" xmlns:p="http://schemas.openxmlformats.org/presentationml/2006/main">
   <p:cSld>
     <p:bg>
@@ -10739,7 +10877,119 @@
 </p:sld>
 </file>
 
-<file path=ppt/slides/slide14.xml><?xml version="1.0" encoding="utf-8"?>
+<file path=ppt/slides/slide15.xml><?xml version="1.0" encoding="utf-8"?>
+<p:sld xmlns:a="http://schemas.openxmlformats.org/drawingml/2006/main" xmlns:r="http://schemas.openxmlformats.org/officeDocument/2006/relationships" xmlns:p="http://schemas.openxmlformats.org/presentationml/2006/main">
+  <p:cSld>
+    <p:spTree>
+      <p:nvGrpSpPr>
+        <p:cNvPr id="1" name=""/>
+        <p:cNvGrpSpPr/>
+        <p:nvPr/>
+      </p:nvGrpSpPr>
+      <p:grpSpPr>
+        <a:xfrm>
+          <a:off x="0" y="0"/>
+          <a:ext cx="0" cy="0"/>
+          <a:chOff x="0" y="0"/>
+          <a:chExt cx="0" cy="0"/>
+        </a:xfrm>
+      </p:grpSpPr>
+      <p:sp>
+        <p:nvSpPr>
+          <p:cNvPr id="2" name="Title 1">
+            <a:extLst>
+              <a:ext uri="{FF2B5EF4-FFF2-40B4-BE49-F238E27FC236}">
+                <a16:creationId xmlns:a16="http://schemas.microsoft.com/office/drawing/2014/main" id="{0B509F91-B4EB-8214-8A9E-341021A25AFC}"/>
+              </a:ext>
+            </a:extLst>
+          </p:cNvPr>
+          <p:cNvSpPr>
+            <a:spLocks noGrp="1"/>
+          </p:cNvSpPr>
+          <p:nvPr>
+            <p:ph type="title"/>
+          </p:nvPr>
+        </p:nvSpPr>
+        <p:spPr/>
+        <p:txBody>
+          <a:bodyPr/>
+          <a:lstStyle/>
+          <a:p>
+            <a:r>
+              <a:rPr lang="en-GB" dirty="0"/>
+              <a:t>What did we learn?</a:t>
+            </a:r>
+          </a:p>
+        </p:txBody>
+      </p:sp>
+      <p:sp>
+        <p:nvSpPr>
+          <p:cNvPr id="3" name="Content Placeholder 2">
+            <a:extLst>
+              <a:ext uri="{FF2B5EF4-FFF2-40B4-BE49-F238E27FC236}">
+                <a16:creationId xmlns:a16="http://schemas.microsoft.com/office/drawing/2014/main" id="{612FB0BD-ABF5-371A-46B4-9107A69673DD}"/>
+              </a:ext>
+            </a:extLst>
+          </p:cNvPr>
+          <p:cNvSpPr>
+            <a:spLocks noGrp="1"/>
+          </p:cNvSpPr>
+          <p:nvPr>
+            <p:ph idx="1"/>
+          </p:nvPr>
+        </p:nvSpPr>
+        <p:spPr/>
+        <p:txBody>
+          <a:bodyPr/>
+          <a:lstStyle/>
+          <a:p>
+            <a:r>
+              <a:rPr lang="en-GB" dirty="0"/>
+              <a:t>Windows speech recogniser/synthesiser</a:t>
+            </a:r>
+          </a:p>
+          <a:p>
+            <a:r>
+              <a:rPr lang="en-GB" dirty="0"/>
+              <a:t>Azure text to speech and speech to text</a:t>
+            </a:r>
+          </a:p>
+          <a:p>
+            <a:r>
+              <a:rPr lang="en-GB" dirty="0"/>
+              <a:t>Azure </a:t>
+            </a:r>
+            <a:r>
+              <a:rPr lang="en-GB"/>
+              <a:t>Neural voice</a:t>
+            </a:r>
+            <a:endParaRPr lang="en-GB" dirty="0"/>
+          </a:p>
+          <a:p>
+            <a:r>
+              <a:rPr lang="en-GB" dirty="0"/>
+              <a:t>Azure Open AI</a:t>
+            </a:r>
+          </a:p>
+          <a:p>
+            <a:endParaRPr lang="en-GB" dirty="0"/>
+          </a:p>
+        </p:txBody>
+      </p:sp>
+    </p:spTree>
+    <p:extLst>
+      <p:ext uri="{BB962C8B-B14F-4D97-AF65-F5344CB8AC3E}">
+        <p14:creationId xmlns:p14="http://schemas.microsoft.com/office/powerpoint/2010/main" val="21449974"/>
+      </p:ext>
+    </p:extLst>
+  </p:cSld>
+  <p:clrMapOvr>
+    <a:masterClrMapping/>
+  </p:clrMapOvr>
+</p:sld>
+</file>
+
+<file path=ppt/slides/slide16.xml><?xml version="1.0" encoding="utf-8"?>
 <p:sld xmlns:a="http://schemas.openxmlformats.org/drawingml/2006/main" xmlns:r="http://schemas.openxmlformats.org/officeDocument/2006/relationships" xmlns:p="http://schemas.openxmlformats.org/presentationml/2006/main">
   <p:cSld>
     <p:spTree>
@@ -11697,7 +11947,7 @@
           <a:p>
             <a:r>
               <a:rPr lang="en-GB" dirty="0"/>
-              <a:t>Not GA – apply for access: User agreements</a:t>
+              <a:t>Disclaimers, terms, voice approval….</a:t>
             </a:r>
           </a:p>
           <a:p>
@@ -11709,13 +11959,19 @@
           <a:p>
             <a:r>
               <a:rPr lang="en-GB" dirty="0"/>
-              <a:t>Lite vs Pro plan</a:t>
+              <a:t>Lite (50 utterances) vs Pro (300 utterances) plan</a:t>
             </a:r>
           </a:p>
           <a:p>
             <a:r>
               <a:rPr lang="en-GB" dirty="0"/>
-              <a:t>Load and train the model</a:t>
+              <a:t>Record utterances</a:t>
+            </a:r>
+          </a:p>
+          <a:p>
+            <a:r>
+              <a:rPr lang="en-GB" dirty="0"/>
+              <a:t>Train and publish the model</a:t>
             </a:r>
           </a:p>
           <a:p>
@@ -11792,6 +12048,135 @@
           <a:chExt cx="0" cy="0"/>
         </a:xfrm>
       </p:grpSpPr>
+      <p:sp>
+        <p:nvSpPr>
+          <p:cNvPr id="2" name="Title 1">
+            <a:extLst>
+              <a:ext uri="{FF2B5EF4-FFF2-40B4-BE49-F238E27FC236}">
+                <a16:creationId xmlns:a16="http://schemas.microsoft.com/office/drawing/2014/main" id="{3833783C-3F91-58CD-FD60-6946189A570E}"/>
+              </a:ext>
+            </a:extLst>
+          </p:cNvPr>
+          <p:cNvSpPr>
+            <a:spLocks noGrp="1"/>
+          </p:cNvSpPr>
+          <p:nvPr>
+            <p:ph type="title"/>
+          </p:nvPr>
+        </p:nvSpPr>
+        <p:spPr/>
+        <p:txBody>
+          <a:bodyPr/>
+          <a:lstStyle/>
+          <a:p>
+            <a:r>
+              <a:rPr lang="en-GB" dirty="0"/>
+              <a:t>Training and Deployment</a:t>
+            </a:r>
+          </a:p>
+        </p:txBody>
+      </p:sp>
+      <p:sp>
+        <p:nvSpPr>
+          <p:cNvPr id="3" name="Content Placeholder 2">
+            <a:extLst>
+              <a:ext uri="{FF2B5EF4-FFF2-40B4-BE49-F238E27FC236}">
+                <a16:creationId xmlns:a16="http://schemas.microsoft.com/office/drawing/2014/main" id="{792279A5-6DD2-A934-DF4C-0842838D0737}"/>
+              </a:ext>
+            </a:extLst>
+          </p:cNvPr>
+          <p:cNvSpPr>
+            <a:spLocks noGrp="1"/>
+          </p:cNvSpPr>
+          <p:nvPr>
+            <p:ph idx="1"/>
+          </p:nvPr>
+        </p:nvSpPr>
+        <p:spPr/>
+        <p:txBody>
+          <a:bodyPr/>
+          <a:lstStyle/>
+          <a:p>
+            <a:r>
+              <a:rPr lang="en-GB" dirty="0"/>
+              <a:t>Pricing: Standard plan</a:t>
+            </a:r>
+          </a:p>
+          <a:p>
+            <a:pPr lvl="1"/>
+            <a:r>
+              <a:rPr lang="en-GB" dirty="0"/>
+              <a:t>£41/compute hr for training (~1.5 hrs)</a:t>
+            </a:r>
+          </a:p>
+          <a:p>
+            <a:pPr lvl="1"/>
+            <a:r>
+              <a:rPr lang="en-GB" dirty="0"/>
+              <a:t>£19.83 text to speech for 1 million characters</a:t>
+            </a:r>
+          </a:p>
+          <a:p>
+            <a:pPr lvl="1"/>
+            <a:r>
+              <a:rPr lang="en-GB" dirty="0"/>
+              <a:t>£3.24 hosting endpoint per hour</a:t>
+            </a:r>
+          </a:p>
+          <a:p>
+            <a:pPr lvl="1"/>
+            <a:r>
+              <a:rPr lang="en-GB" dirty="0"/>
+              <a:t>https://azure.microsoft.com/en-gb/pricing/details/cognitive-services/speech-services/</a:t>
+            </a:r>
+          </a:p>
+          <a:p>
+            <a:r>
+              <a:rPr lang="en-GB" dirty="0"/>
+              <a:t>Press train (~1.5 hrs)</a:t>
+            </a:r>
+          </a:p>
+          <a:p>
+            <a:r>
+              <a:rPr lang="en-GB" dirty="0"/>
+              <a:t>Publish endpoint (~10 minutes)</a:t>
+            </a:r>
+          </a:p>
+          <a:p>
+            <a:endParaRPr lang="en-GB" dirty="0"/>
+          </a:p>
+        </p:txBody>
+      </p:sp>
+    </p:spTree>
+    <p:extLst>
+      <p:ext uri="{BB962C8B-B14F-4D97-AF65-F5344CB8AC3E}">
+        <p14:creationId xmlns:p14="http://schemas.microsoft.com/office/powerpoint/2010/main" val="3223690271"/>
+      </p:ext>
+    </p:extLst>
+  </p:cSld>
+  <p:clrMapOvr>
+    <a:masterClrMapping/>
+  </p:clrMapOvr>
+</p:sld>
+</file>
+
+<file path=ppt/slides/slide8.xml><?xml version="1.0" encoding="utf-8"?>
+<p:sld xmlns:a="http://schemas.openxmlformats.org/drawingml/2006/main" xmlns:r="http://schemas.openxmlformats.org/officeDocument/2006/relationships" xmlns:p="http://schemas.openxmlformats.org/presentationml/2006/main">
+  <p:cSld>
+    <p:spTree>
+      <p:nvGrpSpPr>
+        <p:cNvPr id="1" name=""/>
+        <p:cNvGrpSpPr/>
+        <p:nvPr/>
+      </p:nvGrpSpPr>
+      <p:grpSpPr>
+        <a:xfrm>
+          <a:off x="0" y="0"/>
+          <a:ext cx="0" cy="0"/>
+          <a:chOff x="0" y="0"/>
+          <a:chExt cx="0" cy="0"/>
+        </a:xfrm>
+      </p:grpSpPr>
       <p:pic>
         <p:nvPicPr>
           <p:cNvPr id="5" name="Picture 4">
@@ -11835,7 +12220,7 @@
 </p:sld>
 </file>
 
-<file path=ppt/slides/slide8.xml><?xml version="1.0" encoding="utf-8"?>
+<file path=ppt/slides/slide9.xml><?xml version="1.0" encoding="utf-8"?>
 <p:sld xmlns:a="http://schemas.openxmlformats.org/drawingml/2006/main" xmlns:r="http://schemas.openxmlformats.org/officeDocument/2006/relationships" xmlns:p="http://schemas.openxmlformats.org/presentationml/2006/main">
   <p:cSld>
     <p:spTree>
@@ -11959,142 +12344,6 @@
     <p:extLst>
       <p:ext uri="{BB962C8B-B14F-4D97-AF65-F5344CB8AC3E}">
         <p14:creationId xmlns:p14="http://schemas.microsoft.com/office/powerpoint/2010/main" val="458558394"/>
-      </p:ext>
-    </p:extLst>
-  </p:cSld>
-  <p:clrMapOvr>
-    <a:masterClrMapping/>
-  </p:clrMapOvr>
-</p:sld>
-</file>
-
-<file path=ppt/slides/slide9.xml><?xml version="1.0" encoding="utf-8"?>
-<p:sld xmlns:a="http://schemas.openxmlformats.org/drawingml/2006/main" xmlns:r="http://schemas.openxmlformats.org/officeDocument/2006/relationships" xmlns:p="http://schemas.openxmlformats.org/presentationml/2006/main">
-  <p:cSld>
-    <p:spTree>
-      <p:nvGrpSpPr>
-        <p:cNvPr id="1" name=""/>
-        <p:cNvGrpSpPr/>
-        <p:nvPr/>
-      </p:nvGrpSpPr>
-      <p:grpSpPr>
-        <a:xfrm>
-          <a:off x="0" y="0"/>
-          <a:ext cx="0" cy="0"/>
-          <a:chOff x="0" y="0"/>
-          <a:chExt cx="0" cy="0"/>
-        </a:xfrm>
-      </p:grpSpPr>
-      <p:sp>
-        <p:nvSpPr>
-          <p:cNvPr id="2" name="Title 1">
-            <a:extLst>
-              <a:ext uri="{FF2B5EF4-FFF2-40B4-BE49-F238E27FC236}">
-                <a16:creationId xmlns:a16="http://schemas.microsoft.com/office/drawing/2014/main" id="{759DDB6F-002E-70E8-0CE4-0401B045F838}"/>
-              </a:ext>
-            </a:extLst>
-          </p:cNvPr>
-          <p:cNvSpPr>
-            <a:spLocks noGrp="1"/>
-          </p:cNvSpPr>
-          <p:nvPr>
-            <p:ph type="title"/>
-          </p:nvPr>
-        </p:nvSpPr>
-        <p:spPr/>
-        <p:txBody>
-          <a:bodyPr/>
-          <a:lstStyle/>
-          <a:p>
-            <a:r>
-              <a:rPr lang="en-GB" dirty="0"/>
-              <a:t>Azure Speech to text</a:t>
-            </a:r>
-          </a:p>
-        </p:txBody>
-      </p:sp>
-      <p:sp>
-        <p:nvSpPr>
-          <p:cNvPr id="3" name="Content Placeholder 2">
-            <a:extLst>
-              <a:ext uri="{FF2B5EF4-FFF2-40B4-BE49-F238E27FC236}">
-                <a16:creationId xmlns:a16="http://schemas.microsoft.com/office/drawing/2014/main" id="{7D1B7452-1C0A-C74F-ED88-A202D61F4AFD}"/>
-              </a:ext>
-            </a:extLst>
-          </p:cNvPr>
-          <p:cNvSpPr>
-            <a:spLocks noGrp="1"/>
-          </p:cNvSpPr>
-          <p:nvPr>
-            <p:ph idx="1"/>
-          </p:nvPr>
-        </p:nvSpPr>
-        <p:spPr/>
-        <p:txBody>
-          <a:bodyPr/>
-          <a:lstStyle/>
-          <a:p>
-            <a:r>
-              <a:rPr lang="en-GB" dirty="0"/>
-              <a:t>Setup Speech service in Azure</a:t>
-            </a:r>
-          </a:p>
-          <a:p>
-            <a:r>
-              <a:rPr lang="en-GB" dirty="0"/>
-              <a:t>Install-Package </a:t>
-            </a:r>
-            <a:r>
-              <a:rPr lang="en-GB" dirty="0" err="1"/>
-              <a:t>Microsoft.CognitiveServices.Speech</a:t>
-            </a:r>
-            <a:endParaRPr lang="en-GB" dirty="0"/>
-          </a:p>
-          <a:p>
-            <a:r>
-              <a:rPr lang="en-GB" dirty="0"/>
-              <a:t>DEMO: Code examples</a:t>
-            </a:r>
-          </a:p>
-          <a:p>
-            <a:endParaRPr lang="en-GB" dirty="0"/>
-          </a:p>
-        </p:txBody>
-      </p:sp>
-      <p:pic>
-        <p:nvPicPr>
-          <p:cNvPr id="5" name="Picture 4">
-            <a:extLst>
-              <a:ext uri="{FF2B5EF4-FFF2-40B4-BE49-F238E27FC236}">
-                <a16:creationId xmlns:a16="http://schemas.microsoft.com/office/drawing/2014/main" id="{40EB07E9-40AB-1FB9-6137-7FF7925184D8}"/>
-              </a:ext>
-            </a:extLst>
-          </p:cNvPr>
-          <p:cNvPicPr>
-            <a:picLocks noChangeAspect="1"/>
-          </p:cNvPicPr>
-          <p:nvPr/>
-        </p:nvPicPr>
-        <p:blipFill>
-          <a:blip r:embed="rId2"/>
-          <a:stretch>
-            <a:fillRect/>
-          </a:stretch>
-        </p:blipFill>
-        <p:spPr>
-          <a:xfrm>
-            <a:off x="6579909" y="4477024"/>
-            <a:ext cx="1921190" cy="1564338"/>
-          </a:xfrm>
-          <a:prstGeom prst="rect">
-            <a:avLst/>
-          </a:prstGeom>
-        </p:spPr>
-      </p:pic>
-    </p:spTree>
-    <p:extLst>
-      <p:ext uri="{BB962C8B-B14F-4D97-AF65-F5344CB8AC3E}">
-        <p14:creationId xmlns:p14="http://schemas.microsoft.com/office/powerpoint/2010/main" val="2656160921"/>
       </p:ext>
     </p:extLst>
   </p:cSld>

--- a/JaaS.pptx
+++ b/JaaS.pptx
@@ -10666,7 +10666,10 @@
               <a:rPr lang="en-GB" dirty="0" err="1"/>
               <a:t>JaaS</a:t>
             </a:r>
-            <a:endParaRPr lang="en-GB" dirty="0"/>
+            <a:r>
+              <a:rPr lang="en-GB" dirty="0"/>
+              <a:t> – meetup assistant</a:t>
+            </a:r>
           </a:p>
         </p:txBody>
       </p:sp>
@@ -11052,7 +11055,7 @@
         </p:nvSpPr>
         <p:spPr>
           <a:xfrm>
-            <a:off x="10003333" y="6323349"/>
+            <a:off x="1078789" y="6156067"/>
             <a:ext cx="1698594" cy="449533"/>
           </a:xfrm>
         </p:spPr>
@@ -11178,7 +11181,7 @@
         </p:blipFill>
         <p:spPr bwMode="auto">
           <a:xfrm>
-            <a:off x="9498508" y="6363173"/>
+            <a:off x="573964" y="6178228"/>
             <a:ext cx="504825" cy="369887"/>
           </a:xfrm>
           <a:prstGeom prst="rect">

--- a/JaaS.pptx
+++ b/JaaS.pptx
@@ -3652,7 +3652,7 @@
           <a:p>
             <a:fld id="{1949DCC4-3950-4EDD-A7AB-6E741F409A1B}" type="datetimeFigureOut">
               <a:rPr lang="en-GB" smtClean="0"/>
-              <a:t>13/03/2024</a:t>
+              <a:t>14/03/2024</a:t>
             </a:fld>
             <a:endParaRPr lang="en-GB"/>
           </a:p>
@@ -3829,7 +3829,7 @@
           <a:p>
             <a:fld id="{4272BD98-83E6-44AA-A390-E720F46AD6BB}" type="datetimeFigureOut">
               <a:rPr lang="en-GB" smtClean="0"/>
-              <a:t>13/03/2024</a:t>
+              <a:t>14/03/2024</a:t>
             </a:fld>
             <a:endParaRPr lang="en-GB"/>
           </a:p>
@@ -4819,7 +4819,7 @@
           <a:p>
             <a:fld id="{2239D842-4202-406B-B506-E26DA8C90340}" type="datetimeFigureOut">
               <a:rPr lang="en-GB" smtClean="0"/>
-              <a:t>13/03/2024</a:t>
+              <a:t>14/03/2024</a:t>
             </a:fld>
             <a:endParaRPr lang="en-GB"/>
           </a:p>
@@ -5070,7 +5070,7 @@
           <a:p>
             <a:fld id="{2239D842-4202-406B-B506-E26DA8C90340}" type="datetimeFigureOut">
               <a:rPr lang="en-GB" smtClean="0"/>
-              <a:t>13/03/2024</a:t>
+              <a:t>14/03/2024</a:t>
             </a:fld>
             <a:endParaRPr lang="en-GB"/>
           </a:p>
@@ -5384,7 +5384,7 @@
           <a:p>
             <a:fld id="{2239D842-4202-406B-B506-E26DA8C90340}" type="datetimeFigureOut">
               <a:rPr lang="en-GB" smtClean="0"/>
-              <a:t>13/03/2024</a:t>
+              <a:t>14/03/2024</a:t>
             </a:fld>
             <a:endParaRPr lang="en-GB"/>
           </a:p>
@@ -5725,7 +5725,7 @@
           <a:p>
             <a:fld id="{2239D842-4202-406B-B506-E26DA8C90340}" type="datetimeFigureOut">
               <a:rPr lang="en-GB" smtClean="0"/>
-              <a:t>13/03/2024</a:t>
+              <a:t>14/03/2024</a:t>
             </a:fld>
             <a:endParaRPr lang="en-GB"/>
           </a:p>
@@ -6039,7 +6039,7 @@
           <a:p>
             <a:fld id="{2239D842-4202-406B-B506-E26DA8C90340}" type="datetimeFigureOut">
               <a:rPr lang="en-GB" smtClean="0"/>
-              <a:t>13/03/2024</a:t>
+              <a:t>14/03/2024</a:t>
             </a:fld>
             <a:endParaRPr lang="en-GB"/>
           </a:p>
@@ -6432,7 +6432,7 @@
           <a:p>
             <a:fld id="{2239D842-4202-406B-B506-E26DA8C90340}" type="datetimeFigureOut">
               <a:rPr lang="en-GB" smtClean="0"/>
-              <a:t>13/03/2024</a:t>
+              <a:t>14/03/2024</a:t>
             </a:fld>
             <a:endParaRPr lang="en-GB"/>
           </a:p>
@@ -6602,7 +6602,7 @@
           <a:p>
             <a:fld id="{2239D842-4202-406B-B506-E26DA8C90340}" type="datetimeFigureOut">
               <a:rPr lang="en-GB" smtClean="0"/>
-              <a:t>13/03/2024</a:t>
+              <a:t>14/03/2024</a:t>
             </a:fld>
             <a:endParaRPr lang="en-GB"/>
           </a:p>
@@ -6782,7 +6782,7 @@
           <a:p>
             <a:fld id="{2239D842-4202-406B-B506-E26DA8C90340}" type="datetimeFigureOut">
               <a:rPr lang="en-GB" smtClean="0"/>
-              <a:t>13/03/2024</a:t>
+              <a:t>14/03/2024</a:t>
             </a:fld>
             <a:endParaRPr lang="en-GB"/>
           </a:p>
@@ -6958,7 +6958,7 @@
           <a:p>
             <a:fld id="{2239D842-4202-406B-B506-E26DA8C90340}" type="datetimeFigureOut">
               <a:rPr lang="en-GB" smtClean="0"/>
-              <a:t>13/03/2024</a:t>
+              <a:t>14/03/2024</a:t>
             </a:fld>
             <a:endParaRPr lang="en-GB"/>
           </a:p>
@@ -7205,7 +7205,7 @@
           <a:p>
             <a:fld id="{2239D842-4202-406B-B506-E26DA8C90340}" type="datetimeFigureOut">
               <a:rPr lang="en-GB" smtClean="0"/>
-              <a:t>13/03/2024</a:t>
+              <a:t>14/03/2024</a:t>
             </a:fld>
             <a:endParaRPr lang="en-GB"/>
           </a:p>
@@ -7437,7 +7437,7 @@
           <a:p>
             <a:fld id="{2239D842-4202-406B-B506-E26DA8C90340}" type="datetimeFigureOut">
               <a:rPr lang="en-GB" smtClean="0"/>
-              <a:t>13/03/2024</a:t>
+              <a:t>14/03/2024</a:t>
             </a:fld>
             <a:endParaRPr lang="en-GB"/>
           </a:p>
@@ -7811,7 +7811,7 @@
           <a:p>
             <a:fld id="{2239D842-4202-406B-B506-E26DA8C90340}" type="datetimeFigureOut">
               <a:rPr lang="en-GB" smtClean="0"/>
-              <a:t>13/03/2024</a:t>
+              <a:t>14/03/2024</a:t>
             </a:fld>
             <a:endParaRPr lang="en-GB"/>
           </a:p>
@@ -7934,7 +7934,7 @@
           <a:p>
             <a:fld id="{2239D842-4202-406B-B506-E26DA8C90340}" type="datetimeFigureOut">
               <a:rPr lang="en-GB" smtClean="0"/>
-              <a:t>13/03/2024</a:t>
+              <a:t>14/03/2024</a:t>
             </a:fld>
             <a:endParaRPr lang="en-GB"/>
           </a:p>
@@ -8029,7 +8029,7 @@
           <a:p>
             <a:fld id="{2239D842-4202-406B-B506-E26DA8C90340}" type="datetimeFigureOut">
               <a:rPr lang="en-GB" smtClean="0"/>
-              <a:t>13/03/2024</a:t>
+              <a:t>14/03/2024</a:t>
             </a:fld>
             <a:endParaRPr lang="en-GB"/>
           </a:p>
@@ -8284,7 +8284,7 @@
           <a:p>
             <a:fld id="{2239D842-4202-406B-B506-E26DA8C90340}" type="datetimeFigureOut">
               <a:rPr lang="en-GB" smtClean="0"/>
-              <a:t>13/03/2024</a:t>
+              <a:t>14/03/2024</a:t>
             </a:fld>
             <a:endParaRPr lang="en-GB"/>
           </a:p>
@@ -8547,7 +8547,7 @@
           <a:p>
             <a:fld id="{2239D842-4202-406B-B506-E26DA8C90340}" type="datetimeFigureOut">
               <a:rPr lang="en-GB" smtClean="0"/>
-              <a:t>13/03/2024</a:t>
+              <a:t>14/03/2024</a:t>
             </a:fld>
             <a:endParaRPr lang="en-GB"/>
           </a:p>
@@ -9290,7 +9290,7 @@
           <a:p>
             <a:fld id="{2239D842-4202-406B-B506-E26DA8C90340}" type="datetimeFigureOut">
               <a:rPr lang="en-GB" smtClean="0"/>
-              <a:t>13/03/2024</a:t>
+              <a:t>14/03/2024</a:t>
             </a:fld>
             <a:endParaRPr lang="en-GB"/>
           </a:p>
@@ -10227,7 +10227,7 @@
           <a:p>
             <a:r>
               <a:rPr lang="en-GB" dirty="0"/>
-              <a:t>LLMs</a:t>
+              <a:t>Large Language Models</a:t>
             </a:r>
           </a:p>
         </p:txBody>
@@ -10281,15 +10281,6 @@
               <a:rPr lang="en-GB" dirty="0"/>
               <a:t>Q&amp;A chat bot</a:t>
             </a:r>
-          </a:p>
-          <a:p>
-            <a:r>
-              <a:rPr lang="en-GB" dirty="0"/>
-              <a:t>DEMO: Azure Open AI studio</a:t>
-            </a:r>
-          </a:p>
-          <a:p>
-            <a:endParaRPr lang="en-GB" dirty="0"/>
           </a:p>
           <a:p>
             <a:endParaRPr lang="en-GB" dirty="0"/>
@@ -10389,6 +10380,12 @@
           <a:p>
             <a:r>
               <a:rPr lang="en-GB" dirty="0"/>
+              <a:t>Plagiarism/ Copyright</a:t>
+            </a:r>
+          </a:p>
+          <a:p>
+            <a:r>
+              <a:rPr lang="en-GB" dirty="0"/>
               <a:t>Incorrect prompting example: Canadian airlines</a:t>
             </a:r>
           </a:p>
@@ -10471,7 +10468,7 @@
         <p:spPr/>
         <p:txBody>
           <a:bodyPr>
-            <a:normAutofit fontScale="92500" lnSpcReduction="20000"/>
+            <a:normAutofit fontScale="77500" lnSpcReduction="20000"/>
           </a:bodyPr>
           <a:lstStyle/>
           <a:p>
@@ -10545,6 +10542,12 @@
             <a:r>
               <a:rPr lang="en-US" dirty="0"/>
               <a:t> and RAG</a:t>
+            </a:r>
+          </a:p>
+          <a:p>
+            <a:r>
+              <a:rPr lang="en-GB" dirty="0"/>
+              <a:t>DEMO: Azure OpenAI service</a:t>
             </a:r>
           </a:p>
           <a:p>
@@ -10913,14 +10916,19 @@
             <p:ph type="title"/>
           </p:nvPr>
         </p:nvSpPr>
-        <p:spPr/>
+        <p:spPr>
+          <a:xfrm>
+            <a:off x="677334" y="580103"/>
+            <a:ext cx="8596668" cy="1320800"/>
+          </a:xfrm>
+        </p:spPr>
         <p:txBody>
           <a:bodyPr/>
           <a:lstStyle/>
           <a:p>
             <a:r>
               <a:rPr lang="en-GB" dirty="0"/>
-              <a:t>What did we learn?</a:t>
+              <a:t>How did we build a meetup assistant?</a:t>
             </a:r>
           </a:p>
         </p:txBody>
@@ -10960,13 +10968,8 @@
           <a:p>
             <a:r>
               <a:rPr lang="en-GB" dirty="0"/>
-              <a:t>Azure </a:t>
-            </a:r>
-            <a:r>
-              <a:rPr lang="en-GB"/>
-              <a:t>Neural voice</a:t>
-            </a:r>
-            <a:endParaRPr lang="en-GB" dirty="0"/>
+              <a:t>Azure Neural voice</a:t>
+            </a:r>
           </a:p>
           <a:p>
             <a:r>
@@ -11491,7 +11494,7 @@
           <a:p>
             <a:r>
               <a:rPr lang="en-GB" dirty="0"/>
-              <a:t>What we will cover:</a:t>
+              <a:t>How to build a meetup assistant?</a:t>
             </a:r>
           </a:p>
         </p:txBody>
@@ -11512,7 +11515,12 @@
             <p:ph idx="1"/>
           </p:nvPr>
         </p:nvSpPr>
-        <p:spPr/>
+        <p:spPr>
+          <a:xfrm>
+            <a:off x="677334" y="2131092"/>
+            <a:ext cx="5074537" cy="3880773"/>
+          </a:xfrm>
+        </p:spPr>
         <p:txBody>
           <a:bodyPr/>
           <a:lstStyle/>
@@ -11577,7 +11585,7 @@
         </p:blipFill>
         <p:spPr>
           <a:xfrm>
-            <a:off x="6259981" y="3316832"/>
+            <a:off x="6181322" y="1930400"/>
             <a:ext cx="2896004" cy="2724530"/>
           </a:xfrm>
           <a:prstGeom prst="rect">
@@ -12109,21 +12117,21 @@
             <a:pPr lvl="1"/>
             <a:r>
               <a:rPr lang="en-GB" dirty="0"/>
-              <a:t>£41/compute hr for training (~1.5 hrs)</a:t>
+              <a:t>~£45/compute hr for training (~1.5 hrs)</a:t>
             </a:r>
           </a:p>
           <a:p>
             <a:pPr lvl="1"/>
             <a:r>
               <a:rPr lang="en-GB" dirty="0"/>
-              <a:t>£19.83 text to speech for 1 million characters</a:t>
+              <a:t>~£20 text to speech for 1 million characters</a:t>
             </a:r>
           </a:p>
           <a:p>
             <a:pPr lvl="1"/>
             <a:r>
               <a:rPr lang="en-GB" dirty="0"/>
-              <a:t>£3.24 hosting endpoint per hour</a:t>
+              <a:t>~£3.50 hosting endpoint per hour</a:t>
             </a:r>
           </a:p>
           <a:p>

--- a/JaaS.pptx
+++ b/JaaS.pptx
@@ -3652,7 +3652,7 @@
           <a:p>
             <a:fld id="{1949DCC4-3950-4EDD-A7AB-6E741F409A1B}" type="datetimeFigureOut">
               <a:rPr lang="en-GB" smtClean="0"/>
-              <a:t>14/03/2024</a:t>
+              <a:t>25/04/2024</a:t>
             </a:fld>
             <a:endParaRPr lang="en-GB"/>
           </a:p>
@@ -3829,7 +3829,7 @@
           <a:p>
             <a:fld id="{4272BD98-83E6-44AA-A390-E720F46AD6BB}" type="datetimeFigureOut">
               <a:rPr lang="en-GB" smtClean="0"/>
-              <a:t>14/03/2024</a:t>
+              <a:t>25/04/2024</a:t>
             </a:fld>
             <a:endParaRPr lang="en-GB"/>
           </a:p>
@@ -4819,7 +4819,7 @@
           <a:p>
             <a:fld id="{2239D842-4202-406B-B506-E26DA8C90340}" type="datetimeFigureOut">
               <a:rPr lang="en-GB" smtClean="0"/>
-              <a:t>14/03/2024</a:t>
+              <a:t>25/04/2024</a:t>
             </a:fld>
             <a:endParaRPr lang="en-GB"/>
           </a:p>
@@ -5070,7 +5070,7 @@
           <a:p>
             <a:fld id="{2239D842-4202-406B-B506-E26DA8C90340}" type="datetimeFigureOut">
               <a:rPr lang="en-GB" smtClean="0"/>
-              <a:t>14/03/2024</a:t>
+              <a:t>25/04/2024</a:t>
             </a:fld>
             <a:endParaRPr lang="en-GB"/>
           </a:p>
@@ -5384,7 +5384,7 @@
           <a:p>
             <a:fld id="{2239D842-4202-406B-B506-E26DA8C90340}" type="datetimeFigureOut">
               <a:rPr lang="en-GB" smtClean="0"/>
-              <a:t>14/03/2024</a:t>
+              <a:t>25/04/2024</a:t>
             </a:fld>
             <a:endParaRPr lang="en-GB"/>
           </a:p>
@@ -5725,7 +5725,7 @@
           <a:p>
             <a:fld id="{2239D842-4202-406B-B506-E26DA8C90340}" type="datetimeFigureOut">
               <a:rPr lang="en-GB" smtClean="0"/>
-              <a:t>14/03/2024</a:t>
+              <a:t>25/04/2024</a:t>
             </a:fld>
             <a:endParaRPr lang="en-GB"/>
           </a:p>
@@ -6039,7 +6039,7 @@
           <a:p>
             <a:fld id="{2239D842-4202-406B-B506-E26DA8C90340}" type="datetimeFigureOut">
               <a:rPr lang="en-GB" smtClean="0"/>
-              <a:t>14/03/2024</a:t>
+              <a:t>25/04/2024</a:t>
             </a:fld>
             <a:endParaRPr lang="en-GB"/>
           </a:p>
@@ -6432,7 +6432,7 @@
           <a:p>
             <a:fld id="{2239D842-4202-406B-B506-E26DA8C90340}" type="datetimeFigureOut">
               <a:rPr lang="en-GB" smtClean="0"/>
-              <a:t>14/03/2024</a:t>
+              <a:t>25/04/2024</a:t>
             </a:fld>
             <a:endParaRPr lang="en-GB"/>
           </a:p>
@@ -6602,7 +6602,7 @@
           <a:p>
             <a:fld id="{2239D842-4202-406B-B506-E26DA8C90340}" type="datetimeFigureOut">
               <a:rPr lang="en-GB" smtClean="0"/>
-              <a:t>14/03/2024</a:t>
+              <a:t>25/04/2024</a:t>
             </a:fld>
             <a:endParaRPr lang="en-GB"/>
           </a:p>
@@ -6782,7 +6782,7 @@
           <a:p>
             <a:fld id="{2239D842-4202-406B-B506-E26DA8C90340}" type="datetimeFigureOut">
               <a:rPr lang="en-GB" smtClean="0"/>
-              <a:t>14/03/2024</a:t>
+              <a:t>25/04/2024</a:t>
             </a:fld>
             <a:endParaRPr lang="en-GB"/>
           </a:p>
@@ -6958,7 +6958,7 @@
           <a:p>
             <a:fld id="{2239D842-4202-406B-B506-E26DA8C90340}" type="datetimeFigureOut">
               <a:rPr lang="en-GB" smtClean="0"/>
-              <a:t>14/03/2024</a:t>
+              <a:t>25/04/2024</a:t>
             </a:fld>
             <a:endParaRPr lang="en-GB"/>
           </a:p>
@@ -7205,7 +7205,7 @@
           <a:p>
             <a:fld id="{2239D842-4202-406B-B506-E26DA8C90340}" type="datetimeFigureOut">
               <a:rPr lang="en-GB" smtClean="0"/>
-              <a:t>14/03/2024</a:t>
+              <a:t>25/04/2024</a:t>
             </a:fld>
             <a:endParaRPr lang="en-GB"/>
           </a:p>
@@ -7437,7 +7437,7 @@
           <a:p>
             <a:fld id="{2239D842-4202-406B-B506-E26DA8C90340}" type="datetimeFigureOut">
               <a:rPr lang="en-GB" smtClean="0"/>
-              <a:t>14/03/2024</a:t>
+              <a:t>25/04/2024</a:t>
             </a:fld>
             <a:endParaRPr lang="en-GB"/>
           </a:p>
@@ -7811,7 +7811,7 @@
           <a:p>
             <a:fld id="{2239D842-4202-406B-B506-E26DA8C90340}" type="datetimeFigureOut">
               <a:rPr lang="en-GB" smtClean="0"/>
-              <a:t>14/03/2024</a:t>
+              <a:t>25/04/2024</a:t>
             </a:fld>
             <a:endParaRPr lang="en-GB"/>
           </a:p>
@@ -7934,7 +7934,7 @@
           <a:p>
             <a:fld id="{2239D842-4202-406B-B506-E26DA8C90340}" type="datetimeFigureOut">
               <a:rPr lang="en-GB" smtClean="0"/>
-              <a:t>14/03/2024</a:t>
+              <a:t>25/04/2024</a:t>
             </a:fld>
             <a:endParaRPr lang="en-GB"/>
           </a:p>
@@ -8029,7 +8029,7 @@
           <a:p>
             <a:fld id="{2239D842-4202-406B-B506-E26DA8C90340}" type="datetimeFigureOut">
               <a:rPr lang="en-GB" smtClean="0"/>
-              <a:t>14/03/2024</a:t>
+              <a:t>25/04/2024</a:t>
             </a:fld>
             <a:endParaRPr lang="en-GB"/>
           </a:p>
@@ -8284,7 +8284,7 @@
           <a:p>
             <a:fld id="{2239D842-4202-406B-B506-E26DA8C90340}" type="datetimeFigureOut">
               <a:rPr lang="en-GB" smtClean="0"/>
-              <a:t>14/03/2024</a:t>
+              <a:t>25/04/2024</a:t>
             </a:fld>
             <a:endParaRPr lang="en-GB"/>
           </a:p>
@@ -8547,7 +8547,7 @@
           <a:p>
             <a:fld id="{2239D842-4202-406B-B506-E26DA8C90340}" type="datetimeFigureOut">
               <a:rPr lang="en-GB" smtClean="0"/>
-              <a:t>14/03/2024</a:t>
+              <a:t>25/04/2024</a:t>
             </a:fld>
             <a:endParaRPr lang="en-GB"/>
           </a:p>
@@ -9290,7 +9290,7 @@
           <a:p>
             <a:fld id="{2239D842-4202-406B-B506-E26DA8C90340}" type="datetimeFigureOut">
               <a:rPr lang="en-GB" smtClean="0"/>
-              <a:t>14/03/2024</a:t>
+              <a:t>25/04/2024</a:t>
             </a:fld>
             <a:endParaRPr lang="en-GB"/>
           </a:p>
@@ -9903,7 +9903,7 @@
                 <a:latin typeface="Times New Roman" panose="02020603050405020304" pitchFamily="18" charset="0"/>
                 <a:cs typeface="Lucida Sans Unicode" panose="020B0602030504020204" pitchFamily="34" charset="0"/>
               </a:rPr>
-              <a:t>14/03/2024</a:t>
+              <a:t>25/04/2024</a:t>
             </a:r>
           </a:p>
           <a:p>

--- a/JaaS.pptx
+++ b/JaaS.pptx
@@ -3652,7 +3652,7 @@
           <a:p>
             <a:fld id="{1949DCC4-3950-4EDD-A7AB-6E741F409A1B}" type="datetimeFigureOut">
               <a:rPr lang="en-GB" smtClean="0"/>
-              <a:t>25/04/2024</a:t>
+              <a:t>04/02/2025</a:t>
             </a:fld>
             <a:endParaRPr lang="en-GB"/>
           </a:p>
@@ -3829,7 +3829,7 @@
           <a:p>
             <a:fld id="{4272BD98-83E6-44AA-A390-E720F46AD6BB}" type="datetimeFigureOut">
               <a:rPr lang="en-GB" smtClean="0"/>
-              <a:t>25/04/2024</a:t>
+              <a:t>04/02/2025</a:t>
             </a:fld>
             <a:endParaRPr lang="en-GB"/>
           </a:p>
@@ -4819,7 +4819,7 @@
           <a:p>
             <a:fld id="{2239D842-4202-406B-B506-E26DA8C90340}" type="datetimeFigureOut">
               <a:rPr lang="en-GB" smtClean="0"/>
-              <a:t>25/04/2024</a:t>
+              <a:t>04/02/2025</a:t>
             </a:fld>
             <a:endParaRPr lang="en-GB"/>
           </a:p>
@@ -5070,7 +5070,7 @@
           <a:p>
             <a:fld id="{2239D842-4202-406B-B506-E26DA8C90340}" type="datetimeFigureOut">
               <a:rPr lang="en-GB" smtClean="0"/>
-              <a:t>25/04/2024</a:t>
+              <a:t>04/02/2025</a:t>
             </a:fld>
             <a:endParaRPr lang="en-GB"/>
           </a:p>
@@ -5384,7 +5384,7 @@
           <a:p>
             <a:fld id="{2239D842-4202-406B-B506-E26DA8C90340}" type="datetimeFigureOut">
               <a:rPr lang="en-GB" smtClean="0"/>
-              <a:t>25/04/2024</a:t>
+              <a:t>04/02/2025</a:t>
             </a:fld>
             <a:endParaRPr lang="en-GB"/>
           </a:p>
@@ -5725,7 +5725,7 @@
           <a:p>
             <a:fld id="{2239D842-4202-406B-B506-E26DA8C90340}" type="datetimeFigureOut">
               <a:rPr lang="en-GB" smtClean="0"/>
-              <a:t>25/04/2024</a:t>
+              <a:t>04/02/2025</a:t>
             </a:fld>
             <a:endParaRPr lang="en-GB"/>
           </a:p>
@@ -6039,7 +6039,7 @@
           <a:p>
             <a:fld id="{2239D842-4202-406B-B506-E26DA8C90340}" type="datetimeFigureOut">
               <a:rPr lang="en-GB" smtClean="0"/>
-              <a:t>25/04/2024</a:t>
+              <a:t>04/02/2025</a:t>
             </a:fld>
             <a:endParaRPr lang="en-GB"/>
           </a:p>
@@ -6432,7 +6432,7 @@
           <a:p>
             <a:fld id="{2239D842-4202-406B-B506-E26DA8C90340}" type="datetimeFigureOut">
               <a:rPr lang="en-GB" smtClean="0"/>
-              <a:t>25/04/2024</a:t>
+              <a:t>04/02/2025</a:t>
             </a:fld>
             <a:endParaRPr lang="en-GB"/>
           </a:p>
@@ -6602,7 +6602,7 @@
           <a:p>
             <a:fld id="{2239D842-4202-406B-B506-E26DA8C90340}" type="datetimeFigureOut">
               <a:rPr lang="en-GB" smtClean="0"/>
-              <a:t>25/04/2024</a:t>
+              <a:t>04/02/2025</a:t>
             </a:fld>
             <a:endParaRPr lang="en-GB"/>
           </a:p>
@@ -6782,7 +6782,7 @@
           <a:p>
             <a:fld id="{2239D842-4202-406B-B506-E26DA8C90340}" type="datetimeFigureOut">
               <a:rPr lang="en-GB" smtClean="0"/>
-              <a:t>25/04/2024</a:t>
+              <a:t>04/02/2025</a:t>
             </a:fld>
             <a:endParaRPr lang="en-GB"/>
           </a:p>
@@ -6958,7 +6958,7 @@
           <a:p>
             <a:fld id="{2239D842-4202-406B-B506-E26DA8C90340}" type="datetimeFigureOut">
               <a:rPr lang="en-GB" smtClean="0"/>
-              <a:t>25/04/2024</a:t>
+              <a:t>04/02/2025</a:t>
             </a:fld>
             <a:endParaRPr lang="en-GB"/>
           </a:p>
@@ -7205,7 +7205,7 @@
           <a:p>
             <a:fld id="{2239D842-4202-406B-B506-E26DA8C90340}" type="datetimeFigureOut">
               <a:rPr lang="en-GB" smtClean="0"/>
-              <a:t>25/04/2024</a:t>
+              <a:t>04/02/2025</a:t>
             </a:fld>
             <a:endParaRPr lang="en-GB"/>
           </a:p>
@@ -7437,7 +7437,7 @@
           <a:p>
             <a:fld id="{2239D842-4202-406B-B506-E26DA8C90340}" type="datetimeFigureOut">
               <a:rPr lang="en-GB" smtClean="0"/>
-              <a:t>25/04/2024</a:t>
+              <a:t>04/02/2025</a:t>
             </a:fld>
             <a:endParaRPr lang="en-GB"/>
           </a:p>
@@ -7811,7 +7811,7 @@
           <a:p>
             <a:fld id="{2239D842-4202-406B-B506-E26DA8C90340}" type="datetimeFigureOut">
               <a:rPr lang="en-GB" smtClean="0"/>
-              <a:t>25/04/2024</a:t>
+              <a:t>04/02/2025</a:t>
             </a:fld>
             <a:endParaRPr lang="en-GB"/>
           </a:p>
@@ -7934,7 +7934,7 @@
           <a:p>
             <a:fld id="{2239D842-4202-406B-B506-E26DA8C90340}" type="datetimeFigureOut">
               <a:rPr lang="en-GB" smtClean="0"/>
-              <a:t>25/04/2024</a:t>
+              <a:t>04/02/2025</a:t>
             </a:fld>
             <a:endParaRPr lang="en-GB"/>
           </a:p>
@@ -8029,7 +8029,7 @@
           <a:p>
             <a:fld id="{2239D842-4202-406B-B506-E26DA8C90340}" type="datetimeFigureOut">
               <a:rPr lang="en-GB" smtClean="0"/>
-              <a:t>25/04/2024</a:t>
+              <a:t>04/02/2025</a:t>
             </a:fld>
             <a:endParaRPr lang="en-GB"/>
           </a:p>
@@ -8284,7 +8284,7 @@
           <a:p>
             <a:fld id="{2239D842-4202-406B-B506-E26DA8C90340}" type="datetimeFigureOut">
               <a:rPr lang="en-GB" smtClean="0"/>
-              <a:t>25/04/2024</a:t>
+              <a:t>04/02/2025</a:t>
             </a:fld>
             <a:endParaRPr lang="en-GB"/>
           </a:p>
@@ -8547,7 +8547,7 @@
           <a:p>
             <a:fld id="{2239D842-4202-406B-B506-E26DA8C90340}" type="datetimeFigureOut">
               <a:rPr lang="en-GB" smtClean="0"/>
-              <a:t>25/04/2024</a:t>
+              <a:t>04/02/2025</a:t>
             </a:fld>
             <a:endParaRPr lang="en-GB"/>
           </a:p>
@@ -9290,7 +9290,7 @@
           <a:p>
             <a:fld id="{2239D842-4202-406B-B506-E26DA8C90340}" type="datetimeFigureOut">
               <a:rPr lang="en-GB" smtClean="0"/>
-              <a:t>25/04/2024</a:t>
+              <a:t>04/02/2025</a:t>
             </a:fld>
             <a:endParaRPr lang="en-GB"/>
           </a:p>
@@ -9896,15 +9896,22 @@
               <a:buClrTx/>
             </a:pPr>
             <a:r>
-              <a:rPr lang="en-GB" altLang="en-US" dirty="0">
+              <a:rPr lang="en-GB" altLang="en-US">
                 <a:solidFill>
                   <a:srgbClr val="000000"/>
                 </a:solidFill>
                 <a:latin typeface="Times New Roman" panose="02020603050405020304" pitchFamily="18" charset="0"/>
                 <a:cs typeface="Lucida Sans Unicode" panose="020B0602030504020204" pitchFamily="34" charset="0"/>
               </a:rPr>
-              <a:t>25/04/2024</a:t>
-            </a:r>
+              <a:t>01/04/2025</a:t>
+            </a:r>
+            <a:endParaRPr lang="en-GB" altLang="en-US" dirty="0">
+              <a:solidFill>
+                <a:srgbClr val="000000"/>
+              </a:solidFill>
+              <a:latin typeface="Times New Roman" panose="02020603050405020304" pitchFamily="18" charset="0"/>
+              <a:cs typeface="Lucida Sans Unicode" panose="020B0602030504020204" pitchFamily="34" charset="0"/>
+            </a:endParaRPr>
           </a:p>
           <a:p>
             <a:pPr>
@@ -10494,7 +10501,7 @@
           <a:p>
             <a:r>
               <a:rPr lang="en-GB" dirty="0"/>
-              <a:t>Azure Open AI studio</a:t>
+              <a:t>Azure Open AI Foundry</a:t>
             </a:r>
           </a:p>
           <a:p>

--- a/JaaS.pptx
+++ b/JaaS.pptx
@@ -3652,7 +3652,7 @@
           <a:p>
             <a:fld id="{1949DCC4-3950-4EDD-A7AB-6E741F409A1B}" type="datetimeFigureOut">
               <a:rPr lang="en-GB" smtClean="0"/>
-              <a:t>04/02/2025</a:t>
+              <a:t>29/04/2025</a:t>
             </a:fld>
             <a:endParaRPr lang="en-GB"/>
           </a:p>
@@ -3829,7 +3829,7 @@
           <a:p>
             <a:fld id="{4272BD98-83E6-44AA-A390-E720F46AD6BB}" type="datetimeFigureOut">
               <a:rPr lang="en-GB" smtClean="0"/>
-              <a:t>04/02/2025</a:t>
+              <a:t>29/04/2025</a:t>
             </a:fld>
             <a:endParaRPr lang="en-GB"/>
           </a:p>
@@ -4819,7 +4819,7 @@
           <a:p>
             <a:fld id="{2239D842-4202-406B-B506-E26DA8C90340}" type="datetimeFigureOut">
               <a:rPr lang="en-GB" smtClean="0"/>
-              <a:t>04/02/2025</a:t>
+              <a:t>29/04/2025</a:t>
             </a:fld>
             <a:endParaRPr lang="en-GB"/>
           </a:p>
@@ -5070,7 +5070,7 @@
           <a:p>
             <a:fld id="{2239D842-4202-406B-B506-E26DA8C90340}" type="datetimeFigureOut">
               <a:rPr lang="en-GB" smtClean="0"/>
-              <a:t>04/02/2025</a:t>
+              <a:t>29/04/2025</a:t>
             </a:fld>
             <a:endParaRPr lang="en-GB"/>
           </a:p>
@@ -5384,7 +5384,7 @@
           <a:p>
             <a:fld id="{2239D842-4202-406B-B506-E26DA8C90340}" type="datetimeFigureOut">
               <a:rPr lang="en-GB" smtClean="0"/>
-              <a:t>04/02/2025</a:t>
+              <a:t>29/04/2025</a:t>
             </a:fld>
             <a:endParaRPr lang="en-GB"/>
           </a:p>
@@ -5725,7 +5725,7 @@
           <a:p>
             <a:fld id="{2239D842-4202-406B-B506-E26DA8C90340}" type="datetimeFigureOut">
               <a:rPr lang="en-GB" smtClean="0"/>
-              <a:t>04/02/2025</a:t>
+              <a:t>29/04/2025</a:t>
             </a:fld>
             <a:endParaRPr lang="en-GB"/>
           </a:p>
@@ -6039,7 +6039,7 @@
           <a:p>
             <a:fld id="{2239D842-4202-406B-B506-E26DA8C90340}" type="datetimeFigureOut">
               <a:rPr lang="en-GB" smtClean="0"/>
-              <a:t>04/02/2025</a:t>
+              <a:t>29/04/2025</a:t>
             </a:fld>
             <a:endParaRPr lang="en-GB"/>
           </a:p>
@@ -6432,7 +6432,7 @@
           <a:p>
             <a:fld id="{2239D842-4202-406B-B506-E26DA8C90340}" type="datetimeFigureOut">
               <a:rPr lang="en-GB" smtClean="0"/>
-              <a:t>04/02/2025</a:t>
+              <a:t>29/04/2025</a:t>
             </a:fld>
             <a:endParaRPr lang="en-GB"/>
           </a:p>
@@ -6602,7 +6602,7 @@
           <a:p>
             <a:fld id="{2239D842-4202-406B-B506-E26DA8C90340}" type="datetimeFigureOut">
               <a:rPr lang="en-GB" smtClean="0"/>
-              <a:t>04/02/2025</a:t>
+              <a:t>29/04/2025</a:t>
             </a:fld>
             <a:endParaRPr lang="en-GB"/>
           </a:p>
@@ -6782,7 +6782,7 @@
           <a:p>
             <a:fld id="{2239D842-4202-406B-B506-E26DA8C90340}" type="datetimeFigureOut">
               <a:rPr lang="en-GB" smtClean="0"/>
-              <a:t>04/02/2025</a:t>
+              <a:t>29/04/2025</a:t>
             </a:fld>
             <a:endParaRPr lang="en-GB"/>
           </a:p>
@@ -6958,7 +6958,7 @@
           <a:p>
             <a:fld id="{2239D842-4202-406B-B506-E26DA8C90340}" type="datetimeFigureOut">
               <a:rPr lang="en-GB" smtClean="0"/>
-              <a:t>04/02/2025</a:t>
+              <a:t>29/04/2025</a:t>
             </a:fld>
             <a:endParaRPr lang="en-GB"/>
           </a:p>
@@ -7205,7 +7205,7 @@
           <a:p>
             <a:fld id="{2239D842-4202-406B-B506-E26DA8C90340}" type="datetimeFigureOut">
               <a:rPr lang="en-GB" smtClean="0"/>
-              <a:t>04/02/2025</a:t>
+              <a:t>29/04/2025</a:t>
             </a:fld>
             <a:endParaRPr lang="en-GB"/>
           </a:p>
@@ -7437,7 +7437,7 @@
           <a:p>
             <a:fld id="{2239D842-4202-406B-B506-E26DA8C90340}" type="datetimeFigureOut">
               <a:rPr lang="en-GB" smtClean="0"/>
-              <a:t>04/02/2025</a:t>
+              <a:t>29/04/2025</a:t>
             </a:fld>
             <a:endParaRPr lang="en-GB"/>
           </a:p>
@@ -7811,7 +7811,7 @@
           <a:p>
             <a:fld id="{2239D842-4202-406B-B506-E26DA8C90340}" type="datetimeFigureOut">
               <a:rPr lang="en-GB" smtClean="0"/>
-              <a:t>04/02/2025</a:t>
+              <a:t>29/04/2025</a:t>
             </a:fld>
             <a:endParaRPr lang="en-GB"/>
           </a:p>
@@ -7934,7 +7934,7 @@
           <a:p>
             <a:fld id="{2239D842-4202-406B-B506-E26DA8C90340}" type="datetimeFigureOut">
               <a:rPr lang="en-GB" smtClean="0"/>
-              <a:t>04/02/2025</a:t>
+              <a:t>29/04/2025</a:t>
             </a:fld>
             <a:endParaRPr lang="en-GB"/>
           </a:p>
@@ -8029,7 +8029,7 @@
           <a:p>
             <a:fld id="{2239D842-4202-406B-B506-E26DA8C90340}" type="datetimeFigureOut">
               <a:rPr lang="en-GB" smtClean="0"/>
-              <a:t>04/02/2025</a:t>
+              <a:t>29/04/2025</a:t>
             </a:fld>
             <a:endParaRPr lang="en-GB"/>
           </a:p>
@@ -8284,7 +8284,7 @@
           <a:p>
             <a:fld id="{2239D842-4202-406B-B506-E26DA8C90340}" type="datetimeFigureOut">
               <a:rPr lang="en-GB" smtClean="0"/>
-              <a:t>04/02/2025</a:t>
+              <a:t>29/04/2025</a:t>
             </a:fld>
             <a:endParaRPr lang="en-GB"/>
           </a:p>
@@ -8547,7 +8547,7 @@
           <a:p>
             <a:fld id="{2239D842-4202-406B-B506-E26DA8C90340}" type="datetimeFigureOut">
               <a:rPr lang="en-GB" smtClean="0"/>
-              <a:t>04/02/2025</a:t>
+              <a:t>29/04/2025</a:t>
             </a:fld>
             <a:endParaRPr lang="en-GB"/>
           </a:p>
@@ -9290,7 +9290,7 @@
           <a:p>
             <a:fld id="{2239D842-4202-406B-B506-E26DA8C90340}" type="datetimeFigureOut">
               <a:rPr lang="en-GB" smtClean="0"/>
-              <a:t>04/02/2025</a:t>
+              <a:t>29/04/2025</a:t>
             </a:fld>
             <a:endParaRPr lang="en-GB"/>
           </a:p>
@@ -9896,22 +9896,15 @@
               <a:buClrTx/>
             </a:pPr>
             <a:r>
-              <a:rPr lang="en-GB" altLang="en-US">
+              <a:rPr lang="en-GB" altLang="en-US" dirty="0">
                 <a:solidFill>
                   <a:srgbClr val="000000"/>
                 </a:solidFill>
                 <a:latin typeface="Times New Roman" panose="02020603050405020304" pitchFamily="18" charset="0"/>
                 <a:cs typeface="Lucida Sans Unicode" panose="020B0602030504020204" pitchFamily="34" charset="0"/>
               </a:rPr>
-              <a:t>01/04/2025</a:t>
-            </a:r>
-            <a:endParaRPr lang="en-GB" altLang="en-US" dirty="0">
-              <a:solidFill>
-                <a:srgbClr val="000000"/>
-              </a:solidFill>
-              <a:latin typeface="Times New Roman" panose="02020603050405020304" pitchFamily="18" charset="0"/>
-              <a:cs typeface="Lucida Sans Unicode" panose="020B0602030504020204" pitchFamily="34" charset="0"/>
-            </a:endParaRPr>
+              <a:t>29/04/2025</a:t>
+            </a:r>
           </a:p>
           <a:p>
             <a:pPr>
@@ -11414,6 +11407,12 @@
             <a:r>
               <a:rPr lang="en-GB" dirty="0"/>
               <a:t>) etc</a:t>
+            </a:r>
+          </a:p>
+          <a:p>
+            <a:r>
+              <a:rPr lang="en-GB" dirty="0"/>
+              <a:t>Sailing, Triathlon etc</a:t>
             </a:r>
           </a:p>
         </p:txBody>

--- a/JaaS.pptx
+++ b/JaaS.pptx
@@ -10385,6 +10385,13 @@
           </a:p>
           <a:p>
             <a:r>
+              <a:rPr lang="en-GB"/>
+              <a:t>Ethical Issues</a:t>
+            </a:r>
+            <a:endParaRPr lang="en-GB" dirty="0"/>
+          </a:p>
+          <a:p>
+            <a:r>
               <a:rPr lang="en-GB" dirty="0"/>
               <a:t>Incorrect prompting example: Canadian airlines</a:t>
             </a:r>
@@ -11037,47 +11044,6 @@
               <a:rPr lang="en-GB" dirty="0"/>
               <a:t>Any Questions?</a:t>
             </a:r>
-          </a:p>
-        </p:txBody>
-      </p:sp>
-      <p:sp>
-        <p:nvSpPr>
-          <p:cNvPr id="3" name="Content Placeholder 2">
-            <a:extLst>
-              <a:ext uri="{FF2B5EF4-FFF2-40B4-BE49-F238E27FC236}">
-                <a16:creationId xmlns:a16="http://schemas.microsoft.com/office/drawing/2014/main" id="{B0C4CA08-B490-4E41-AF35-DD174F1B993D}"/>
-              </a:ext>
-            </a:extLst>
-          </p:cNvPr>
-          <p:cNvSpPr>
-            <a:spLocks noGrp="1"/>
-          </p:cNvSpPr>
-          <p:nvPr>
-            <p:ph idx="1"/>
-          </p:nvPr>
-        </p:nvSpPr>
-        <p:spPr>
-          <a:xfrm>
-            <a:off x="1078789" y="6156067"/>
-            <a:ext cx="1698594" cy="449533"/>
-          </a:xfrm>
-        </p:spPr>
-        <p:txBody>
-          <a:bodyPr/>
-          <a:lstStyle/>
-          <a:p>
-            <a:pPr marL="0" indent="0">
-              <a:buNone/>
-            </a:pPr>
-            <a:r>
-              <a:rPr lang="en-GB" dirty="0"/>
-              <a:t>@</a:t>
-            </a:r>
-            <a:r>
-              <a:rPr lang="en-GB" dirty="0" err="1"/>
-              <a:t>johnstaveley</a:t>
-            </a:r>
-            <a:endParaRPr lang="en-GB" dirty="0"/>
           </a:p>
         </p:txBody>
       </p:sp>
@@ -11155,80 +11121,6 @@
           </a:extLst>
         </p:spPr>
       </p:pic>
-      <p:pic>
-        <p:nvPicPr>
-          <p:cNvPr id="5" name="Picture 4">
-            <a:extLst>
-              <a:ext uri="{FF2B5EF4-FFF2-40B4-BE49-F238E27FC236}">
-                <a16:creationId xmlns:a16="http://schemas.microsoft.com/office/drawing/2014/main" id="{23F37104-0551-4C06-A6DB-F8DB7A98970A}"/>
-              </a:ext>
-            </a:extLst>
-          </p:cNvPr>
-          <p:cNvPicPr>
-            <a:picLocks noChangeAspect="1" noChangeArrowheads="1"/>
-          </p:cNvPicPr>
-          <p:nvPr/>
-        </p:nvPicPr>
-        <p:blipFill>
-          <a:blip r:embed="rId3">
-            <a:extLst>
-              <a:ext uri="{28A0092B-C50C-407E-A947-70E740481C1C}">
-                <a14:useLocalDpi xmlns:a14="http://schemas.microsoft.com/office/drawing/2010/main" val="0"/>
-              </a:ext>
-            </a:extLst>
-          </a:blip>
-          <a:srcRect/>
-          <a:stretch>
-            <a:fillRect/>
-          </a:stretch>
-        </p:blipFill>
-        <p:spPr bwMode="auto">
-          <a:xfrm>
-            <a:off x="573964" y="6178228"/>
-            <a:ext cx="504825" cy="369887"/>
-          </a:xfrm>
-          <a:prstGeom prst="rect">
-            <a:avLst/>
-          </a:prstGeom>
-          <a:noFill/>
-          <a:ln>
-            <a:noFill/>
-          </a:ln>
-          <a:effectLst/>
-          <a:extLst>
-            <a:ext uri="{909E8E84-426E-40DD-AFC4-6F175D3DCCD1}">
-              <a14:hiddenFill xmlns:a14="http://schemas.microsoft.com/office/drawing/2010/main">
-                <a:blipFill dpi="0" rotWithShape="0">
-                  <a:blip/>
-                  <a:srcRect/>
-                  <a:stretch>
-                    <a:fillRect/>
-                  </a:stretch>
-                </a:blipFill>
-              </a14:hiddenFill>
-            </a:ext>
-            <a:ext uri="{91240B29-F687-4F45-9708-019B960494DF}">
-              <a14:hiddenLine xmlns:a14="http://schemas.microsoft.com/office/drawing/2010/main" w="9525" cap="flat">
-                <a:solidFill>
-                  <a:srgbClr val="808080"/>
-                </a:solidFill>
-                <a:round/>
-                <a:headEnd/>
-                <a:tailEnd/>
-              </a14:hiddenLine>
-            </a:ext>
-            <a:ext uri="{AF507438-7753-43E0-B8FC-AC1667EBCBE1}">
-              <a14:hiddenEffects xmlns:a14="http://schemas.microsoft.com/office/drawing/2010/main">
-                <a:effectLst>
-                  <a:outerShdw dist="35921" dir="2700000" algn="ctr" rotWithShape="0">
-                    <a:srgbClr val="808080"/>
-                  </a:outerShdw>
-                </a:effectLst>
-              </a14:hiddenEffects>
-            </a:ext>
-          </a:extLst>
-        </p:spPr>
-      </p:pic>
       <p:sp>
         <p:nvSpPr>
           <p:cNvPr id="6" name="Rectangle 5">
@@ -11270,6 +11162,31 @@
               <a:t>https://uk.linkedin.com/in/johnstaveley/ </a:t>
             </a:r>
             <a:endParaRPr lang="en-GB" dirty="0"/>
+          </a:p>
+        </p:txBody>
+      </p:sp>
+      <p:sp>
+        <p:nvSpPr>
+          <p:cNvPr id="8" name="Content Placeholder 7">
+            <a:extLst>
+              <a:ext uri="{FF2B5EF4-FFF2-40B4-BE49-F238E27FC236}">
+                <a16:creationId xmlns:a16="http://schemas.microsoft.com/office/drawing/2014/main" id="{9D6D2AF1-AA44-5BCA-B6C6-D7D3D3061BF0}"/>
+              </a:ext>
+            </a:extLst>
+          </p:cNvPr>
+          <p:cNvSpPr>
+            <a:spLocks noGrp="1"/>
+          </p:cNvSpPr>
+          <p:nvPr>
+            <p:ph idx="1"/>
+          </p:nvPr>
+        </p:nvSpPr>
+        <p:spPr/>
+        <p:txBody>
+          <a:bodyPr/>
+          <a:lstStyle/>
+          <a:p>
+            <a:endParaRPr lang="en-GB"/>
           </a:p>
         </p:txBody>
       </p:sp>
@@ -11394,25 +11311,17 @@
             </a:r>
             <a:r>
               <a:rPr lang="en-GB" dirty="0" err="1"/>
-              <a:t>IoTNorth</a:t>
+              <a:t>AIoTHub</a:t>
             </a:r>
             <a:r>
               <a:rPr lang="en-GB" dirty="0"/>
-              <a:t> (</a:t>
-            </a:r>
-            <a:r>
-              <a:rPr lang="en-GB" dirty="0" err="1"/>
-              <a:t>AIoT</a:t>
-            </a:r>
+              <a:t> etc</a:t>
+            </a:r>
+          </a:p>
+          <a:p>
             <a:r>
               <a:rPr lang="en-GB" dirty="0"/>
-              <a:t>) etc</a:t>
-            </a:r>
-          </a:p>
-          <a:p>
-            <a:r>
-              <a:rPr lang="en-GB" dirty="0"/>
-              <a:t>Sailing, Triathlon etc</a:t>
+              <a:t>Interests: Sailing, Triathlon etc</a:t>
             </a:r>
           </a:p>
         </p:txBody>
@@ -11822,7 +11731,7 @@
           <a:p>
             <a:r>
               <a:rPr lang="en-GB" dirty="0"/>
-              <a:t>Setup Speech service  in Azure</a:t>
+              <a:t>Setup Speech service in Azure</a:t>
             </a:r>
           </a:p>
           <a:p>
@@ -12322,7 +12231,7 @@
           <a:p>
             <a:r>
               <a:rPr lang="en-GB" dirty="0"/>
-              <a:t>DEMO: Code examples</a:t>
+              <a:t>DEMO: Audio and Code examples</a:t>
             </a:r>
           </a:p>
         </p:txBody>

--- a/JaaS.pptx
+++ b/JaaS.pptx
@@ -9925,119 +9925,10 @@
             </a:r>
           </a:p>
           <a:p>
-            <a:pPr>
-              <a:lnSpc>
-                <a:spcPct val="95000"/>
-              </a:lnSpc>
-              <a:buClrTx/>
-            </a:pPr>
-            <a:r>
-              <a:rPr lang="en-GB" altLang="en-US" dirty="0">
-                <a:solidFill>
-                  <a:srgbClr val="000000"/>
-                </a:solidFill>
-                <a:latin typeface="Times New Roman" panose="02020603050405020304" pitchFamily="18" charset="0"/>
-                <a:cs typeface="Lucida Sans Unicode" panose="020B0602030504020204" pitchFamily="34" charset="0"/>
-              </a:rPr>
-              <a:t>@</a:t>
-            </a:r>
-            <a:r>
-              <a:rPr lang="en-GB" altLang="en-US" dirty="0" err="1">
-                <a:solidFill>
-                  <a:srgbClr val="000000"/>
-                </a:solidFill>
-                <a:latin typeface="Times New Roman" panose="02020603050405020304" pitchFamily="18" charset="0"/>
-                <a:cs typeface="Lucida Sans Unicode" panose="020B0602030504020204" pitchFamily="34" charset="0"/>
-              </a:rPr>
-              <a:t>johnstaveley</a:t>
-            </a:r>
-            <a:endParaRPr lang="en-GB" altLang="en-US" dirty="0">
-              <a:solidFill>
-                <a:srgbClr val="000000"/>
-              </a:solidFill>
-              <a:latin typeface="Times New Roman" panose="02020603050405020304" pitchFamily="18" charset="0"/>
-              <a:cs typeface="Lucida Sans Unicode" panose="020B0602030504020204" pitchFamily="34" charset="0"/>
-            </a:endParaRPr>
-          </a:p>
-          <a:p>
             <a:endParaRPr lang="en-GB" dirty="0"/>
           </a:p>
         </p:txBody>
       </p:sp>
-      <p:pic>
-        <p:nvPicPr>
-          <p:cNvPr id="4" name="Picture 3">
-            <a:extLst>
-              <a:ext uri="{FF2B5EF4-FFF2-40B4-BE49-F238E27FC236}">
-                <a16:creationId xmlns:a16="http://schemas.microsoft.com/office/drawing/2014/main" id="{D966D751-2E54-44F8-B0B7-9D4A6B0672F9}"/>
-              </a:ext>
-            </a:extLst>
-          </p:cNvPr>
-          <p:cNvPicPr>
-            <a:picLocks noChangeAspect="1" noChangeArrowheads="1"/>
-          </p:cNvPicPr>
-          <p:nvPr/>
-        </p:nvPicPr>
-        <p:blipFill>
-          <a:blip r:embed="rId2">
-            <a:extLst>
-              <a:ext uri="{28A0092B-C50C-407E-A947-70E740481C1C}">
-                <a14:useLocalDpi xmlns:a14="http://schemas.microsoft.com/office/drawing/2010/main" val="0"/>
-              </a:ext>
-            </a:extLst>
-          </a:blip>
-          <a:srcRect/>
-          <a:stretch>
-            <a:fillRect/>
-          </a:stretch>
-        </p:blipFill>
-        <p:spPr bwMode="auto">
-          <a:xfrm>
-            <a:off x="7134595" y="5594120"/>
-            <a:ext cx="342900" cy="261937"/>
-          </a:xfrm>
-          <a:prstGeom prst="rect">
-            <a:avLst/>
-          </a:prstGeom>
-          <a:noFill/>
-          <a:ln>
-            <a:noFill/>
-          </a:ln>
-          <a:effectLst/>
-          <a:extLst>
-            <a:ext uri="{909E8E84-426E-40DD-AFC4-6F175D3DCCD1}">
-              <a14:hiddenFill xmlns:a14="http://schemas.microsoft.com/office/drawing/2010/main">
-                <a:blipFill dpi="0" rotWithShape="0">
-                  <a:blip/>
-                  <a:srcRect/>
-                  <a:stretch>
-                    <a:fillRect/>
-                  </a:stretch>
-                </a:blipFill>
-              </a14:hiddenFill>
-            </a:ext>
-            <a:ext uri="{91240B29-F687-4F45-9708-019B960494DF}">
-              <a14:hiddenLine xmlns:a14="http://schemas.microsoft.com/office/drawing/2010/main" w="9525" cap="flat">
-                <a:solidFill>
-                  <a:srgbClr val="808080"/>
-                </a:solidFill>
-                <a:round/>
-                <a:headEnd/>
-                <a:tailEnd/>
-              </a14:hiddenLine>
-            </a:ext>
-            <a:ext uri="{AF507438-7753-43E0-B8FC-AC1667EBCBE1}">
-              <a14:hiddenEffects xmlns:a14="http://schemas.microsoft.com/office/drawing/2010/main">
-                <a:effectLst>
-                  <a:outerShdw dist="35921" dir="2700000" algn="ctr" rotWithShape="0">
-                    <a:srgbClr val="808080"/>
-                  </a:outerShdw>
-                </a:effectLst>
-              </a14:hiddenEffects>
-            </a:ext>
-          </a:extLst>
-        </p:spPr>
-      </p:pic>
     </p:spTree>
     <p:extLst>
       <p:ext uri="{BB962C8B-B14F-4D97-AF65-F5344CB8AC3E}">
@@ -10385,10 +10276,9 @@
           </a:p>
           <a:p>
             <a:r>
-              <a:rPr lang="en-GB"/>
+              <a:rPr lang="en-GB" dirty="0"/>
               <a:t>Ethical Issues</a:t>
             </a:r>
-            <a:endParaRPr lang="en-GB" dirty="0"/>
           </a:p>
           <a:p>
             <a:r>
